--- a/Object oriented Programming/Presentation/Object oriented Programming.pptx
+++ b/Object oriented Programming/Presentation/Object oriented Programming.pptx
@@ -5,7 +5,7 @@
     <p:sldMasterId id="2147483817" r:id="rId1"/>
   </p:sldMasterIdLst>
   <p:notesMasterIdLst>
-    <p:notesMasterId r:id="rId28"/>
+    <p:notesMasterId r:id="rId29"/>
   </p:notesMasterIdLst>
   <p:sldIdLst>
     <p:sldId id="323" r:id="rId2"/>
@@ -22,18 +22,19 @@
     <p:sldId id="341" r:id="rId13"/>
     <p:sldId id="329" r:id="rId14"/>
     <p:sldId id="309" r:id="rId15"/>
-    <p:sldId id="266" r:id="rId16"/>
-    <p:sldId id="335" r:id="rId17"/>
-    <p:sldId id="334" r:id="rId18"/>
-    <p:sldId id="267" r:id="rId19"/>
-    <p:sldId id="337" r:id="rId20"/>
-    <p:sldId id="269" r:id="rId21"/>
-    <p:sldId id="338" r:id="rId22"/>
-    <p:sldId id="339" r:id="rId23"/>
+    <p:sldId id="267" r:id="rId16"/>
+    <p:sldId id="337" r:id="rId17"/>
+    <p:sldId id="269" r:id="rId18"/>
+    <p:sldId id="338" r:id="rId19"/>
+    <p:sldId id="339" r:id="rId20"/>
+    <p:sldId id="266" r:id="rId21"/>
+    <p:sldId id="335" r:id="rId22"/>
+    <p:sldId id="334" r:id="rId23"/>
     <p:sldId id="320" r:id="rId24"/>
-    <p:sldId id="268" r:id="rId25"/>
-    <p:sldId id="321" r:id="rId26"/>
-    <p:sldId id="296" r:id="rId27"/>
+    <p:sldId id="342" r:id="rId25"/>
+    <p:sldId id="268" r:id="rId26"/>
+    <p:sldId id="321" r:id="rId27"/>
+    <p:sldId id="296" r:id="rId28"/>
   </p:sldIdLst>
   <p:sldSz cx="9144000" cy="6858000" type="screen4x3"/>
   <p:notesSz cx="6858000" cy="9144000"/>
@@ -265,7 +266,7 @@
               <a:pPr>
                 <a:defRPr/>
               </a:pPr>
-              <a:t>9/20/22</a:t>
+              <a:t>9/22/22</a:t>
             </a:fld>
             <a:endParaRPr lang="en-US" altLang="en-US"/>
           </a:p>
@@ -1439,10 +1440,10 @@
       </p:grpSpPr>
       <p:sp>
         <p:nvSpPr>
-          <p:cNvPr id="29697" name="Slide Image Placeholder 1">
+          <p:cNvPr id="38913" name="Slide Image Placeholder 1">
             <a:extLst>
               <a:ext uri="{FF2B5EF4-FFF2-40B4-BE49-F238E27FC236}">
-                <a16:creationId xmlns:a16="http://schemas.microsoft.com/office/drawing/2014/main" id="{2031AE96-857B-D7E8-1D5E-F4206D8AFBF3}"/>
+                <a16:creationId xmlns:a16="http://schemas.microsoft.com/office/drawing/2014/main" id="{39E40922-CC14-5B86-B61D-2373145AF08C}"/>
               </a:ext>
             </a:extLst>
           </p:cNvPr>
@@ -1476,10 +1477,10 @@
       </p:sp>
       <p:sp>
         <p:nvSpPr>
-          <p:cNvPr id="29698" name="Notes Placeholder 2">
+          <p:cNvPr id="38914" name="Notes Placeholder 2">
             <a:extLst>
               <a:ext uri="{FF2B5EF4-FFF2-40B4-BE49-F238E27FC236}">
-                <a16:creationId xmlns:a16="http://schemas.microsoft.com/office/drawing/2014/main" id="{74513D7F-DAD9-E0E5-EC62-A09C3709307B}"/>
+                <a16:creationId xmlns:a16="http://schemas.microsoft.com/office/drawing/2014/main" id="{D67B79E9-E1E9-6382-5582-102D52640D71}"/>
               </a:ext>
             </a:extLst>
           </p:cNvPr>
@@ -1520,31 +1521,26 @@
           </a:bodyPr>
           <a:lstStyle/>
           <a:p>
-            <a:pPr eaLnBrk="1" hangingPunct="1">
-              <a:spcBef>
-                <a:spcPct val="0"/>
-              </a:spcBef>
-            </a:pPr>
             <a:r>
               <a:rPr lang="en-US" altLang="en-US">
                 <a:ea typeface="ＭＳ Ｐゴシック" panose="020B0600070205080204" pitchFamily="34" charset="-128"/>
               </a:rPr>
-              <a:t>Abstraction is the process of abstraction in Java is used to hide certain details and only show the essential features of the object.</a:t>
-            </a:r>
-          </a:p>
-        </p:txBody>
-      </p:sp>
-      <p:sp>
-        <p:nvSpPr>
-          <p:cNvPr id="29699" name="Slide Number Placeholder 3">
+              <a:t>Interface =&gt; abstract</a:t>
+            </a:r>
+          </a:p>
+        </p:txBody>
+      </p:sp>
+      <p:sp>
+        <p:nvSpPr>
+          <p:cNvPr id="38915" name="Slide Number Placeholder 3">
             <a:extLst>
               <a:ext uri="{FF2B5EF4-FFF2-40B4-BE49-F238E27FC236}">
-                <a16:creationId xmlns:a16="http://schemas.microsoft.com/office/drawing/2014/main" id="{8ABD0DE6-1737-E308-DF12-0F0F9EC9D0D1}"/>
+                <a16:creationId xmlns:a16="http://schemas.microsoft.com/office/drawing/2014/main" id="{419D82F6-9936-3A13-B5D0-DB37C1644240}"/>
               </a:ext>
             </a:extLst>
           </p:cNvPr>
           <p:cNvSpPr>
-            <a:spLocks noGrp="1"/>
+            <a:spLocks noGrp="1" noChangeArrowheads="1"/>
           </p:cNvSpPr>
           <p:nvPr>
             <p:ph type="sldNum" sz="quarter" idx="5"/>
@@ -1682,10 +1678,10 @@
             </a:lvl9pPr>
           </a:lstStyle>
           <a:p>
-            <a:fld id="{79719FBD-F070-E948-B1E7-9120E3486E62}" type="slidenum">
+            <a:fld id="{94A733D2-E6F1-CB4A-81FD-F5B9D8C8A597}" type="slidenum">
               <a:rPr lang="en-US" altLang="en-US" sz="1200"/>
               <a:pPr/>
-              <a:t>15</a:t>
+              <a:t>19</a:t>
             </a:fld>
             <a:endParaRPr lang="en-US" altLang="en-US" sz="1200"/>
           </a:p>
@@ -1718,10 +1714,10 @@
       </p:grpSpPr>
       <p:sp>
         <p:nvSpPr>
-          <p:cNvPr id="38913" name="Slide Image Placeholder 1">
+          <p:cNvPr id="29697" name="Slide Image Placeholder 1">
             <a:extLst>
               <a:ext uri="{FF2B5EF4-FFF2-40B4-BE49-F238E27FC236}">
-                <a16:creationId xmlns:a16="http://schemas.microsoft.com/office/drawing/2014/main" id="{39E40922-CC14-5B86-B61D-2373145AF08C}"/>
+                <a16:creationId xmlns:a16="http://schemas.microsoft.com/office/drawing/2014/main" id="{2031AE96-857B-D7E8-1D5E-F4206D8AFBF3}"/>
               </a:ext>
             </a:extLst>
           </p:cNvPr>
@@ -1755,10 +1751,10 @@
       </p:sp>
       <p:sp>
         <p:nvSpPr>
-          <p:cNvPr id="38914" name="Notes Placeholder 2">
+          <p:cNvPr id="29698" name="Notes Placeholder 2">
             <a:extLst>
               <a:ext uri="{FF2B5EF4-FFF2-40B4-BE49-F238E27FC236}">
-                <a16:creationId xmlns:a16="http://schemas.microsoft.com/office/drawing/2014/main" id="{D67B79E9-E1E9-6382-5582-102D52640D71}"/>
+                <a16:creationId xmlns:a16="http://schemas.microsoft.com/office/drawing/2014/main" id="{74513D7F-DAD9-E0E5-EC62-A09C3709307B}"/>
               </a:ext>
             </a:extLst>
           </p:cNvPr>
@@ -1799,26 +1795,31 @@
           </a:bodyPr>
           <a:lstStyle/>
           <a:p>
+            <a:pPr eaLnBrk="1" hangingPunct="1">
+              <a:spcBef>
+                <a:spcPct val="0"/>
+              </a:spcBef>
+            </a:pPr>
             <a:r>
               <a:rPr lang="en-US" altLang="en-US">
                 <a:ea typeface="ＭＳ Ｐゴシック" panose="020B0600070205080204" pitchFamily="34" charset="-128"/>
               </a:rPr>
-              <a:t>Interface =&gt; abstract</a:t>
-            </a:r>
-          </a:p>
-        </p:txBody>
-      </p:sp>
-      <p:sp>
-        <p:nvSpPr>
-          <p:cNvPr id="38915" name="Slide Number Placeholder 3">
+              <a:t>Abstraction is the process of abstraction in Java is used to hide certain details and only show the essential features of the object.</a:t>
+            </a:r>
+          </a:p>
+        </p:txBody>
+      </p:sp>
+      <p:sp>
+        <p:nvSpPr>
+          <p:cNvPr id="29699" name="Slide Number Placeholder 3">
             <a:extLst>
               <a:ext uri="{FF2B5EF4-FFF2-40B4-BE49-F238E27FC236}">
-                <a16:creationId xmlns:a16="http://schemas.microsoft.com/office/drawing/2014/main" id="{419D82F6-9936-3A13-B5D0-DB37C1644240}"/>
+                <a16:creationId xmlns:a16="http://schemas.microsoft.com/office/drawing/2014/main" id="{8ABD0DE6-1737-E308-DF12-0F0F9EC9D0D1}"/>
               </a:ext>
             </a:extLst>
           </p:cNvPr>
           <p:cNvSpPr>
-            <a:spLocks noGrp="1" noChangeArrowheads="1"/>
+            <a:spLocks noGrp="1"/>
           </p:cNvSpPr>
           <p:nvPr>
             <p:ph type="sldNum" sz="quarter" idx="5"/>
@@ -1956,10 +1957,10 @@
             </a:lvl9pPr>
           </a:lstStyle>
           <a:p>
-            <a:fld id="{94A733D2-E6F1-CB4A-81FD-F5B9D8C8A597}" type="slidenum">
+            <a:fld id="{79719FBD-F070-E948-B1E7-9120E3486E62}" type="slidenum">
               <a:rPr lang="en-US" altLang="en-US" sz="1200"/>
               <a:pPr/>
-              <a:t>22</a:t>
+              <a:t>20</a:t>
             </a:fld>
             <a:endParaRPr lang="en-US" altLang="en-US" sz="1200"/>
           </a:p>
@@ -6973,10 +6974,10 @@
       </p:grpSpPr>
       <p:sp>
         <p:nvSpPr>
-          <p:cNvPr id="23554" name="Rectangle 2">
+          <p:cNvPr id="24578" name="Rectangle 2">
             <a:extLst>
               <a:ext uri="{FF2B5EF4-FFF2-40B4-BE49-F238E27FC236}">
-                <a16:creationId xmlns:a16="http://schemas.microsoft.com/office/drawing/2014/main" id="{4EF6E88E-BE54-6E47-8750-406C7AC02B3E}"/>
+                <a16:creationId xmlns:a16="http://schemas.microsoft.com/office/drawing/2014/main" id="{9213E8CA-5501-6BB7-59D3-0701D0ADF382}"/>
               </a:ext>
             </a:extLst>
           </p:cNvPr>
@@ -6998,17 +6999,17 @@
               <a:rPr lang="en-US" altLang="en-US" dirty="0">
                 <a:latin typeface="Calibri" panose="020F0502020204030204" pitchFamily="34" charset="0"/>
               </a:rPr>
-              <a:t>Abstraction</a:t>
-            </a:r>
-          </a:p>
-        </p:txBody>
-      </p:sp>
-      <p:sp>
-        <p:nvSpPr>
-          <p:cNvPr id="23555" name="Rectangle 3">
+              <a:t>Encapsulation</a:t>
+            </a:r>
+          </a:p>
+        </p:txBody>
+      </p:sp>
+      <p:sp>
+        <p:nvSpPr>
+          <p:cNvPr id="24579" name="Rectangle 3">
             <a:extLst>
               <a:ext uri="{FF2B5EF4-FFF2-40B4-BE49-F238E27FC236}">
-                <a16:creationId xmlns:a16="http://schemas.microsoft.com/office/drawing/2014/main" id="{C30D9B5F-A37C-8FEE-44E0-1CD6E9DC1FE4}"/>
+                <a16:creationId xmlns:a16="http://schemas.microsoft.com/office/drawing/2014/main" id="{49E3F4CA-599C-4C96-590E-A474C1AE60F1}"/>
               </a:ext>
             </a:extLst>
           </p:cNvPr>
@@ -7019,10 +7020,15 @@
             <p:ph idx="1"/>
           </p:nvPr>
         </p:nvSpPr>
-        <p:spPr/>
+        <p:spPr>
+          <a:xfrm>
+            <a:off x="533400" y="3557016"/>
+            <a:ext cx="8305800" cy="2538984"/>
+          </a:xfrm>
+        </p:spPr>
         <p:txBody>
           <a:bodyPr vert="horz" lIns="45720" tIns="45720" rIns="45720" bIns="45720" rtlCol="0">
-            <a:normAutofit/>
+            <a:normAutofit lnSpcReduction="10000"/>
           </a:bodyPr>
           <a:lstStyle/>
           <a:p>
@@ -7034,7 +7040,7 @@
               <a:rPr lang="en-US" altLang="en-US" dirty="0">
                 <a:latin typeface="Calibri" panose="020F0502020204030204" pitchFamily="34" charset="0"/>
               </a:rPr>
-              <a:t>The ability of a program to ignore the details of an object's Class(Hiding internal details and showing functionality)</a:t>
+              <a:t>Encapsulation is the technique of making the fields in a class private and providing access to the fields via public methods.</a:t>
             </a:r>
           </a:p>
           <a:p>
@@ -7046,7 +7052,7 @@
               <a:rPr lang="en-US" altLang="en-US" dirty="0">
                 <a:latin typeface="Calibri" panose="020F0502020204030204" pitchFamily="34" charset="0"/>
               </a:rPr>
-              <a:t>Concentrates on the features that are essential</a:t>
+              <a:t>prevents the code and data being randomly accessed by other code defined outside the class. </a:t>
             </a:r>
           </a:p>
           <a:p>
@@ -7058,7 +7064,7 @@
               <a:rPr lang="en-US" altLang="en-US" dirty="0">
                 <a:latin typeface="Calibri" panose="020F0502020204030204" pitchFamily="34" charset="0"/>
               </a:rPr>
-              <a:t>Abstraction lets you focus on what the object does instead of how it does it.</a:t>
+              <a:t>Binds the data and methods together </a:t>
             </a:r>
           </a:p>
           <a:p>
@@ -7070,7 +7076,7 @@
               <a:rPr lang="en-US" altLang="en-US" dirty="0">
                 <a:latin typeface="Calibri" panose="020F0502020204030204" pitchFamily="34" charset="0"/>
               </a:rPr>
-              <a:t>we use abstract class and interface to achieve abstraction</a:t>
+              <a:t>Hides the non-essential details of an object and shows only essential details</a:t>
             </a:r>
           </a:p>
           <a:p>
@@ -7082,7 +7088,763 @@
               <a:rPr lang="en-US" altLang="en-US" dirty="0">
                 <a:latin typeface="Calibri" panose="020F0502020204030204" pitchFamily="34" charset="0"/>
               </a:rPr>
-              <a:t>cannot create an instance of the abstract class.</a:t>
+              <a:t>Promotes reuses of the objects</a:t>
+            </a:r>
+          </a:p>
+        </p:txBody>
+      </p:sp>
+      <p:sp>
+        <p:nvSpPr>
+          <p:cNvPr id="32771" name="Rectangle 4">
+            <a:extLst>
+              <a:ext uri="{FF2B5EF4-FFF2-40B4-BE49-F238E27FC236}">
+                <a16:creationId xmlns:a16="http://schemas.microsoft.com/office/drawing/2014/main" id="{3BF063E5-207C-96F1-9B12-72C0772345B8}"/>
+              </a:ext>
+            </a:extLst>
+          </p:cNvPr>
+          <p:cNvSpPr>
+            <a:spLocks noChangeArrowheads="1"/>
+          </p:cNvSpPr>
+          <p:nvPr/>
+        </p:nvSpPr>
+        <p:spPr bwMode="auto">
+          <a:xfrm>
+            <a:off x="3048000" y="2514600"/>
+            <a:ext cx="2286000" cy="457200"/>
+          </a:xfrm>
+          <a:prstGeom prst="rect">
+            <a:avLst/>
+          </a:prstGeom>
+          <a:solidFill>
+            <a:schemeClr val="hlink"/>
+          </a:solidFill>
+          <a:ln w="9525">
+            <a:solidFill>
+              <a:schemeClr val="tx1"/>
+            </a:solidFill>
+            <a:miter lim="800000"/>
+            <a:headEnd/>
+            <a:tailEnd/>
+          </a:ln>
+        </p:spPr>
+        <p:txBody>
+          <a:bodyPr wrap="none" anchor="ctr"/>
+          <a:lstStyle>
+            <a:lvl1pPr>
+              <a:defRPr sz="3200">
+                <a:solidFill>
+                  <a:schemeClr val="tx1"/>
+                </a:solidFill>
+                <a:latin typeface="Tahoma" panose="020B0604030504040204" pitchFamily="34" charset="0"/>
+                <a:ea typeface="ＭＳ Ｐゴシック" panose="020B0600070205080204" pitchFamily="34" charset="-128"/>
+              </a:defRPr>
+            </a:lvl1pPr>
+            <a:lvl2pPr marL="742950" indent="-285750">
+              <a:defRPr sz="3200">
+                <a:solidFill>
+                  <a:schemeClr val="tx1"/>
+                </a:solidFill>
+                <a:latin typeface="Tahoma" panose="020B0604030504040204" pitchFamily="34" charset="0"/>
+                <a:ea typeface="ＭＳ Ｐゴシック" panose="020B0600070205080204" pitchFamily="34" charset="-128"/>
+              </a:defRPr>
+            </a:lvl2pPr>
+            <a:lvl3pPr marL="1143000" indent="-228600">
+              <a:defRPr sz="3200">
+                <a:solidFill>
+                  <a:schemeClr val="tx1"/>
+                </a:solidFill>
+                <a:latin typeface="Tahoma" panose="020B0604030504040204" pitchFamily="34" charset="0"/>
+                <a:ea typeface="ＭＳ Ｐゴシック" panose="020B0600070205080204" pitchFamily="34" charset="-128"/>
+              </a:defRPr>
+            </a:lvl3pPr>
+            <a:lvl4pPr marL="1600200" indent="-228600">
+              <a:defRPr sz="3200">
+                <a:solidFill>
+                  <a:schemeClr val="tx1"/>
+                </a:solidFill>
+                <a:latin typeface="Tahoma" panose="020B0604030504040204" pitchFamily="34" charset="0"/>
+                <a:ea typeface="ＭＳ Ｐゴシック" panose="020B0600070205080204" pitchFamily="34" charset="-128"/>
+              </a:defRPr>
+            </a:lvl4pPr>
+            <a:lvl5pPr marL="2057400" indent="-228600">
+              <a:defRPr sz="3200">
+                <a:solidFill>
+                  <a:schemeClr val="tx1"/>
+                </a:solidFill>
+                <a:latin typeface="Tahoma" panose="020B0604030504040204" pitchFamily="34" charset="0"/>
+                <a:ea typeface="ＭＳ Ｐゴシック" panose="020B0600070205080204" pitchFamily="34" charset="-128"/>
+              </a:defRPr>
+            </a:lvl5pPr>
+            <a:lvl6pPr marL="2514600" indent="-228600" eaLnBrk="0" fontAlgn="base" hangingPunct="0">
+              <a:spcBef>
+                <a:spcPct val="0"/>
+              </a:spcBef>
+              <a:spcAft>
+                <a:spcPct val="0"/>
+              </a:spcAft>
+              <a:defRPr sz="3200">
+                <a:solidFill>
+                  <a:schemeClr val="tx1"/>
+                </a:solidFill>
+                <a:latin typeface="Tahoma" panose="020B0604030504040204" pitchFamily="34" charset="0"/>
+                <a:ea typeface="ＭＳ Ｐゴシック" panose="020B0600070205080204" pitchFamily="34" charset="-128"/>
+              </a:defRPr>
+            </a:lvl6pPr>
+            <a:lvl7pPr marL="2971800" indent="-228600" eaLnBrk="0" fontAlgn="base" hangingPunct="0">
+              <a:spcBef>
+                <a:spcPct val="0"/>
+              </a:spcBef>
+              <a:spcAft>
+                <a:spcPct val="0"/>
+              </a:spcAft>
+              <a:defRPr sz="3200">
+                <a:solidFill>
+                  <a:schemeClr val="tx1"/>
+                </a:solidFill>
+                <a:latin typeface="Tahoma" panose="020B0604030504040204" pitchFamily="34" charset="0"/>
+                <a:ea typeface="ＭＳ Ｐゴシック" panose="020B0600070205080204" pitchFamily="34" charset="-128"/>
+              </a:defRPr>
+            </a:lvl7pPr>
+            <a:lvl8pPr marL="3429000" indent="-228600" eaLnBrk="0" fontAlgn="base" hangingPunct="0">
+              <a:spcBef>
+                <a:spcPct val="0"/>
+              </a:spcBef>
+              <a:spcAft>
+                <a:spcPct val="0"/>
+              </a:spcAft>
+              <a:defRPr sz="3200">
+                <a:solidFill>
+                  <a:schemeClr val="tx1"/>
+                </a:solidFill>
+                <a:latin typeface="Tahoma" panose="020B0604030504040204" pitchFamily="34" charset="0"/>
+                <a:ea typeface="ＭＳ Ｐゴシック" panose="020B0600070205080204" pitchFamily="34" charset="-128"/>
+              </a:defRPr>
+            </a:lvl8pPr>
+            <a:lvl9pPr marL="3886200" indent="-228600" eaLnBrk="0" fontAlgn="base" hangingPunct="0">
+              <a:spcBef>
+                <a:spcPct val="0"/>
+              </a:spcBef>
+              <a:spcAft>
+                <a:spcPct val="0"/>
+              </a:spcAft>
+              <a:defRPr sz="3200">
+                <a:solidFill>
+                  <a:schemeClr val="tx1"/>
+                </a:solidFill>
+                <a:latin typeface="Tahoma" panose="020B0604030504040204" pitchFamily="34" charset="0"/>
+                <a:ea typeface="ＭＳ Ｐゴシック" panose="020B0600070205080204" pitchFamily="34" charset="-128"/>
+              </a:defRPr>
+            </a:lvl9pPr>
+          </a:lstStyle>
+          <a:p>
+            <a:pPr algn="ctr"/>
+            <a:r>
+              <a:rPr lang="en-US" altLang="en-US"/>
+              <a:t>Data</a:t>
+            </a:r>
+          </a:p>
+        </p:txBody>
+      </p:sp>
+      <p:sp>
+        <p:nvSpPr>
+          <p:cNvPr id="32772" name="Rectangle 5">
+            <a:extLst>
+              <a:ext uri="{FF2B5EF4-FFF2-40B4-BE49-F238E27FC236}">
+                <a16:creationId xmlns:a16="http://schemas.microsoft.com/office/drawing/2014/main" id="{FA85B713-13BE-515B-0B5B-2E2A4877970B}"/>
+              </a:ext>
+            </a:extLst>
+          </p:cNvPr>
+          <p:cNvSpPr>
+            <a:spLocks noChangeArrowheads="1"/>
+          </p:cNvSpPr>
+          <p:nvPr/>
+        </p:nvSpPr>
+        <p:spPr bwMode="auto">
+          <a:xfrm>
+            <a:off x="2895600" y="2133600"/>
+            <a:ext cx="2286000" cy="609600"/>
+          </a:xfrm>
+          <a:prstGeom prst="rect">
+            <a:avLst/>
+          </a:prstGeom>
+          <a:solidFill>
+            <a:schemeClr val="hlink"/>
+          </a:solidFill>
+          <a:ln w="9525">
+            <a:solidFill>
+              <a:schemeClr val="tx1"/>
+            </a:solidFill>
+            <a:miter lim="800000"/>
+            <a:headEnd/>
+            <a:tailEnd/>
+          </a:ln>
+        </p:spPr>
+        <p:txBody>
+          <a:bodyPr wrap="none" anchor="ctr"/>
+          <a:lstStyle>
+            <a:lvl1pPr>
+              <a:defRPr sz="3200">
+                <a:solidFill>
+                  <a:schemeClr val="tx1"/>
+                </a:solidFill>
+                <a:latin typeface="Tahoma" panose="020B0604030504040204" pitchFamily="34" charset="0"/>
+                <a:ea typeface="ＭＳ Ｐゴシック" panose="020B0600070205080204" pitchFamily="34" charset="-128"/>
+              </a:defRPr>
+            </a:lvl1pPr>
+            <a:lvl2pPr marL="742950" indent="-285750">
+              <a:defRPr sz="3200">
+                <a:solidFill>
+                  <a:schemeClr val="tx1"/>
+                </a:solidFill>
+                <a:latin typeface="Tahoma" panose="020B0604030504040204" pitchFamily="34" charset="0"/>
+                <a:ea typeface="ＭＳ Ｐゴシック" panose="020B0600070205080204" pitchFamily="34" charset="-128"/>
+              </a:defRPr>
+            </a:lvl2pPr>
+            <a:lvl3pPr marL="1143000" indent="-228600">
+              <a:defRPr sz="3200">
+                <a:solidFill>
+                  <a:schemeClr val="tx1"/>
+                </a:solidFill>
+                <a:latin typeface="Tahoma" panose="020B0604030504040204" pitchFamily="34" charset="0"/>
+                <a:ea typeface="ＭＳ Ｐゴシック" panose="020B0600070205080204" pitchFamily="34" charset="-128"/>
+              </a:defRPr>
+            </a:lvl3pPr>
+            <a:lvl4pPr marL="1600200" indent="-228600">
+              <a:defRPr sz="3200">
+                <a:solidFill>
+                  <a:schemeClr val="tx1"/>
+                </a:solidFill>
+                <a:latin typeface="Tahoma" panose="020B0604030504040204" pitchFamily="34" charset="0"/>
+                <a:ea typeface="ＭＳ Ｐゴシック" panose="020B0600070205080204" pitchFamily="34" charset="-128"/>
+              </a:defRPr>
+            </a:lvl4pPr>
+            <a:lvl5pPr marL="2057400" indent="-228600">
+              <a:defRPr sz="3200">
+                <a:solidFill>
+                  <a:schemeClr val="tx1"/>
+                </a:solidFill>
+                <a:latin typeface="Tahoma" panose="020B0604030504040204" pitchFamily="34" charset="0"/>
+                <a:ea typeface="ＭＳ Ｐゴシック" panose="020B0600070205080204" pitchFamily="34" charset="-128"/>
+              </a:defRPr>
+            </a:lvl5pPr>
+            <a:lvl6pPr marL="2514600" indent="-228600" eaLnBrk="0" fontAlgn="base" hangingPunct="0">
+              <a:spcBef>
+                <a:spcPct val="0"/>
+              </a:spcBef>
+              <a:spcAft>
+                <a:spcPct val="0"/>
+              </a:spcAft>
+              <a:defRPr sz="3200">
+                <a:solidFill>
+                  <a:schemeClr val="tx1"/>
+                </a:solidFill>
+                <a:latin typeface="Tahoma" panose="020B0604030504040204" pitchFamily="34" charset="0"/>
+                <a:ea typeface="ＭＳ Ｐゴシック" panose="020B0600070205080204" pitchFamily="34" charset="-128"/>
+              </a:defRPr>
+            </a:lvl6pPr>
+            <a:lvl7pPr marL="2971800" indent="-228600" eaLnBrk="0" fontAlgn="base" hangingPunct="0">
+              <a:spcBef>
+                <a:spcPct val="0"/>
+              </a:spcBef>
+              <a:spcAft>
+                <a:spcPct val="0"/>
+              </a:spcAft>
+              <a:defRPr sz="3200">
+                <a:solidFill>
+                  <a:schemeClr val="tx1"/>
+                </a:solidFill>
+                <a:latin typeface="Tahoma" panose="020B0604030504040204" pitchFamily="34" charset="0"/>
+                <a:ea typeface="ＭＳ Ｐゴシック" panose="020B0600070205080204" pitchFamily="34" charset="-128"/>
+              </a:defRPr>
+            </a:lvl7pPr>
+            <a:lvl8pPr marL="3429000" indent="-228600" eaLnBrk="0" fontAlgn="base" hangingPunct="0">
+              <a:spcBef>
+                <a:spcPct val="0"/>
+              </a:spcBef>
+              <a:spcAft>
+                <a:spcPct val="0"/>
+              </a:spcAft>
+              <a:defRPr sz="3200">
+                <a:solidFill>
+                  <a:schemeClr val="tx1"/>
+                </a:solidFill>
+                <a:latin typeface="Tahoma" panose="020B0604030504040204" pitchFamily="34" charset="0"/>
+                <a:ea typeface="ＭＳ Ｐゴシック" panose="020B0600070205080204" pitchFamily="34" charset="-128"/>
+              </a:defRPr>
+            </a:lvl8pPr>
+            <a:lvl9pPr marL="3886200" indent="-228600" eaLnBrk="0" fontAlgn="base" hangingPunct="0">
+              <a:spcBef>
+                <a:spcPct val="0"/>
+              </a:spcBef>
+              <a:spcAft>
+                <a:spcPct val="0"/>
+              </a:spcAft>
+              <a:defRPr sz="3200">
+                <a:solidFill>
+                  <a:schemeClr val="tx1"/>
+                </a:solidFill>
+                <a:latin typeface="Tahoma" panose="020B0604030504040204" pitchFamily="34" charset="0"/>
+                <a:ea typeface="ＭＳ Ｐゴシック" panose="020B0600070205080204" pitchFamily="34" charset="-128"/>
+              </a:defRPr>
+            </a:lvl9pPr>
+          </a:lstStyle>
+          <a:p>
+            <a:pPr algn="ctr"/>
+            <a:r>
+              <a:rPr lang="en-US" altLang="en-US"/>
+              <a:t>Methods</a:t>
+            </a:r>
+          </a:p>
+        </p:txBody>
+      </p:sp>
+      <p:sp>
+        <p:nvSpPr>
+          <p:cNvPr id="32774" name="Rectangle 7">
+            <a:extLst>
+              <a:ext uri="{FF2B5EF4-FFF2-40B4-BE49-F238E27FC236}">
+                <a16:creationId xmlns:a16="http://schemas.microsoft.com/office/drawing/2014/main" id="{C438E451-25BC-BAE8-CC5E-F26412089193}"/>
+              </a:ext>
+            </a:extLst>
+          </p:cNvPr>
+          <p:cNvSpPr>
+            <a:spLocks noChangeArrowheads="1"/>
+          </p:cNvSpPr>
+          <p:nvPr/>
+        </p:nvSpPr>
+        <p:spPr bwMode="auto">
+          <a:xfrm>
+            <a:off x="1708023" y="2063615"/>
+            <a:ext cx="5410200" cy="1212985"/>
+          </a:xfrm>
+          <a:prstGeom prst="rect">
+            <a:avLst/>
+          </a:prstGeom>
+          <a:solidFill>
+            <a:schemeClr val="accent1"/>
+          </a:solidFill>
+          <a:ln w="9525">
+            <a:solidFill>
+              <a:schemeClr val="tx1"/>
+            </a:solidFill>
+            <a:miter lim="800000"/>
+            <a:headEnd/>
+            <a:tailEnd/>
+          </a:ln>
+        </p:spPr>
+        <p:txBody>
+          <a:bodyPr wrap="none" anchor="ctr"/>
+          <a:lstStyle>
+            <a:lvl1pPr>
+              <a:defRPr sz="3200">
+                <a:solidFill>
+                  <a:schemeClr val="tx1"/>
+                </a:solidFill>
+                <a:latin typeface="Tahoma" panose="020B0604030504040204" pitchFamily="34" charset="0"/>
+                <a:ea typeface="ＭＳ Ｐゴシック" panose="020B0600070205080204" pitchFamily="34" charset="-128"/>
+              </a:defRPr>
+            </a:lvl1pPr>
+            <a:lvl2pPr marL="742950" indent="-285750">
+              <a:defRPr sz="3200">
+                <a:solidFill>
+                  <a:schemeClr val="tx1"/>
+                </a:solidFill>
+                <a:latin typeface="Tahoma" panose="020B0604030504040204" pitchFamily="34" charset="0"/>
+                <a:ea typeface="ＭＳ Ｐゴシック" panose="020B0600070205080204" pitchFamily="34" charset="-128"/>
+              </a:defRPr>
+            </a:lvl2pPr>
+            <a:lvl3pPr marL="1143000" indent="-228600">
+              <a:defRPr sz="3200">
+                <a:solidFill>
+                  <a:schemeClr val="tx1"/>
+                </a:solidFill>
+                <a:latin typeface="Tahoma" panose="020B0604030504040204" pitchFamily="34" charset="0"/>
+                <a:ea typeface="ＭＳ Ｐゴシック" panose="020B0600070205080204" pitchFamily="34" charset="-128"/>
+              </a:defRPr>
+            </a:lvl3pPr>
+            <a:lvl4pPr marL="1600200" indent="-228600">
+              <a:defRPr sz="3200">
+                <a:solidFill>
+                  <a:schemeClr val="tx1"/>
+                </a:solidFill>
+                <a:latin typeface="Tahoma" panose="020B0604030504040204" pitchFamily="34" charset="0"/>
+                <a:ea typeface="ＭＳ Ｐゴシック" panose="020B0600070205080204" pitchFamily="34" charset="-128"/>
+              </a:defRPr>
+            </a:lvl4pPr>
+            <a:lvl5pPr marL="2057400" indent="-228600">
+              <a:defRPr sz="3200">
+                <a:solidFill>
+                  <a:schemeClr val="tx1"/>
+                </a:solidFill>
+                <a:latin typeface="Tahoma" panose="020B0604030504040204" pitchFamily="34" charset="0"/>
+                <a:ea typeface="ＭＳ Ｐゴシック" panose="020B0600070205080204" pitchFamily="34" charset="-128"/>
+              </a:defRPr>
+            </a:lvl5pPr>
+            <a:lvl6pPr marL="2514600" indent="-228600" eaLnBrk="0" fontAlgn="base" hangingPunct="0">
+              <a:spcBef>
+                <a:spcPct val="0"/>
+              </a:spcBef>
+              <a:spcAft>
+                <a:spcPct val="0"/>
+              </a:spcAft>
+              <a:defRPr sz="3200">
+                <a:solidFill>
+                  <a:schemeClr val="tx1"/>
+                </a:solidFill>
+                <a:latin typeface="Tahoma" panose="020B0604030504040204" pitchFamily="34" charset="0"/>
+                <a:ea typeface="ＭＳ Ｐゴシック" panose="020B0600070205080204" pitchFamily="34" charset="-128"/>
+              </a:defRPr>
+            </a:lvl6pPr>
+            <a:lvl7pPr marL="2971800" indent="-228600" eaLnBrk="0" fontAlgn="base" hangingPunct="0">
+              <a:spcBef>
+                <a:spcPct val="0"/>
+              </a:spcBef>
+              <a:spcAft>
+                <a:spcPct val="0"/>
+              </a:spcAft>
+              <a:defRPr sz="3200">
+                <a:solidFill>
+                  <a:schemeClr val="tx1"/>
+                </a:solidFill>
+                <a:latin typeface="Tahoma" panose="020B0604030504040204" pitchFamily="34" charset="0"/>
+                <a:ea typeface="ＭＳ Ｐゴシック" panose="020B0600070205080204" pitchFamily="34" charset="-128"/>
+              </a:defRPr>
+            </a:lvl7pPr>
+            <a:lvl8pPr marL="3429000" indent="-228600" eaLnBrk="0" fontAlgn="base" hangingPunct="0">
+              <a:spcBef>
+                <a:spcPct val="0"/>
+              </a:spcBef>
+              <a:spcAft>
+                <a:spcPct val="0"/>
+              </a:spcAft>
+              <a:defRPr sz="3200">
+                <a:solidFill>
+                  <a:schemeClr val="tx1"/>
+                </a:solidFill>
+                <a:latin typeface="Tahoma" panose="020B0604030504040204" pitchFamily="34" charset="0"/>
+                <a:ea typeface="ＭＳ Ｐゴシック" panose="020B0600070205080204" pitchFamily="34" charset="-128"/>
+              </a:defRPr>
+            </a:lvl8pPr>
+            <a:lvl9pPr marL="3886200" indent="-228600" eaLnBrk="0" fontAlgn="base" hangingPunct="0">
+              <a:spcBef>
+                <a:spcPct val="0"/>
+              </a:spcBef>
+              <a:spcAft>
+                <a:spcPct val="0"/>
+              </a:spcAft>
+              <a:defRPr sz="3200">
+                <a:solidFill>
+                  <a:schemeClr val="tx1"/>
+                </a:solidFill>
+                <a:latin typeface="Tahoma" panose="020B0604030504040204" pitchFamily="34" charset="0"/>
+                <a:ea typeface="ＭＳ Ｐゴシック" panose="020B0600070205080204" pitchFamily="34" charset="-128"/>
+              </a:defRPr>
+            </a:lvl9pPr>
+          </a:lstStyle>
+          <a:p>
+            <a:endParaRPr lang="en-US" altLang="en-US"/>
+          </a:p>
+        </p:txBody>
+      </p:sp>
+      <p:sp>
+        <p:nvSpPr>
+          <p:cNvPr id="32775" name="Rectangle 8">
+            <a:extLst>
+              <a:ext uri="{FF2B5EF4-FFF2-40B4-BE49-F238E27FC236}">
+                <a16:creationId xmlns:a16="http://schemas.microsoft.com/office/drawing/2014/main" id="{066000D3-997F-98F1-8AF0-F99A9B4563EB}"/>
+              </a:ext>
+            </a:extLst>
+          </p:cNvPr>
+          <p:cNvSpPr>
+            <a:spLocks noChangeArrowheads="1"/>
+          </p:cNvSpPr>
+          <p:nvPr/>
+        </p:nvSpPr>
+        <p:spPr bwMode="auto">
+          <a:xfrm>
+            <a:off x="1988172" y="2432185"/>
+            <a:ext cx="2286000" cy="457200"/>
+          </a:xfrm>
+          <a:prstGeom prst="rect">
+            <a:avLst/>
+          </a:prstGeom>
+          <a:solidFill>
+            <a:schemeClr val="hlink"/>
+          </a:solidFill>
+          <a:ln w="9525">
+            <a:solidFill>
+              <a:schemeClr val="tx1"/>
+            </a:solidFill>
+            <a:miter lim="800000"/>
+            <a:headEnd/>
+            <a:tailEnd/>
+          </a:ln>
+        </p:spPr>
+        <p:txBody>
+          <a:bodyPr wrap="none" anchor="ctr"/>
+          <a:lstStyle>
+            <a:lvl1pPr>
+              <a:defRPr sz="3200">
+                <a:solidFill>
+                  <a:schemeClr val="tx1"/>
+                </a:solidFill>
+                <a:latin typeface="Tahoma" panose="020B0604030504040204" pitchFamily="34" charset="0"/>
+                <a:ea typeface="ＭＳ Ｐゴシック" panose="020B0600070205080204" pitchFamily="34" charset="-128"/>
+              </a:defRPr>
+            </a:lvl1pPr>
+            <a:lvl2pPr marL="742950" indent="-285750">
+              <a:defRPr sz="3200">
+                <a:solidFill>
+                  <a:schemeClr val="tx1"/>
+                </a:solidFill>
+                <a:latin typeface="Tahoma" panose="020B0604030504040204" pitchFamily="34" charset="0"/>
+                <a:ea typeface="ＭＳ Ｐゴシック" panose="020B0600070205080204" pitchFamily="34" charset="-128"/>
+              </a:defRPr>
+            </a:lvl2pPr>
+            <a:lvl3pPr marL="1143000" indent="-228600">
+              <a:defRPr sz="3200">
+                <a:solidFill>
+                  <a:schemeClr val="tx1"/>
+                </a:solidFill>
+                <a:latin typeface="Tahoma" panose="020B0604030504040204" pitchFamily="34" charset="0"/>
+                <a:ea typeface="ＭＳ Ｐゴシック" panose="020B0600070205080204" pitchFamily="34" charset="-128"/>
+              </a:defRPr>
+            </a:lvl3pPr>
+            <a:lvl4pPr marL="1600200" indent="-228600">
+              <a:defRPr sz="3200">
+                <a:solidFill>
+                  <a:schemeClr val="tx1"/>
+                </a:solidFill>
+                <a:latin typeface="Tahoma" panose="020B0604030504040204" pitchFamily="34" charset="0"/>
+                <a:ea typeface="ＭＳ Ｐゴシック" panose="020B0600070205080204" pitchFamily="34" charset="-128"/>
+              </a:defRPr>
+            </a:lvl4pPr>
+            <a:lvl5pPr marL="2057400" indent="-228600">
+              <a:defRPr sz="3200">
+                <a:solidFill>
+                  <a:schemeClr val="tx1"/>
+                </a:solidFill>
+                <a:latin typeface="Tahoma" panose="020B0604030504040204" pitchFamily="34" charset="0"/>
+                <a:ea typeface="ＭＳ Ｐゴシック" panose="020B0600070205080204" pitchFamily="34" charset="-128"/>
+              </a:defRPr>
+            </a:lvl5pPr>
+            <a:lvl6pPr marL="2514600" indent="-228600" eaLnBrk="0" fontAlgn="base" hangingPunct="0">
+              <a:spcBef>
+                <a:spcPct val="0"/>
+              </a:spcBef>
+              <a:spcAft>
+                <a:spcPct val="0"/>
+              </a:spcAft>
+              <a:defRPr sz="3200">
+                <a:solidFill>
+                  <a:schemeClr val="tx1"/>
+                </a:solidFill>
+                <a:latin typeface="Tahoma" panose="020B0604030504040204" pitchFamily="34" charset="0"/>
+                <a:ea typeface="ＭＳ Ｐゴシック" panose="020B0600070205080204" pitchFamily="34" charset="-128"/>
+              </a:defRPr>
+            </a:lvl6pPr>
+            <a:lvl7pPr marL="2971800" indent="-228600" eaLnBrk="0" fontAlgn="base" hangingPunct="0">
+              <a:spcBef>
+                <a:spcPct val="0"/>
+              </a:spcBef>
+              <a:spcAft>
+                <a:spcPct val="0"/>
+              </a:spcAft>
+              <a:defRPr sz="3200">
+                <a:solidFill>
+                  <a:schemeClr val="tx1"/>
+                </a:solidFill>
+                <a:latin typeface="Tahoma" panose="020B0604030504040204" pitchFamily="34" charset="0"/>
+                <a:ea typeface="ＭＳ Ｐゴシック" panose="020B0600070205080204" pitchFamily="34" charset="-128"/>
+              </a:defRPr>
+            </a:lvl7pPr>
+            <a:lvl8pPr marL="3429000" indent="-228600" eaLnBrk="0" fontAlgn="base" hangingPunct="0">
+              <a:spcBef>
+                <a:spcPct val="0"/>
+              </a:spcBef>
+              <a:spcAft>
+                <a:spcPct val="0"/>
+              </a:spcAft>
+              <a:defRPr sz="3200">
+                <a:solidFill>
+                  <a:schemeClr val="tx1"/>
+                </a:solidFill>
+                <a:latin typeface="Tahoma" panose="020B0604030504040204" pitchFamily="34" charset="0"/>
+                <a:ea typeface="ＭＳ Ｐゴシック" panose="020B0600070205080204" pitchFamily="34" charset="-128"/>
+              </a:defRPr>
+            </a:lvl8pPr>
+            <a:lvl9pPr marL="3886200" indent="-228600" eaLnBrk="0" fontAlgn="base" hangingPunct="0">
+              <a:spcBef>
+                <a:spcPct val="0"/>
+              </a:spcBef>
+              <a:spcAft>
+                <a:spcPct val="0"/>
+              </a:spcAft>
+              <a:defRPr sz="3200">
+                <a:solidFill>
+                  <a:schemeClr val="tx1"/>
+                </a:solidFill>
+                <a:latin typeface="Tahoma" panose="020B0604030504040204" pitchFamily="34" charset="0"/>
+                <a:ea typeface="ＭＳ Ｐゴシック" panose="020B0600070205080204" pitchFamily="34" charset="-128"/>
+              </a:defRPr>
+            </a:lvl9pPr>
+          </a:lstStyle>
+          <a:p>
+            <a:pPr algn="ctr"/>
+            <a:r>
+              <a:rPr lang="en-US" altLang="en-US"/>
+              <a:t>Data</a:t>
+            </a:r>
+          </a:p>
+        </p:txBody>
+      </p:sp>
+      <p:sp>
+        <p:nvSpPr>
+          <p:cNvPr id="32776" name="Rectangle 9">
+            <a:extLst>
+              <a:ext uri="{FF2B5EF4-FFF2-40B4-BE49-F238E27FC236}">
+                <a16:creationId xmlns:a16="http://schemas.microsoft.com/office/drawing/2014/main" id="{2E2F35C8-403E-5478-E306-BECE12A8DE7D}"/>
+              </a:ext>
+            </a:extLst>
+          </p:cNvPr>
+          <p:cNvSpPr>
+            <a:spLocks noChangeArrowheads="1"/>
+          </p:cNvSpPr>
+          <p:nvPr/>
+        </p:nvSpPr>
+        <p:spPr bwMode="auto">
+          <a:xfrm>
+            <a:off x="4611968" y="2432185"/>
+            <a:ext cx="2286000" cy="457200"/>
+          </a:xfrm>
+          <a:prstGeom prst="rect">
+            <a:avLst/>
+          </a:prstGeom>
+          <a:solidFill>
+            <a:schemeClr val="hlink"/>
+          </a:solidFill>
+          <a:ln w="9525">
+            <a:solidFill>
+              <a:schemeClr val="tx1"/>
+            </a:solidFill>
+            <a:miter lim="800000"/>
+            <a:headEnd/>
+            <a:tailEnd/>
+          </a:ln>
+        </p:spPr>
+        <p:txBody>
+          <a:bodyPr wrap="none" anchor="ctr"/>
+          <a:lstStyle>
+            <a:lvl1pPr>
+              <a:defRPr sz="3200">
+                <a:solidFill>
+                  <a:schemeClr val="tx1"/>
+                </a:solidFill>
+                <a:latin typeface="Tahoma" panose="020B0604030504040204" pitchFamily="34" charset="0"/>
+                <a:ea typeface="ＭＳ Ｐゴシック" panose="020B0600070205080204" pitchFamily="34" charset="-128"/>
+              </a:defRPr>
+            </a:lvl1pPr>
+            <a:lvl2pPr marL="742950" indent="-285750">
+              <a:defRPr sz="3200">
+                <a:solidFill>
+                  <a:schemeClr val="tx1"/>
+                </a:solidFill>
+                <a:latin typeface="Tahoma" panose="020B0604030504040204" pitchFamily="34" charset="0"/>
+                <a:ea typeface="ＭＳ Ｐゴシック" panose="020B0600070205080204" pitchFamily="34" charset="-128"/>
+              </a:defRPr>
+            </a:lvl2pPr>
+            <a:lvl3pPr marL="1143000" indent="-228600">
+              <a:defRPr sz="3200">
+                <a:solidFill>
+                  <a:schemeClr val="tx1"/>
+                </a:solidFill>
+                <a:latin typeface="Tahoma" panose="020B0604030504040204" pitchFamily="34" charset="0"/>
+                <a:ea typeface="ＭＳ Ｐゴシック" panose="020B0600070205080204" pitchFamily="34" charset="-128"/>
+              </a:defRPr>
+            </a:lvl3pPr>
+            <a:lvl4pPr marL="1600200" indent="-228600">
+              <a:defRPr sz="3200">
+                <a:solidFill>
+                  <a:schemeClr val="tx1"/>
+                </a:solidFill>
+                <a:latin typeface="Tahoma" panose="020B0604030504040204" pitchFamily="34" charset="0"/>
+                <a:ea typeface="ＭＳ Ｐゴシック" panose="020B0600070205080204" pitchFamily="34" charset="-128"/>
+              </a:defRPr>
+            </a:lvl4pPr>
+            <a:lvl5pPr marL="2057400" indent="-228600">
+              <a:defRPr sz="3200">
+                <a:solidFill>
+                  <a:schemeClr val="tx1"/>
+                </a:solidFill>
+                <a:latin typeface="Tahoma" panose="020B0604030504040204" pitchFamily="34" charset="0"/>
+                <a:ea typeface="ＭＳ Ｐゴシック" panose="020B0600070205080204" pitchFamily="34" charset="-128"/>
+              </a:defRPr>
+            </a:lvl5pPr>
+            <a:lvl6pPr marL="2514600" indent="-228600" eaLnBrk="0" fontAlgn="base" hangingPunct="0">
+              <a:spcBef>
+                <a:spcPct val="0"/>
+              </a:spcBef>
+              <a:spcAft>
+                <a:spcPct val="0"/>
+              </a:spcAft>
+              <a:defRPr sz="3200">
+                <a:solidFill>
+                  <a:schemeClr val="tx1"/>
+                </a:solidFill>
+                <a:latin typeface="Tahoma" panose="020B0604030504040204" pitchFamily="34" charset="0"/>
+                <a:ea typeface="ＭＳ Ｐゴシック" panose="020B0600070205080204" pitchFamily="34" charset="-128"/>
+              </a:defRPr>
+            </a:lvl6pPr>
+            <a:lvl7pPr marL="2971800" indent="-228600" eaLnBrk="0" fontAlgn="base" hangingPunct="0">
+              <a:spcBef>
+                <a:spcPct val="0"/>
+              </a:spcBef>
+              <a:spcAft>
+                <a:spcPct val="0"/>
+              </a:spcAft>
+              <a:defRPr sz="3200">
+                <a:solidFill>
+                  <a:schemeClr val="tx1"/>
+                </a:solidFill>
+                <a:latin typeface="Tahoma" panose="020B0604030504040204" pitchFamily="34" charset="0"/>
+                <a:ea typeface="ＭＳ Ｐゴシック" panose="020B0600070205080204" pitchFamily="34" charset="-128"/>
+              </a:defRPr>
+            </a:lvl7pPr>
+            <a:lvl8pPr marL="3429000" indent="-228600" eaLnBrk="0" fontAlgn="base" hangingPunct="0">
+              <a:spcBef>
+                <a:spcPct val="0"/>
+              </a:spcBef>
+              <a:spcAft>
+                <a:spcPct val="0"/>
+              </a:spcAft>
+              <a:defRPr sz="3200">
+                <a:solidFill>
+                  <a:schemeClr val="tx1"/>
+                </a:solidFill>
+                <a:latin typeface="Tahoma" panose="020B0604030504040204" pitchFamily="34" charset="0"/>
+                <a:ea typeface="ＭＳ Ｐゴシック" panose="020B0600070205080204" pitchFamily="34" charset="-128"/>
+              </a:defRPr>
+            </a:lvl8pPr>
+            <a:lvl9pPr marL="3886200" indent="-228600" eaLnBrk="0" fontAlgn="base" hangingPunct="0">
+              <a:spcBef>
+                <a:spcPct val="0"/>
+              </a:spcBef>
+              <a:spcAft>
+                <a:spcPct val="0"/>
+              </a:spcAft>
+              <a:defRPr sz="3200">
+                <a:solidFill>
+                  <a:schemeClr val="tx1"/>
+                </a:solidFill>
+                <a:latin typeface="Tahoma" panose="020B0604030504040204" pitchFamily="34" charset="0"/>
+                <a:ea typeface="ＭＳ Ｐゴシック" panose="020B0600070205080204" pitchFamily="34" charset="-128"/>
+              </a:defRPr>
+            </a:lvl9pPr>
+          </a:lstStyle>
+          <a:p>
+            <a:pPr algn="ctr"/>
+            <a:r>
+              <a:rPr lang="en-US" altLang="en-US" dirty="0"/>
+              <a:t>Methods</a:t>
             </a:r>
           </a:p>
         </p:txBody>
@@ -7096,6 +7858,1136 @@
 </file>
 
 <file path=ppt/slides/slide16.xml><?xml version="1.0" encoding="utf-8"?>
+<p:sld xmlns:a="http://schemas.openxmlformats.org/drawingml/2006/main" xmlns:r="http://schemas.openxmlformats.org/officeDocument/2006/relationships" xmlns:p="http://schemas.openxmlformats.org/presentationml/2006/main">
+  <p:cSld>
+    <p:spTree>
+      <p:nvGrpSpPr>
+        <p:cNvPr id="1" name=""/>
+        <p:cNvGrpSpPr/>
+        <p:nvPr/>
+      </p:nvGrpSpPr>
+      <p:grpSpPr>
+        <a:xfrm>
+          <a:off x="0" y="0"/>
+          <a:ext cx="0" cy="0"/>
+          <a:chOff x="0" y="0"/>
+          <a:chExt cx="0" cy="0"/>
+        </a:xfrm>
+      </p:grpSpPr>
+      <p:sp>
+        <p:nvSpPr>
+          <p:cNvPr id="2" name="Title 1">
+            <a:extLst>
+              <a:ext uri="{FF2B5EF4-FFF2-40B4-BE49-F238E27FC236}">
+                <a16:creationId xmlns:a16="http://schemas.microsoft.com/office/drawing/2014/main" id="{0F466C9E-2956-C7E7-D325-742530842779}"/>
+              </a:ext>
+            </a:extLst>
+          </p:cNvPr>
+          <p:cNvSpPr>
+            <a:spLocks noGrp="1"/>
+          </p:cNvSpPr>
+          <p:nvPr>
+            <p:ph type="title"/>
+          </p:nvPr>
+        </p:nvSpPr>
+        <p:spPr/>
+        <p:txBody>
+          <a:bodyPr vert="horz" lIns="91440" tIns="45720" rIns="91440" bIns="45720" rtlCol="0" anchor="ctr">
+            <a:normAutofit/>
+          </a:bodyPr>
+          <a:lstStyle/>
+          <a:p>
+            <a:r>
+              <a:rPr lang="en-US" altLang="en-US" dirty="0">
+                <a:latin typeface="Calibri" panose="020F0502020204030204" pitchFamily="34" charset="0"/>
+              </a:rPr>
+              <a:t>Example</a:t>
+            </a:r>
+          </a:p>
+        </p:txBody>
+      </p:sp>
+      <p:sp>
+        <p:nvSpPr>
+          <p:cNvPr id="3" name="Content Placeholder 2">
+            <a:extLst>
+              <a:ext uri="{FF2B5EF4-FFF2-40B4-BE49-F238E27FC236}">
+                <a16:creationId xmlns:a16="http://schemas.microsoft.com/office/drawing/2014/main" id="{CB94F72F-0747-7765-3C7A-3F06D897703A}"/>
+              </a:ext>
+            </a:extLst>
+          </p:cNvPr>
+          <p:cNvSpPr>
+            <a:spLocks noGrp="1"/>
+          </p:cNvSpPr>
+          <p:nvPr>
+            <p:ph idx="1"/>
+          </p:nvPr>
+        </p:nvSpPr>
+        <p:spPr/>
+        <p:txBody>
+          <a:bodyPr vert="horz" lIns="45720" tIns="45720" rIns="45720" bIns="45720" rtlCol="0">
+            <a:noAutofit/>
+          </a:bodyPr>
+          <a:lstStyle/>
+          <a:p>
+            <a:pPr marL="0" indent="0">
+              <a:lnSpc>
+                <a:spcPct val="50000"/>
+              </a:lnSpc>
+              <a:buNone/>
+            </a:pPr>
+            <a:r>
+              <a:rPr lang="en-US" altLang="en-US" sz="1200" dirty="0">
+                <a:latin typeface="Calibri" panose="020F0502020204030204" pitchFamily="34" charset="0"/>
+              </a:rPr>
+              <a:t>public class Employee {</a:t>
+            </a:r>
+          </a:p>
+          <a:p>
+            <a:pPr marL="0" indent="0">
+              <a:lnSpc>
+                <a:spcPct val="50000"/>
+              </a:lnSpc>
+              <a:buNone/>
+            </a:pPr>
+            <a:r>
+              <a:rPr lang="en-US" altLang="en-US" sz="1200" dirty="0">
+                <a:latin typeface="Calibri" panose="020F0502020204030204" pitchFamily="34" charset="0"/>
+              </a:rPr>
+              <a:t>	private String name;</a:t>
+            </a:r>
+          </a:p>
+          <a:p>
+            <a:pPr marL="0" indent="0">
+              <a:lnSpc>
+                <a:spcPct val="50000"/>
+              </a:lnSpc>
+              <a:buNone/>
+            </a:pPr>
+            <a:r>
+              <a:rPr lang="en-US" altLang="en-US" sz="1200" dirty="0">
+                <a:latin typeface="Calibri" panose="020F0502020204030204" pitchFamily="34" charset="0"/>
+              </a:rPr>
+              <a:t>	public void </a:t>
+            </a:r>
+            <a:r>
+              <a:rPr lang="en-US" altLang="en-US" sz="1200" dirty="0" err="1">
+                <a:latin typeface="Calibri" panose="020F0502020204030204" pitchFamily="34" charset="0"/>
+              </a:rPr>
+              <a:t>setName</a:t>
+            </a:r>
+            <a:r>
+              <a:rPr lang="en-US" altLang="en-US" sz="1200" dirty="0">
+                <a:latin typeface="Calibri" panose="020F0502020204030204" pitchFamily="34" charset="0"/>
+              </a:rPr>
+              <a:t>(String name){ </a:t>
+            </a:r>
+            <a:r>
+              <a:rPr lang="en-US" altLang="en-US" sz="1200" dirty="0" err="1">
+                <a:latin typeface="Calibri" panose="020F0502020204030204" pitchFamily="34" charset="0"/>
+              </a:rPr>
+              <a:t>this.name</a:t>
+            </a:r>
+            <a:r>
+              <a:rPr lang="en-US" altLang="en-US" sz="1200" dirty="0">
+                <a:latin typeface="Calibri" panose="020F0502020204030204" pitchFamily="34" charset="0"/>
+              </a:rPr>
+              <a:t>=name;}</a:t>
+            </a:r>
+          </a:p>
+          <a:p>
+            <a:pPr marL="0" indent="0">
+              <a:lnSpc>
+                <a:spcPct val="50000"/>
+              </a:lnSpc>
+              <a:buNone/>
+            </a:pPr>
+            <a:r>
+              <a:rPr lang="en-US" altLang="en-US" sz="1200" dirty="0">
+                <a:latin typeface="Calibri" panose="020F0502020204030204" pitchFamily="34" charset="0"/>
+              </a:rPr>
+              <a:t>	public String </a:t>
+            </a:r>
+            <a:r>
+              <a:rPr lang="en-US" altLang="en-US" sz="1200" dirty="0" err="1">
+                <a:latin typeface="Calibri" panose="020F0502020204030204" pitchFamily="34" charset="0"/>
+              </a:rPr>
+              <a:t>getName</a:t>
+            </a:r>
+            <a:r>
+              <a:rPr lang="en-US" altLang="en-US" sz="1200" dirty="0">
+                <a:latin typeface="Calibri" panose="020F0502020204030204" pitchFamily="34" charset="0"/>
+              </a:rPr>
+              <a:t>() {return name;}</a:t>
+            </a:r>
+          </a:p>
+          <a:p>
+            <a:pPr marL="0" indent="0">
+              <a:lnSpc>
+                <a:spcPct val="50000"/>
+              </a:lnSpc>
+              <a:buNone/>
+            </a:pPr>
+            <a:r>
+              <a:rPr lang="en-US" altLang="en-US" sz="1200" dirty="0">
+                <a:latin typeface="Calibri" panose="020F0502020204030204" pitchFamily="34" charset="0"/>
+              </a:rPr>
+              <a:t>}</a:t>
+            </a:r>
+          </a:p>
+          <a:p>
+            <a:pPr marL="0" indent="0">
+              <a:lnSpc>
+                <a:spcPct val="50000"/>
+              </a:lnSpc>
+              <a:buNone/>
+            </a:pPr>
+            <a:r>
+              <a:rPr lang="en-US" altLang="en-US" sz="1200" dirty="0">
+                <a:latin typeface="Calibri" panose="020F0502020204030204" pitchFamily="34" charset="0"/>
+              </a:rPr>
+              <a:t>public class </a:t>
+            </a:r>
+            <a:r>
+              <a:rPr lang="en-US" altLang="en-US" sz="1200" dirty="0" err="1">
+                <a:latin typeface="Calibri" panose="020F0502020204030204" pitchFamily="34" charset="0"/>
+              </a:rPr>
+              <a:t>Mainclass</a:t>
+            </a:r>
+            <a:r>
+              <a:rPr lang="en-US" altLang="en-US" sz="1200" dirty="0">
+                <a:latin typeface="Calibri" panose="020F0502020204030204" pitchFamily="34" charset="0"/>
+              </a:rPr>
+              <a:t> {</a:t>
+            </a:r>
+          </a:p>
+          <a:p>
+            <a:pPr marL="0" indent="0">
+              <a:lnSpc>
+                <a:spcPct val="50000"/>
+              </a:lnSpc>
+              <a:buNone/>
+            </a:pPr>
+            <a:r>
+              <a:rPr lang="en-US" altLang="en-US" sz="1200" dirty="0">
+                <a:latin typeface="Calibri" panose="020F0502020204030204" pitchFamily="34" charset="0"/>
+              </a:rPr>
+              <a:t>	main(String </a:t>
+            </a:r>
+            <a:r>
+              <a:rPr lang="en-US" altLang="en-US" sz="1200" dirty="0" err="1">
+                <a:latin typeface="Calibri" panose="020F0502020204030204" pitchFamily="34" charset="0"/>
+              </a:rPr>
+              <a:t>args</a:t>
+            </a:r>
+            <a:r>
+              <a:rPr lang="en-US" altLang="en-US" sz="1200" dirty="0">
+                <a:latin typeface="Calibri" panose="020F0502020204030204" pitchFamily="34" charset="0"/>
+              </a:rPr>
+              <a:t>[])</a:t>
+            </a:r>
+          </a:p>
+          <a:p>
+            <a:pPr marL="0" indent="0">
+              <a:lnSpc>
+                <a:spcPct val="50000"/>
+              </a:lnSpc>
+              <a:buNone/>
+            </a:pPr>
+            <a:r>
+              <a:rPr lang="en-US" altLang="en-US" sz="1200" dirty="0">
+                <a:latin typeface="Calibri" panose="020F0502020204030204" pitchFamily="34" charset="0"/>
+              </a:rPr>
+              <a:t>	{</a:t>
+            </a:r>
+          </a:p>
+          <a:p>
+            <a:pPr marL="0" indent="0">
+              <a:lnSpc>
+                <a:spcPct val="50000"/>
+              </a:lnSpc>
+              <a:buNone/>
+            </a:pPr>
+            <a:r>
+              <a:rPr lang="en-US" altLang="en-US" sz="1200" dirty="0">
+                <a:latin typeface="Calibri" panose="020F0502020204030204" pitchFamily="34" charset="0"/>
+              </a:rPr>
+              <a:t>		Employee e= new Employee ();</a:t>
+            </a:r>
+          </a:p>
+          <a:p>
+            <a:pPr marL="0" indent="0">
+              <a:lnSpc>
+                <a:spcPct val="50000"/>
+              </a:lnSpc>
+              <a:buNone/>
+            </a:pPr>
+            <a:r>
+              <a:rPr lang="en-US" altLang="en-US" sz="1200" dirty="0">
+                <a:latin typeface="Calibri" panose="020F0502020204030204" pitchFamily="34" charset="0"/>
+              </a:rPr>
+              <a:t>		</a:t>
+            </a:r>
+            <a:r>
+              <a:rPr lang="en-US" altLang="en-US" sz="1200" dirty="0" err="1">
+                <a:latin typeface="Calibri" panose="020F0502020204030204" pitchFamily="34" charset="0"/>
+              </a:rPr>
+              <a:t>e.name</a:t>
+            </a:r>
+            <a:r>
+              <a:rPr lang="en-US" altLang="en-US" sz="1200" dirty="0">
+                <a:latin typeface="Calibri" panose="020F0502020204030204" pitchFamily="34" charset="0"/>
+              </a:rPr>
+              <a:t>;//error</a:t>
+            </a:r>
+          </a:p>
+          <a:p>
+            <a:pPr marL="0" indent="0">
+              <a:lnSpc>
+                <a:spcPct val="50000"/>
+              </a:lnSpc>
+              <a:buNone/>
+            </a:pPr>
+            <a:r>
+              <a:rPr lang="en-US" altLang="en-US" sz="1200" dirty="0">
+                <a:latin typeface="Calibri" panose="020F0502020204030204" pitchFamily="34" charset="0"/>
+              </a:rPr>
+              <a:t>		</a:t>
+            </a:r>
+            <a:r>
+              <a:rPr lang="en-US" altLang="en-US" sz="1200" dirty="0" err="1">
+                <a:latin typeface="Calibri" panose="020F0502020204030204" pitchFamily="34" charset="0"/>
+              </a:rPr>
+              <a:t>e.setName</a:t>
+            </a:r>
+            <a:r>
+              <a:rPr lang="en-US" altLang="en-US" sz="1200" dirty="0">
+                <a:latin typeface="Calibri" panose="020F0502020204030204" pitchFamily="34" charset="0"/>
+              </a:rPr>
+              <a:t>(“Mark”);</a:t>
+            </a:r>
+          </a:p>
+          <a:p>
+            <a:pPr marL="0" indent="0">
+              <a:lnSpc>
+                <a:spcPct val="50000"/>
+              </a:lnSpc>
+              <a:buNone/>
+            </a:pPr>
+            <a:r>
+              <a:rPr lang="en-US" altLang="en-US" sz="1200" dirty="0">
+                <a:latin typeface="Calibri" panose="020F0502020204030204" pitchFamily="34" charset="0"/>
+              </a:rPr>
+              <a:t>		</a:t>
+            </a:r>
+            <a:r>
+              <a:rPr lang="en-US" altLang="en-US" sz="1200" dirty="0" err="1">
+                <a:latin typeface="Calibri" panose="020F0502020204030204" pitchFamily="34" charset="0"/>
+              </a:rPr>
+              <a:t>e.getName</a:t>
+            </a:r>
+            <a:r>
+              <a:rPr lang="en-US" altLang="en-US" sz="1200" dirty="0">
+                <a:latin typeface="Calibri" panose="020F0502020204030204" pitchFamily="34" charset="0"/>
+              </a:rPr>
+              <a:t>();</a:t>
+            </a:r>
+          </a:p>
+          <a:p>
+            <a:pPr marL="0" indent="0">
+              <a:lnSpc>
+                <a:spcPct val="50000"/>
+              </a:lnSpc>
+              <a:buNone/>
+            </a:pPr>
+            <a:r>
+              <a:rPr lang="en-US" altLang="en-US" sz="1200" dirty="0">
+                <a:latin typeface="Calibri" panose="020F0502020204030204" pitchFamily="34" charset="0"/>
+              </a:rPr>
+              <a:t>	}</a:t>
+            </a:r>
+          </a:p>
+          <a:p>
+            <a:pPr marL="0" indent="0">
+              <a:lnSpc>
+                <a:spcPct val="50000"/>
+              </a:lnSpc>
+              <a:buNone/>
+            </a:pPr>
+            <a:r>
+              <a:rPr lang="en-US" altLang="en-US" sz="1200" dirty="0">
+                <a:latin typeface="Calibri" panose="020F0502020204030204" pitchFamily="34" charset="0"/>
+              </a:rPr>
+              <a:t>}</a:t>
+            </a:r>
+          </a:p>
+        </p:txBody>
+      </p:sp>
+    </p:spTree>
+  </p:cSld>
+  <p:clrMapOvr>
+    <a:masterClrMapping/>
+  </p:clrMapOvr>
+</p:sld>
+</file>
+
+<file path=ppt/slides/slide17.xml><?xml version="1.0" encoding="utf-8"?>
+<p:sld xmlns:a="http://schemas.openxmlformats.org/drawingml/2006/main" xmlns:r="http://schemas.openxmlformats.org/officeDocument/2006/relationships" xmlns:p="http://schemas.openxmlformats.org/presentationml/2006/main" showMasterPhAnim="0">
+  <p:cSld>
+    <p:spTree>
+      <p:nvGrpSpPr>
+        <p:cNvPr id="1" name=""/>
+        <p:cNvGrpSpPr/>
+        <p:nvPr/>
+      </p:nvGrpSpPr>
+      <p:grpSpPr>
+        <a:xfrm>
+          <a:off x="0" y="0"/>
+          <a:ext cx="0" cy="0"/>
+          <a:chOff x="0" y="0"/>
+          <a:chExt cx="0" cy="0"/>
+        </a:xfrm>
+      </p:grpSpPr>
+      <p:sp>
+        <p:nvSpPr>
+          <p:cNvPr id="26626" name="Rectangle 2">
+            <a:extLst>
+              <a:ext uri="{FF2B5EF4-FFF2-40B4-BE49-F238E27FC236}">
+                <a16:creationId xmlns:a16="http://schemas.microsoft.com/office/drawing/2014/main" id="{659EA98B-734A-E368-C8E2-A7E265C1FA11}"/>
+              </a:ext>
+            </a:extLst>
+          </p:cNvPr>
+          <p:cNvSpPr>
+            <a:spLocks noGrp="1" noRot="1" noChangeArrowheads="1"/>
+          </p:cNvSpPr>
+          <p:nvPr>
+            <p:ph type="title"/>
+          </p:nvPr>
+        </p:nvSpPr>
+        <p:spPr/>
+        <p:txBody>
+          <a:bodyPr vert="horz" lIns="91440" tIns="45720" rIns="91440" bIns="45720" rtlCol="0" anchor="ctr">
+            <a:normAutofit/>
+          </a:bodyPr>
+          <a:lstStyle/>
+          <a:p>
+            <a:r>
+              <a:rPr lang="en-US" altLang="en-US" dirty="0">
+                <a:latin typeface="Calibri" panose="020F0502020204030204" pitchFamily="34" charset="0"/>
+              </a:rPr>
+              <a:t>Inheritance</a:t>
+            </a:r>
+          </a:p>
+        </p:txBody>
+      </p:sp>
+      <p:sp>
+        <p:nvSpPr>
+          <p:cNvPr id="26627" name="Rectangle 3">
+            <a:extLst>
+              <a:ext uri="{FF2B5EF4-FFF2-40B4-BE49-F238E27FC236}">
+                <a16:creationId xmlns:a16="http://schemas.microsoft.com/office/drawing/2014/main" id="{C6D60D50-B9BB-5BD4-0831-19CD0A686839}"/>
+              </a:ext>
+            </a:extLst>
+          </p:cNvPr>
+          <p:cNvSpPr>
+            <a:spLocks noGrp="1" noChangeArrowheads="1"/>
+          </p:cNvSpPr>
+          <p:nvPr>
+            <p:ph idx="1"/>
+          </p:nvPr>
+        </p:nvSpPr>
+        <p:spPr/>
+        <p:txBody>
+          <a:bodyPr vert="horz" lIns="45720" tIns="45720" rIns="45720" bIns="45720" rtlCol="0">
+            <a:normAutofit/>
+          </a:bodyPr>
+          <a:lstStyle/>
+          <a:p>
+            <a:pPr>
+              <a:buFont typeface="Courier New" panose="02070309020205020404" pitchFamily="49" charset="0"/>
+              <a:buChar char="o"/>
+            </a:pPr>
+            <a:r>
+              <a:rPr lang="en-US" altLang="en-US" dirty="0">
+                <a:latin typeface="Calibri" panose="020F0502020204030204" pitchFamily="34" charset="0"/>
+              </a:rPr>
+              <a:t>Inheritance in java is a mechanism in which one object acquires all the properties and behaviors of parent object</a:t>
+            </a:r>
+          </a:p>
+          <a:p>
+            <a:pPr>
+              <a:buFont typeface="Courier New" panose="02070309020205020404" pitchFamily="49" charset="0"/>
+              <a:buChar char="o"/>
+            </a:pPr>
+            <a:r>
+              <a:rPr lang="en-US" altLang="en-US" dirty="0">
+                <a:latin typeface="Calibri" panose="020F0502020204030204" pitchFamily="34" charset="0"/>
+              </a:rPr>
+              <a:t>Way to create a new class from the existing class using extends</a:t>
+            </a:r>
+          </a:p>
+          <a:p>
+            <a:pPr>
+              <a:buFont typeface="Courier New" panose="02070309020205020404" pitchFamily="49" charset="0"/>
+              <a:buChar char="o"/>
+            </a:pPr>
+            <a:r>
+              <a:rPr lang="en-US" altLang="en-US" dirty="0">
+                <a:latin typeface="Calibri" panose="020F0502020204030204" pitchFamily="34" charset="0"/>
+              </a:rPr>
+              <a:t>General class or Parent Class or Super Class or Base Class</a:t>
+            </a:r>
+          </a:p>
+          <a:p>
+            <a:pPr>
+              <a:buFont typeface="Courier New" panose="02070309020205020404" pitchFamily="49" charset="0"/>
+              <a:buChar char="o"/>
+            </a:pPr>
+            <a:r>
+              <a:rPr lang="en-US" altLang="en-US" dirty="0">
+                <a:latin typeface="Calibri" panose="020F0502020204030204" pitchFamily="34" charset="0"/>
+              </a:rPr>
+              <a:t>Specialized Class or Child Class or Sub Class</a:t>
+            </a:r>
+          </a:p>
+          <a:p>
+            <a:pPr>
+              <a:buFont typeface="Courier New" panose="02070309020205020404" pitchFamily="49" charset="0"/>
+              <a:buChar char="o"/>
+            </a:pPr>
+            <a:r>
+              <a:rPr lang="en-US" altLang="en-US" dirty="0">
+                <a:latin typeface="Calibri" panose="020F0502020204030204" pitchFamily="34" charset="0"/>
+              </a:rPr>
+              <a:t>Promotes reusing the code</a:t>
+            </a:r>
+          </a:p>
+          <a:p>
+            <a:pPr>
+              <a:buFont typeface="Courier New" panose="02070309020205020404" pitchFamily="49" charset="0"/>
+              <a:buChar char="o"/>
+            </a:pPr>
+            <a:r>
+              <a:rPr lang="en-US" altLang="en-US" dirty="0">
+                <a:latin typeface="Calibri" panose="020F0502020204030204" pitchFamily="34" charset="0"/>
+              </a:rPr>
+              <a:t>Multiple inheritance</a:t>
+            </a:r>
+          </a:p>
+          <a:p>
+            <a:pPr>
+              <a:buFont typeface="Courier New" panose="02070309020205020404" pitchFamily="49" charset="0"/>
+              <a:buChar char="o"/>
+            </a:pPr>
+            <a:r>
+              <a:rPr lang="en-US" altLang="en-US" dirty="0">
+                <a:latin typeface="Calibri" panose="020F0502020204030204" pitchFamily="34" charset="0"/>
+              </a:rPr>
+              <a:t>the information is made manageable in a hierarchical order(parent-child relationship)</a:t>
+            </a:r>
+          </a:p>
+        </p:txBody>
+      </p:sp>
+    </p:spTree>
+  </p:cSld>
+  <p:clrMapOvr>
+    <a:masterClrMapping/>
+  </p:clrMapOvr>
+</p:sld>
+</file>
+
+<file path=ppt/slides/slide18.xml><?xml version="1.0" encoding="utf-8"?>
+<p:sld xmlns:a="http://schemas.openxmlformats.org/drawingml/2006/main" xmlns:r="http://schemas.openxmlformats.org/officeDocument/2006/relationships" xmlns:p="http://schemas.openxmlformats.org/presentationml/2006/main">
+  <p:cSld>
+    <p:spTree>
+      <p:nvGrpSpPr>
+        <p:cNvPr id="1" name=""/>
+        <p:cNvGrpSpPr/>
+        <p:nvPr/>
+      </p:nvGrpSpPr>
+      <p:grpSpPr>
+        <a:xfrm>
+          <a:off x="0" y="0"/>
+          <a:ext cx="0" cy="0"/>
+          <a:chOff x="0" y="0"/>
+          <a:chExt cx="0" cy="0"/>
+        </a:xfrm>
+      </p:grpSpPr>
+      <p:sp>
+        <p:nvSpPr>
+          <p:cNvPr id="2" name="Title 1">
+            <a:extLst>
+              <a:ext uri="{FF2B5EF4-FFF2-40B4-BE49-F238E27FC236}">
+                <a16:creationId xmlns:a16="http://schemas.microsoft.com/office/drawing/2014/main" id="{233695B2-5B0A-8A6D-D791-6A4D0FDD169F}"/>
+              </a:ext>
+            </a:extLst>
+          </p:cNvPr>
+          <p:cNvSpPr>
+            <a:spLocks noGrp="1"/>
+          </p:cNvSpPr>
+          <p:nvPr>
+            <p:ph type="title"/>
+          </p:nvPr>
+        </p:nvSpPr>
+        <p:spPr/>
+        <p:txBody>
+          <a:bodyPr vert="horz" lIns="91440" tIns="45720" rIns="91440" bIns="45720" rtlCol="0" anchor="ctr">
+            <a:normAutofit/>
+          </a:bodyPr>
+          <a:lstStyle/>
+          <a:p>
+            <a:r>
+              <a:rPr lang="en-US" altLang="en-US" dirty="0">
+                <a:latin typeface="Calibri" panose="020F0502020204030204" pitchFamily="34" charset="0"/>
+              </a:rPr>
+              <a:t>Syntax</a:t>
+            </a:r>
+          </a:p>
+        </p:txBody>
+      </p:sp>
+      <p:sp>
+        <p:nvSpPr>
+          <p:cNvPr id="3" name="Content Placeholder 2">
+            <a:extLst>
+              <a:ext uri="{FF2B5EF4-FFF2-40B4-BE49-F238E27FC236}">
+                <a16:creationId xmlns:a16="http://schemas.microsoft.com/office/drawing/2014/main" id="{BA9D6539-6B8A-6992-6698-788955B4B677}"/>
+              </a:ext>
+            </a:extLst>
+          </p:cNvPr>
+          <p:cNvSpPr>
+            <a:spLocks noGrp="1"/>
+          </p:cNvSpPr>
+          <p:nvPr>
+            <p:ph idx="1"/>
+          </p:nvPr>
+        </p:nvSpPr>
+        <p:spPr/>
+        <p:txBody>
+          <a:bodyPr vert="horz" lIns="45720" tIns="45720" rIns="45720" bIns="45720" rtlCol="0">
+            <a:normAutofit/>
+          </a:bodyPr>
+          <a:lstStyle/>
+          <a:p>
+            <a:pPr marL="0" indent="0">
+              <a:buNone/>
+            </a:pPr>
+            <a:r>
+              <a:rPr lang="en-US" altLang="en-US" dirty="0">
+                <a:latin typeface="Calibri" panose="020F0502020204030204" pitchFamily="34" charset="0"/>
+              </a:rPr>
+              <a:t>class Subclass-name extends Superclass-name  </a:t>
+            </a:r>
+          </a:p>
+          <a:p>
+            <a:pPr marL="0" indent="0">
+              <a:buNone/>
+            </a:pPr>
+            <a:r>
+              <a:rPr lang="en-US" altLang="en-US" dirty="0">
+                <a:latin typeface="Calibri" panose="020F0502020204030204" pitchFamily="34" charset="0"/>
+              </a:rPr>
+              <a:t>{  </a:t>
+            </a:r>
+          </a:p>
+          <a:p>
+            <a:pPr marL="0" indent="0">
+              <a:buNone/>
+            </a:pPr>
+            <a:r>
+              <a:rPr lang="en-US" altLang="en-US" dirty="0">
+                <a:latin typeface="Calibri" panose="020F0502020204030204" pitchFamily="34" charset="0"/>
+              </a:rPr>
+              <a:t>   //methods and fields  </a:t>
+            </a:r>
+          </a:p>
+          <a:p>
+            <a:pPr marL="0" indent="0">
+              <a:buNone/>
+            </a:pPr>
+            <a:r>
+              <a:rPr lang="en-US" altLang="en-US" dirty="0">
+                <a:latin typeface="Calibri" panose="020F0502020204030204" pitchFamily="34" charset="0"/>
+              </a:rPr>
+              <a:t>} </a:t>
+            </a:r>
+          </a:p>
+        </p:txBody>
+      </p:sp>
+    </p:spTree>
+  </p:cSld>
+  <p:clrMapOvr>
+    <a:masterClrMapping/>
+  </p:clrMapOvr>
+</p:sld>
+</file>
+
+<file path=ppt/slides/slide19.xml><?xml version="1.0" encoding="utf-8"?>
+<p:sld xmlns:a="http://schemas.openxmlformats.org/drawingml/2006/main" xmlns:r="http://schemas.openxmlformats.org/officeDocument/2006/relationships" xmlns:p="http://schemas.openxmlformats.org/presentationml/2006/main">
+  <p:cSld>
+    <p:spTree>
+      <p:nvGrpSpPr>
+        <p:cNvPr id="1" name=""/>
+        <p:cNvGrpSpPr/>
+        <p:nvPr/>
+      </p:nvGrpSpPr>
+      <p:grpSpPr>
+        <a:xfrm>
+          <a:off x="0" y="0"/>
+          <a:ext cx="0" cy="0"/>
+          <a:chOff x="0" y="0"/>
+          <a:chExt cx="0" cy="0"/>
+        </a:xfrm>
+      </p:grpSpPr>
+      <p:sp>
+        <p:nvSpPr>
+          <p:cNvPr id="2" name="Title 1">
+            <a:extLst>
+              <a:ext uri="{FF2B5EF4-FFF2-40B4-BE49-F238E27FC236}">
+                <a16:creationId xmlns:a16="http://schemas.microsoft.com/office/drawing/2014/main" id="{3587E230-E6F3-AA2B-E21C-0FF5427374DB}"/>
+              </a:ext>
+            </a:extLst>
+          </p:cNvPr>
+          <p:cNvSpPr>
+            <a:spLocks noGrp="1"/>
+          </p:cNvSpPr>
+          <p:nvPr>
+            <p:ph type="title"/>
+          </p:nvPr>
+        </p:nvSpPr>
+        <p:spPr/>
+        <p:txBody>
+          <a:bodyPr vert="horz" lIns="91440" tIns="45720" rIns="91440" bIns="45720" rtlCol="0" anchor="ctr">
+            <a:normAutofit/>
+          </a:bodyPr>
+          <a:lstStyle/>
+          <a:p>
+            <a:r>
+              <a:rPr lang="en-US" altLang="en-US" dirty="0">
+                <a:latin typeface="Calibri" panose="020F0502020204030204" pitchFamily="34" charset="0"/>
+              </a:rPr>
+              <a:t>Inheritance Types</a:t>
+            </a:r>
+          </a:p>
+        </p:txBody>
+      </p:sp>
+      <p:sp>
+        <p:nvSpPr>
+          <p:cNvPr id="3" name="Content Placeholder 2">
+            <a:extLst>
+              <a:ext uri="{FF2B5EF4-FFF2-40B4-BE49-F238E27FC236}">
+                <a16:creationId xmlns:a16="http://schemas.microsoft.com/office/drawing/2014/main" id="{710B72FE-4C12-E589-386E-7863191F46FE}"/>
+              </a:ext>
+            </a:extLst>
+          </p:cNvPr>
+          <p:cNvSpPr>
+            <a:spLocks noGrp="1"/>
+          </p:cNvSpPr>
+          <p:nvPr>
+            <p:ph idx="1"/>
+          </p:nvPr>
+        </p:nvSpPr>
+        <p:spPr/>
+        <p:txBody>
+          <a:bodyPr vert="horz" lIns="45720" tIns="45720" rIns="45720" bIns="45720" rtlCol="0">
+            <a:normAutofit/>
+          </a:bodyPr>
+          <a:lstStyle/>
+          <a:p>
+            <a:pPr>
+              <a:buFont typeface="Courier New" panose="02070309020205020404" pitchFamily="49" charset="0"/>
+              <a:buChar char="o"/>
+            </a:pPr>
+            <a:r>
+              <a:rPr lang="en-US" altLang="en-US" dirty="0">
+                <a:latin typeface="Calibri" panose="020F0502020204030204" pitchFamily="34" charset="0"/>
+              </a:rPr>
+              <a:t>Single  A-&gt;B</a:t>
+            </a:r>
+          </a:p>
+          <a:p>
+            <a:pPr>
+              <a:buFont typeface="Courier New" panose="02070309020205020404" pitchFamily="49" charset="0"/>
+              <a:buChar char="o"/>
+            </a:pPr>
+            <a:r>
+              <a:rPr lang="en-US" altLang="en-US" dirty="0">
+                <a:latin typeface="Calibri" panose="020F0502020204030204" pitchFamily="34" charset="0"/>
+              </a:rPr>
+              <a:t>Multilevel A -&gt; B -&gt; C</a:t>
+            </a:r>
+          </a:p>
+          <a:p>
+            <a:pPr>
+              <a:buFont typeface="Courier New" panose="02070309020205020404" pitchFamily="49" charset="0"/>
+              <a:buChar char="o"/>
+            </a:pPr>
+            <a:r>
+              <a:rPr lang="en-US" altLang="en-US" dirty="0">
+                <a:latin typeface="Calibri" panose="020F0502020204030204" pitchFamily="34" charset="0"/>
+              </a:rPr>
+              <a:t>Multiple (A,B) -&gt; C</a:t>
+            </a:r>
+          </a:p>
+          <a:p>
+            <a:pPr>
+              <a:buFont typeface="Courier New" panose="02070309020205020404" pitchFamily="49" charset="0"/>
+              <a:buChar char="o"/>
+            </a:pPr>
+            <a:r>
+              <a:rPr lang="en-US" altLang="en-US" dirty="0">
+                <a:latin typeface="Calibri" panose="020F0502020204030204" pitchFamily="34" charset="0"/>
+              </a:rPr>
+              <a:t>Hierarchical A-&gt;(B,C,D)</a:t>
+            </a:r>
+          </a:p>
+          <a:p>
+            <a:pPr>
+              <a:buFont typeface="Courier New" panose="02070309020205020404" pitchFamily="49" charset="0"/>
+              <a:buChar char="o"/>
+            </a:pPr>
+            <a:r>
+              <a:rPr lang="en-US" altLang="en-US" dirty="0">
+                <a:latin typeface="Calibri" panose="020F0502020204030204" pitchFamily="34" charset="0"/>
+              </a:rPr>
+              <a:t>Hybrid A-&gt;(B,C)-&gt;D</a:t>
+            </a:r>
+          </a:p>
+        </p:txBody>
+      </p:sp>
+    </p:spTree>
+  </p:cSld>
+  <p:clrMapOvr>
+    <a:masterClrMapping/>
+  </p:clrMapOvr>
+</p:sld>
+</file>
+
+<file path=ppt/slides/slide2.xml><?xml version="1.0" encoding="utf-8"?>
+<p:sld xmlns:a="http://schemas.openxmlformats.org/drawingml/2006/main" xmlns:r="http://schemas.openxmlformats.org/officeDocument/2006/relationships" xmlns:p="http://schemas.openxmlformats.org/presentationml/2006/main" showMasterPhAnim="0">
+  <p:cSld>
+    <p:spTree>
+      <p:nvGrpSpPr>
+        <p:cNvPr id="1" name=""/>
+        <p:cNvGrpSpPr/>
+        <p:nvPr/>
+      </p:nvGrpSpPr>
+      <p:grpSpPr>
+        <a:xfrm>
+          <a:off x="0" y="0"/>
+          <a:ext cx="0" cy="0"/>
+          <a:chOff x="0" y="0"/>
+          <a:chExt cx="0" cy="0"/>
+        </a:xfrm>
+      </p:grpSpPr>
+      <p:sp>
+        <p:nvSpPr>
+          <p:cNvPr id="17410" name="Rectangle 2">
+            <a:extLst>
+              <a:ext uri="{FF2B5EF4-FFF2-40B4-BE49-F238E27FC236}">
+                <a16:creationId xmlns:a16="http://schemas.microsoft.com/office/drawing/2014/main" id="{722036BC-DEB7-C7C0-4FBC-026E684A4721}"/>
+              </a:ext>
+            </a:extLst>
+          </p:cNvPr>
+          <p:cNvSpPr>
+            <a:spLocks noGrp="1" noRot="1" noChangeArrowheads="1"/>
+          </p:cNvSpPr>
+          <p:nvPr>
+            <p:ph type="title"/>
+          </p:nvPr>
+        </p:nvSpPr>
+        <p:spPr>
+          <a:xfrm>
+            <a:off x="768096" y="585216"/>
+            <a:ext cx="9061704" cy="1499616"/>
+          </a:xfrm>
+        </p:spPr>
+        <p:txBody>
+          <a:bodyPr vert="horz" lIns="91440" tIns="45720" rIns="91440" bIns="45720" rtlCol="0" anchor="ctr">
+            <a:normAutofit/>
+          </a:bodyPr>
+          <a:lstStyle/>
+          <a:p>
+            <a:r>
+              <a:rPr lang="en-US" altLang="en-US" sz="3600" dirty="0">
+                <a:latin typeface="Calibri" panose="020F0502020204030204" pitchFamily="34" charset="0"/>
+              </a:rPr>
+              <a:t>Why Object-Oriented Programming?</a:t>
+            </a:r>
+          </a:p>
+        </p:txBody>
+      </p:sp>
+      <p:sp>
+        <p:nvSpPr>
+          <p:cNvPr id="17411" name="Rectangle 3">
+            <a:extLst>
+              <a:ext uri="{FF2B5EF4-FFF2-40B4-BE49-F238E27FC236}">
+                <a16:creationId xmlns:a16="http://schemas.microsoft.com/office/drawing/2014/main" id="{2CC01C76-0D67-9171-93D1-1B5CF5B3B031}"/>
+              </a:ext>
+            </a:extLst>
+          </p:cNvPr>
+          <p:cNvSpPr>
+            <a:spLocks noGrp="1" noChangeArrowheads="1"/>
+          </p:cNvSpPr>
+          <p:nvPr>
+            <p:ph idx="1"/>
+          </p:nvPr>
+        </p:nvSpPr>
+        <p:spPr/>
+        <p:txBody>
+          <a:bodyPr vert="horz" lIns="45720" tIns="45720" rIns="45720" bIns="45720" rtlCol="0">
+            <a:normAutofit/>
+          </a:bodyPr>
+          <a:lstStyle/>
+          <a:p>
+            <a:pPr>
+              <a:buFont typeface="Courier New" panose="02070309020205020404" pitchFamily="49" charset="0"/>
+              <a:buChar char="o"/>
+            </a:pPr>
+            <a:r>
+              <a:rPr lang="en-US" dirty="0">
+                <a:latin typeface="Calibri" panose="020F0502020204030204" pitchFamily="34" charset="0"/>
+              </a:rPr>
+              <a:t>The collection of individual units or objects interacts with each other</a:t>
+            </a:r>
+          </a:p>
+          <a:p>
+            <a:pPr>
+              <a:buFont typeface="Courier New" panose="02070309020205020404" pitchFamily="49" charset="0"/>
+              <a:buChar char="o"/>
+            </a:pPr>
+            <a:r>
+              <a:rPr lang="en-US" dirty="0">
+                <a:latin typeface="Calibri" panose="020F0502020204030204" pitchFamily="34" charset="0"/>
+              </a:rPr>
+              <a:t>Each object has its data and sends and receives messages</a:t>
+            </a:r>
+          </a:p>
+          <a:p>
+            <a:pPr>
+              <a:buFont typeface="Courier New" panose="02070309020205020404" pitchFamily="49" charset="0"/>
+              <a:buChar char="o"/>
+            </a:pPr>
+            <a:r>
+              <a:rPr lang="en-US" dirty="0">
+                <a:latin typeface="Calibri" panose="020F0502020204030204" pitchFamily="34" charset="0"/>
+              </a:rPr>
+              <a:t>Easy to understand the code and debug the code</a:t>
+            </a:r>
+          </a:p>
+          <a:p>
+            <a:pPr>
+              <a:buFont typeface="Courier New" panose="02070309020205020404" pitchFamily="49" charset="0"/>
+              <a:buChar char="o"/>
+            </a:pPr>
+            <a:r>
+              <a:rPr lang="en-US" dirty="0">
+                <a:latin typeface="Calibri" panose="020F0502020204030204" pitchFamily="34" charset="0"/>
+              </a:rPr>
+              <a:t>Less maintenance costs</a:t>
+            </a:r>
+          </a:p>
+          <a:p>
+            <a:pPr>
+              <a:buFont typeface="Courier New" panose="02070309020205020404" pitchFamily="49" charset="0"/>
+              <a:buChar char="o"/>
+            </a:pPr>
+            <a:r>
+              <a:rPr lang="en-US" dirty="0">
+                <a:latin typeface="Calibri" panose="020F0502020204030204" pitchFamily="34" charset="0"/>
+              </a:rPr>
+              <a:t>Reusability and extendibility</a:t>
+            </a:r>
+          </a:p>
+          <a:p>
+            <a:pPr>
+              <a:buFont typeface="Courier New" panose="02070309020205020404" pitchFamily="49" charset="0"/>
+              <a:buChar char="o"/>
+            </a:pPr>
+            <a:r>
+              <a:rPr lang="en-US" dirty="0">
+                <a:latin typeface="Calibri" panose="020F0502020204030204" pitchFamily="34" charset="0"/>
+              </a:rPr>
+              <a:t>Modularity</a:t>
+            </a:r>
+          </a:p>
+          <a:p>
+            <a:pPr>
+              <a:buFont typeface="Courier New" panose="02070309020205020404" pitchFamily="49" charset="0"/>
+              <a:buChar char="o"/>
+            </a:pPr>
+            <a:r>
+              <a:rPr lang="en-US" dirty="0" err="1">
+                <a:latin typeface="Calibri" panose="020F0502020204030204" pitchFamily="34" charset="0"/>
+              </a:rPr>
+              <a:t>Eg</a:t>
+            </a:r>
+            <a:r>
+              <a:rPr lang="en-US" dirty="0">
+                <a:latin typeface="Calibri" panose="020F0502020204030204" pitchFamily="34" charset="0"/>
+              </a:rPr>
+              <a:t>: C++, Java</a:t>
+            </a:r>
+          </a:p>
+          <a:p>
+            <a:pPr>
+              <a:buFont typeface="Courier New" panose="02070309020205020404" pitchFamily="49" charset="0"/>
+              <a:buChar char="o"/>
+            </a:pPr>
+            <a:endParaRPr lang="en-US" dirty="0">
+              <a:latin typeface="Calibri" panose="020F0502020204030204" pitchFamily="34" charset="0"/>
+            </a:endParaRPr>
+          </a:p>
+        </p:txBody>
+      </p:sp>
+    </p:spTree>
+  </p:cSld>
+  <p:clrMapOvr>
+    <a:masterClrMapping/>
+  </p:clrMapOvr>
+</p:sld>
+</file>
+
+<file path=ppt/slides/slide20.xml><?xml version="1.0" encoding="utf-8"?>
+<p:sld xmlns:a="http://schemas.openxmlformats.org/drawingml/2006/main" xmlns:r="http://schemas.openxmlformats.org/officeDocument/2006/relationships" xmlns:p="http://schemas.openxmlformats.org/presentationml/2006/main" showMasterPhAnim="0">
+  <p:cSld>
+    <p:spTree>
+      <p:nvGrpSpPr>
+        <p:cNvPr id="1" name=""/>
+        <p:cNvGrpSpPr/>
+        <p:nvPr/>
+      </p:nvGrpSpPr>
+      <p:grpSpPr>
+        <a:xfrm>
+          <a:off x="0" y="0"/>
+          <a:ext cx="0" cy="0"/>
+          <a:chOff x="0" y="0"/>
+          <a:chExt cx="0" cy="0"/>
+        </a:xfrm>
+      </p:grpSpPr>
+      <p:sp>
+        <p:nvSpPr>
+          <p:cNvPr id="23554" name="Rectangle 2">
+            <a:extLst>
+              <a:ext uri="{FF2B5EF4-FFF2-40B4-BE49-F238E27FC236}">
+                <a16:creationId xmlns:a16="http://schemas.microsoft.com/office/drawing/2014/main" id="{4EF6E88E-BE54-6E47-8750-406C7AC02B3E}"/>
+              </a:ext>
+            </a:extLst>
+          </p:cNvPr>
+          <p:cNvSpPr>
+            <a:spLocks noGrp="1" noRot="1" noChangeArrowheads="1"/>
+          </p:cNvSpPr>
+          <p:nvPr>
+            <p:ph type="title"/>
+          </p:nvPr>
+        </p:nvSpPr>
+        <p:spPr/>
+        <p:txBody>
+          <a:bodyPr vert="horz" lIns="91440" tIns="45720" rIns="91440" bIns="45720" rtlCol="0" anchor="ctr">
+            <a:normAutofit/>
+          </a:bodyPr>
+          <a:lstStyle/>
+          <a:p>
+            <a:r>
+              <a:rPr lang="en-US" altLang="en-US" dirty="0">
+                <a:latin typeface="Calibri" panose="020F0502020204030204" pitchFamily="34" charset="0"/>
+              </a:rPr>
+              <a:t>Abstraction</a:t>
+            </a:r>
+          </a:p>
+        </p:txBody>
+      </p:sp>
+      <p:sp>
+        <p:nvSpPr>
+          <p:cNvPr id="23555" name="Rectangle 3">
+            <a:extLst>
+              <a:ext uri="{FF2B5EF4-FFF2-40B4-BE49-F238E27FC236}">
+                <a16:creationId xmlns:a16="http://schemas.microsoft.com/office/drawing/2014/main" id="{C30D9B5F-A37C-8FEE-44E0-1CD6E9DC1FE4}"/>
+              </a:ext>
+            </a:extLst>
+          </p:cNvPr>
+          <p:cNvSpPr>
+            <a:spLocks noGrp="1" noChangeArrowheads="1"/>
+          </p:cNvSpPr>
+          <p:nvPr>
+            <p:ph idx="1"/>
+          </p:nvPr>
+        </p:nvSpPr>
+        <p:spPr/>
+        <p:txBody>
+          <a:bodyPr vert="horz" lIns="45720" tIns="45720" rIns="45720" bIns="45720" rtlCol="0">
+            <a:normAutofit/>
+          </a:bodyPr>
+          <a:lstStyle/>
+          <a:p>
+            <a:pPr>
+              <a:buFont typeface="Courier New" panose="02070309020205020404" pitchFamily="49" charset="0"/>
+              <a:buChar char="o"/>
+            </a:pPr>
+            <a:r>
+              <a:rPr lang="en-US" altLang="en-US" dirty="0">
+                <a:latin typeface="Calibri" panose="020F0502020204030204" pitchFamily="34" charset="0"/>
+              </a:rPr>
+              <a:t>The ability of a program to ignore the details of an object's Class(Hiding internal details and showing functionality)</a:t>
+            </a:r>
+          </a:p>
+          <a:p>
+            <a:pPr>
+              <a:buFont typeface="Courier New" panose="02070309020205020404" pitchFamily="49" charset="0"/>
+              <a:buChar char="o"/>
+            </a:pPr>
+            <a:r>
+              <a:rPr lang="en-US" altLang="en-US" dirty="0">
+                <a:latin typeface="Calibri" panose="020F0502020204030204" pitchFamily="34" charset="0"/>
+              </a:rPr>
+              <a:t>Concentrates on the features that are essential</a:t>
+            </a:r>
+          </a:p>
+          <a:p>
+            <a:pPr>
+              <a:buFont typeface="Courier New" panose="02070309020205020404" pitchFamily="49" charset="0"/>
+              <a:buChar char="o"/>
+            </a:pPr>
+            <a:r>
+              <a:rPr lang="en-US" altLang="en-US" dirty="0">
+                <a:latin typeface="Calibri" panose="020F0502020204030204" pitchFamily="34" charset="0"/>
+              </a:rPr>
+              <a:t>Abstraction lets you focus on what the object does instead of how it does it.</a:t>
+            </a:r>
+          </a:p>
+          <a:p>
+            <a:pPr>
+              <a:buFont typeface="Courier New" panose="02070309020205020404" pitchFamily="49" charset="0"/>
+              <a:buChar char="o"/>
+            </a:pPr>
+            <a:r>
+              <a:rPr lang="en-US" altLang="en-US" dirty="0">
+                <a:latin typeface="Calibri" panose="020F0502020204030204" pitchFamily="34" charset="0"/>
+              </a:rPr>
+              <a:t>we use abstract class and interface to achieve abstraction</a:t>
+            </a:r>
+          </a:p>
+          <a:p>
+            <a:pPr>
+              <a:buFont typeface="Courier New" panose="02070309020205020404" pitchFamily="49" charset="0"/>
+              <a:buChar char="o"/>
+            </a:pPr>
+            <a:r>
+              <a:rPr lang="en-US" altLang="en-US" dirty="0">
+                <a:latin typeface="Calibri" panose="020F0502020204030204" pitchFamily="34" charset="0"/>
+              </a:rPr>
+              <a:t>cannot create an instance of the abstract class.</a:t>
+            </a:r>
+          </a:p>
+        </p:txBody>
+      </p:sp>
+    </p:spTree>
+  </p:cSld>
+  <p:clrMapOvr>
+    <a:masterClrMapping/>
+  </p:clrMapOvr>
+</p:sld>
+</file>
+
+<file path=ppt/slides/slide21.xml><?xml version="1.0" encoding="utf-8"?>
 <p:sld xmlns:a="http://schemas.openxmlformats.org/drawingml/2006/main" xmlns:r="http://schemas.openxmlformats.org/officeDocument/2006/relationships" xmlns:p="http://schemas.openxmlformats.org/presentationml/2006/main">
   <p:cSld>
     <p:spTree>
@@ -7187,2089 +9079,6 @@
 </p:sld>
 </file>
 
-<file path=ppt/slides/slide17.xml><?xml version="1.0" encoding="utf-8"?>
-<p:sld xmlns:a="http://schemas.openxmlformats.org/drawingml/2006/main" xmlns:r="http://schemas.openxmlformats.org/officeDocument/2006/relationships" xmlns:p="http://schemas.openxmlformats.org/presentationml/2006/main">
-  <p:cSld>
-    <p:spTree>
-      <p:nvGrpSpPr>
-        <p:cNvPr id="1" name=""/>
-        <p:cNvGrpSpPr/>
-        <p:nvPr/>
-      </p:nvGrpSpPr>
-      <p:grpSpPr>
-        <a:xfrm>
-          <a:off x="0" y="0"/>
-          <a:ext cx="0" cy="0"/>
-          <a:chOff x="0" y="0"/>
-          <a:chExt cx="0" cy="0"/>
-        </a:xfrm>
-      </p:grpSpPr>
-      <p:sp>
-        <p:nvSpPr>
-          <p:cNvPr id="2" name="Title 1">
-            <a:extLst>
-              <a:ext uri="{FF2B5EF4-FFF2-40B4-BE49-F238E27FC236}">
-                <a16:creationId xmlns:a16="http://schemas.microsoft.com/office/drawing/2014/main" id="{99319D46-3AC2-68A1-59E8-66ED961A1C9C}"/>
-              </a:ext>
-            </a:extLst>
-          </p:cNvPr>
-          <p:cNvSpPr>
-            <a:spLocks noGrp="1"/>
-          </p:cNvSpPr>
-          <p:nvPr>
-            <p:ph type="title"/>
-          </p:nvPr>
-        </p:nvSpPr>
-        <p:spPr/>
-        <p:txBody>
-          <a:bodyPr vert="horz" lIns="91440" tIns="45720" rIns="91440" bIns="45720" rtlCol="0" anchor="ctr">
-            <a:normAutofit/>
-          </a:bodyPr>
-          <a:lstStyle/>
-          <a:p>
-            <a:r>
-              <a:rPr lang="en-US" altLang="en-US" dirty="0">
-                <a:latin typeface="Calibri" panose="020F0502020204030204" pitchFamily="34" charset="0"/>
-              </a:rPr>
-              <a:t>Example</a:t>
-            </a:r>
-          </a:p>
-        </p:txBody>
-      </p:sp>
-      <p:sp>
-        <p:nvSpPr>
-          <p:cNvPr id="3" name="Content Placeholder 2">
-            <a:extLst>
-              <a:ext uri="{FF2B5EF4-FFF2-40B4-BE49-F238E27FC236}">
-                <a16:creationId xmlns:a16="http://schemas.microsoft.com/office/drawing/2014/main" id="{09DDFC9E-0520-1A10-0C05-BFFDCCA27C83}"/>
-              </a:ext>
-            </a:extLst>
-          </p:cNvPr>
-          <p:cNvSpPr>
-            <a:spLocks noGrp="1"/>
-          </p:cNvSpPr>
-          <p:nvPr>
-            <p:ph idx="1"/>
-          </p:nvPr>
-        </p:nvSpPr>
-        <p:spPr>
-          <a:xfrm>
-            <a:off x="768095" y="2067019"/>
-            <a:ext cx="7290055" cy="4023360"/>
-          </a:xfrm>
-        </p:spPr>
-        <p:txBody>
-          <a:bodyPr vert="horz" lIns="45720" tIns="45720" rIns="45720" bIns="45720" rtlCol="0">
-            <a:noAutofit/>
-          </a:bodyPr>
-          <a:lstStyle/>
-          <a:p>
-            <a:pPr marL="0" indent="0">
-              <a:lnSpc>
-                <a:spcPct val="50000"/>
-              </a:lnSpc>
-              <a:buNone/>
-            </a:pPr>
-            <a:r>
-              <a:rPr lang="en-US" altLang="en-US" sz="1200" dirty="0">
-                <a:latin typeface="Calibri" panose="020F0502020204030204" pitchFamily="34" charset="0"/>
-              </a:rPr>
-              <a:t>public abstract class Enemy {</a:t>
-            </a:r>
-          </a:p>
-          <a:p>
-            <a:pPr marL="0" indent="0">
-              <a:lnSpc>
-                <a:spcPct val="50000"/>
-              </a:lnSpc>
-              <a:buNone/>
-            </a:pPr>
-            <a:r>
-              <a:rPr lang="en-US" altLang="en-US" sz="1200" dirty="0">
-                <a:latin typeface="Calibri" panose="020F0502020204030204" pitchFamily="34" charset="0"/>
-              </a:rPr>
-              <a:t>	public abstract void kill();</a:t>
-            </a:r>
-          </a:p>
-          <a:p>
-            <a:pPr marL="0" indent="0">
-              <a:lnSpc>
-                <a:spcPct val="50000"/>
-              </a:lnSpc>
-              <a:buNone/>
-            </a:pPr>
-            <a:r>
-              <a:rPr lang="en-US" altLang="en-US" sz="1200" dirty="0">
-                <a:latin typeface="Calibri" panose="020F0502020204030204" pitchFamily="34" charset="0"/>
-              </a:rPr>
-              <a:t>}</a:t>
-            </a:r>
-          </a:p>
-          <a:p>
-            <a:pPr marL="0" indent="0">
-              <a:lnSpc>
-                <a:spcPct val="50000"/>
-              </a:lnSpc>
-              <a:buNone/>
-            </a:pPr>
-            <a:r>
-              <a:rPr lang="en-US" altLang="en-US" sz="1200" dirty="0">
-                <a:latin typeface="Calibri" panose="020F0502020204030204" pitchFamily="34" charset="0"/>
-              </a:rPr>
-              <a:t>public class Animal extends Enemy {</a:t>
-            </a:r>
-          </a:p>
-          <a:p>
-            <a:pPr marL="0" indent="0">
-              <a:lnSpc>
-                <a:spcPct val="50000"/>
-              </a:lnSpc>
-              <a:buNone/>
-            </a:pPr>
-            <a:r>
-              <a:rPr lang="en-US" altLang="en-US" sz="1200" dirty="0">
-                <a:latin typeface="Calibri" panose="020F0502020204030204" pitchFamily="34" charset="0"/>
-              </a:rPr>
-              <a:t>	public abstract void kill() {</a:t>
-            </a:r>
-          </a:p>
-          <a:p>
-            <a:pPr marL="0" indent="0">
-              <a:lnSpc>
-                <a:spcPct val="50000"/>
-              </a:lnSpc>
-              <a:buNone/>
-            </a:pPr>
-            <a:r>
-              <a:rPr lang="en-US" altLang="en-US" sz="1200" dirty="0">
-                <a:latin typeface="Calibri" panose="020F0502020204030204" pitchFamily="34" charset="0"/>
-              </a:rPr>
-              <a:t>		….</a:t>
-            </a:r>
-          </a:p>
-          <a:p>
-            <a:pPr marL="0" indent="0">
-              <a:lnSpc>
-                <a:spcPct val="50000"/>
-              </a:lnSpc>
-              <a:buNone/>
-            </a:pPr>
-            <a:r>
-              <a:rPr lang="en-US" altLang="en-US" sz="1200" dirty="0">
-                <a:latin typeface="Calibri" panose="020F0502020204030204" pitchFamily="34" charset="0"/>
-              </a:rPr>
-              <a:t>	}</a:t>
-            </a:r>
-          </a:p>
-          <a:p>
-            <a:pPr marL="0" indent="0">
-              <a:lnSpc>
-                <a:spcPct val="50000"/>
-              </a:lnSpc>
-              <a:buNone/>
-            </a:pPr>
-            <a:r>
-              <a:rPr lang="en-US" altLang="en-US" sz="1200" dirty="0">
-                <a:latin typeface="Calibri" panose="020F0502020204030204" pitchFamily="34" charset="0"/>
-              </a:rPr>
-              <a:t>}</a:t>
-            </a:r>
-          </a:p>
-          <a:p>
-            <a:pPr marL="0" indent="0">
-              <a:lnSpc>
-                <a:spcPct val="50000"/>
-              </a:lnSpc>
-              <a:buNone/>
-            </a:pPr>
-            <a:r>
-              <a:rPr lang="en-US" altLang="en-US" sz="1200" dirty="0">
-                <a:latin typeface="Calibri" panose="020F0502020204030204" pitchFamily="34" charset="0"/>
-              </a:rPr>
-              <a:t>public class </a:t>
-            </a:r>
-            <a:r>
-              <a:rPr lang="en-US" altLang="en-US" sz="1200" dirty="0" err="1">
-                <a:latin typeface="Calibri" panose="020F0502020204030204" pitchFamily="34" charset="0"/>
-              </a:rPr>
-              <a:t>Mainclass</a:t>
-            </a:r>
-            <a:r>
-              <a:rPr lang="en-US" altLang="en-US" sz="1200" dirty="0">
-                <a:latin typeface="Calibri" panose="020F0502020204030204" pitchFamily="34" charset="0"/>
-              </a:rPr>
-              <a:t> {</a:t>
-            </a:r>
-          </a:p>
-          <a:p>
-            <a:pPr marL="0" indent="0">
-              <a:lnSpc>
-                <a:spcPct val="50000"/>
-              </a:lnSpc>
-              <a:buNone/>
-            </a:pPr>
-            <a:r>
-              <a:rPr lang="en-US" altLang="en-US" sz="1200" dirty="0">
-                <a:latin typeface="Calibri" panose="020F0502020204030204" pitchFamily="34" charset="0"/>
-              </a:rPr>
-              <a:t>	main(String </a:t>
-            </a:r>
-            <a:r>
-              <a:rPr lang="en-US" altLang="en-US" sz="1200" dirty="0" err="1">
-                <a:latin typeface="Calibri" panose="020F0502020204030204" pitchFamily="34" charset="0"/>
-              </a:rPr>
-              <a:t>args</a:t>
-            </a:r>
-            <a:r>
-              <a:rPr lang="en-US" altLang="en-US" sz="1200" dirty="0">
-                <a:latin typeface="Calibri" panose="020F0502020204030204" pitchFamily="34" charset="0"/>
-              </a:rPr>
-              <a:t>[]) {</a:t>
-            </a:r>
-          </a:p>
-          <a:p>
-            <a:pPr marL="0" indent="0">
-              <a:lnSpc>
-                <a:spcPct val="50000"/>
-              </a:lnSpc>
-              <a:buNone/>
-            </a:pPr>
-            <a:r>
-              <a:rPr lang="en-US" altLang="en-US" sz="1200" dirty="0">
-                <a:latin typeface="Calibri" panose="020F0502020204030204" pitchFamily="34" charset="0"/>
-              </a:rPr>
-              <a:t>		Animal animal = new Animal();</a:t>
-            </a:r>
-          </a:p>
-          <a:p>
-            <a:pPr marL="0" indent="0">
-              <a:lnSpc>
-                <a:spcPct val="50000"/>
-              </a:lnSpc>
-              <a:buNone/>
-            </a:pPr>
-            <a:r>
-              <a:rPr lang="en-US" altLang="en-US" sz="1200" dirty="0">
-                <a:latin typeface="Calibri" panose="020F0502020204030204" pitchFamily="34" charset="0"/>
-              </a:rPr>
-              <a:t>		Enemy enemy = new Animal();</a:t>
-            </a:r>
-          </a:p>
-          <a:p>
-            <a:pPr marL="0" indent="0">
-              <a:lnSpc>
-                <a:spcPct val="50000"/>
-              </a:lnSpc>
-              <a:buNone/>
-            </a:pPr>
-            <a:r>
-              <a:rPr lang="en-US" altLang="en-US" sz="1200" dirty="0">
-                <a:latin typeface="Calibri" panose="020F0502020204030204" pitchFamily="34" charset="0"/>
-              </a:rPr>
-              <a:t>	}</a:t>
-            </a:r>
-          </a:p>
-          <a:p>
-            <a:pPr marL="0" indent="0">
-              <a:lnSpc>
-                <a:spcPct val="50000"/>
-              </a:lnSpc>
-              <a:buNone/>
-            </a:pPr>
-            <a:r>
-              <a:rPr lang="en-US" altLang="en-US" sz="1200" dirty="0">
-                <a:latin typeface="Calibri" panose="020F0502020204030204" pitchFamily="34" charset="0"/>
-              </a:rPr>
-              <a:t>}</a:t>
-            </a:r>
-          </a:p>
-          <a:p>
-            <a:pPr>
-              <a:lnSpc>
-                <a:spcPct val="50000"/>
-              </a:lnSpc>
-              <a:buFont typeface="Courier New" panose="02070309020205020404" pitchFamily="49" charset="0"/>
-              <a:buChar char="o"/>
-            </a:pPr>
-            <a:r>
-              <a:rPr lang="en-US" altLang="en-US" sz="1200" dirty="0">
-                <a:latin typeface="Calibri" panose="020F0502020204030204" pitchFamily="34" charset="0"/>
-              </a:rPr>
-              <a:t>Note: If there is any abstract method in a class, that class must be abstract.</a:t>
-            </a:r>
-          </a:p>
-          <a:p>
-            <a:pPr>
-              <a:lnSpc>
-                <a:spcPct val="50000"/>
-              </a:lnSpc>
-              <a:buFont typeface="Courier New" panose="02070309020205020404" pitchFamily="49" charset="0"/>
-              <a:buChar char="o"/>
-            </a:pPr>
-            <a:endParaRPr lang="en-US" altLang="en-US" sz="1200" dirty="0">
-              <a:latin typeface="Calibri" panose="020F0502020204030204" pitchFamily="34" charset="0"/>
-            </a:endParaRPr>
-          </a:p>
-        </p:txBody>
-      </p:sp>
-    </p:spTree>
-  </p:cSld>
-  <p:clrMapOvr>
-    <a:masterClrMapping/>
-  </p:clrMapOvr>
-</p:sld>
-</file>
-
-<file path=ppt/slides/slide18.xml><?xml version="1.0" encoding="utf-8"?>
-<p:sld xmlns:a="http://schemas.openxmlformats.org/drawingml/2006/main" xmlns:r="http://schemas.openxmlformats.org/officeDocument/2006/relationships" xmlns:p="http://schemas.openxmlformats.org/presentationml/2006/main" showMasterPhAnim="0">
-  <p:cSld>
-    <p:spTree>
-      <p:nvGrpSpPr>
-        <p:cNvPr id="1" name=""/>
-        <p:cNvGrpSpPr/>
-        <p:nvPr/>
-      </p:nvGrpSpPr>
-      <p:grpSpPr>
-        <a:xfrm>
-          <a:off x="0" y="0"/>
-          <a:ext cx="0" cy="0"/>
-          <a:chOff x="0" y="0"/>
-          <a:chExt cx="0" cy="0"/>
-        </a:xfrm>
-      </p:grpSpPr>
-      <p:sp>
-        <p:nvSpPr>
-          <p:cNvPr id="24578" name="Rectangle 2">
-            <a:extLst>
-              <a:ext uri="{FF2B5EF4-FFF2-40B4-BE49-F238E27FC236}">
-                <a16:creationId xmlns:a16="http://schemas.microsoft.com/office/drawing/2014/main" id="{9213E8CA-5501-6BB7-59D3-0701D0ADF382}"/>
-              </a:ext>
-            </a:extLst>
-          </p:cNvPr>
-          <p:cNvSpPr>
-            <a:spLocks noGrp="1" noRot="1" noChangeArrowheads="1"/>
-          </p:cNvSpPr>
-          <p:nvPr>
-            <p:ph type="title"/>
-          </p:nvPr>
-        </p:nvSpPr>
-        <p:spPr/>
-        <p:txBody>
-          <a:bodyPr vert="horz" lIns="91440" tIns="45720" rIns="91440" bIns="45720" rtlCol="0" anchor="ctr">
-            <a:normAutofit/>
-          </a:bodyPr>
-          <a:lstStyle/>
-          <a:p>
-            <a:r>
-              <a:rPr lang="en-US" altLang="en-US" dirty="0">
-                <a:latin typeface="Calibri" panose="020F0502020204030204" pitchFamily="34" charset="0"/>
-              </a:rPr>
-              <a:t>Encapsulation</a:t>
-            </a:r>
-          </a:p>
-        </p:txBody>
-      </p:sp>
-      <p:sp>
-        <p:nvSpPr>
-          <p:cNvPr id="24579" name="Rectangle 3">
-            <a:extLst>
-              <a:ext uri="{FF2B5EF4-FFF2-40B4-BE49-F238E27FC236}">
-                <a16:creationId xmlns:a16="http://schemas.microsoft.com/office/drawing/2014/main" id="{49E3F4CA-599C-4C96-590E-A474C1AE60F1}"/>
-              </a:ext>
-            </a:extLst>
-          </p:cNvPr>
-          <p:cNvSpPr>
-            <a:spLocks noGrp="1" noChangeArrowheads="1"/>
-          </p:cNvSpPr>
-          <p:nvPr>
-            <p:ph idx="1"/>
-          </p:nvPr>
-        </p:nvSpPr>
-        <p:spPr>
-          <a:xfrm>
-            <a:off x="533400" y="3557016"/>
-            <a:ext cx="8305800" cy="2538984"/>
-          </a:xfrm>
-        </p:spPr>
-        <p:txBody>
-          <a:bodyPr vert="horz" lIns="45720" tIns="45720" rIns="45720" bIns="45720" rtlCol="0">
-            <a:normAutofit lnSpcReduction="10000"/>
-          </a:bodyPr>
-          <a:lstStyle/>
-          <a:p>
-            <a:pPr>
-              <a:buFont typeface="Courier New" panose="02070309020205020404" pitchFamily="49" charset="0"/>
-              <a:buChar char="o"/>
-            </a:pPr>
-            <a:r>
-              <a:rPr lang="en-US" altLang="en-US" dirty="0">
-                <a:latin typeface="Calibri" panose="020F0502020204030204" pitchFamily="34" charset="0"/>
-              </a:rPr>
-              <a:t>Encapsulation is the technique of making the fields in a class private and providing access to the fields via public methods.</a:t>
-            </a:r>
-          </a:p>
-          <a:p>
-            <a:pPr>
-              <a:buFont typeface="Courier New" panose="02070309020205020404" pitchFamily="49" charset="0"/>
-              <a:buChar char="o"/>
-            </a:pPr>
-            <a:r>
-              <a:rPr lang="en-US" altLang="en-US" dirty="0">
-                <a:latin typeface="Calibri" panose="020F0502020204030204" pitchFamily="34" charset="0"/>
-              </a:rPr>
-              <a:t>prevents the code and data being randomly accessed by other code defined outside the class. </a:t>
-            </a:r>
-          </a:p>
-          <a:p>
-            <a:pPr>
-              <a:buFont typeface="Courier New" panose="02070309020205020404" pitchFamily="49" charset="0"/>
-              <a:buChar char="o"/>
-            </a:pPr>
-            <a:r>
-              <a:rPr lang="en-US" altLang="en-US" dirty="0">
-                <a:latin typeface="Calibri" panose="020F0502020204030204" pitchFamily="34" charset="0"/>
-              </a:rPr>
-              <a:t>Binds the data and methods together </a:t>
-            </a:r>
-          </a:p>
-          <a:p>
-            <a:pPr>
-              <a:buFont typeface="Courier New" panose="02070309020205020404" pitchFamily="49" charset="0"/>
-              <a:buChar char="o"/>
-            </a:pPr>
-            <a:r>
-              <a:rPr lang="en-US" altLang="en-US" dirty="0">
-                <a:latin typeface="Calibri" panose="020F0502020204030204" pitchFamily="34" charset="0"/>
-              </a:rPr>
-              <a:t>Hides the non-essential details of an object and shows only essential details</a:t>
-            </a:r>
-          </a:p>
-          <a:p>
-            <a:pPr>
-              <a:buFont typeface="Courier New" panose="02070309020205020404" pitchFamily="49" charset="0"/>
-              <a:buChar char="o"/>
-            </a:pPr>
-            <a:r>
-              <a:rPr lang="en-US" altLang="en-US" dirty="0">
-                <a:latin typeface="Calibri" panose="020F0502020204030204" pitchFamily="34" charset="0"/>
-              </a:rPr>
-              <a:t>Promotes reuses of the objects</a:t>
-            </a:r>
-          </a:p>
-        </p:txBody>
-      </p:sp>
-      <p:sp>
-        <p:nvSpPr>
-          <p:cNvPr id="32771" name="Rectangle 4">
-            <a:extLst>
-              <a:ext uri="{FF2B5EF4-FFF2-40B4-BE49-F238E27FC236}">
-                <a16:creationId xmlns:a16="http://schemas.microsoft.com/office/drawing/2014/main" id="{3BF063E5-207C-96F1-9B12-72C0772345B8}"/>
-              </a:ext>
-            </a:extLst>
-          </p:cNvPr>
-          <p:cNvSpPr>
-            <a:spLocks noChangeArrowheads="1"/>
-          </p:cNvSpPr>
-          <p:nvPr/>
-        </p:nvSpPr>
-        <p:spPr bwMode="auto">
-          <a:xfrm>
-            <a:off x="3048000" y="2514600"/>
-            <a:ext cx="2286000" cy="457200"/>
-          </a:xfrm>
-          <a:prstGeom prst="rect">
-            <a:avLst/>
-          </a:prstGeom>
-          <a:solidFill>
-            <a:schemeClr val="hlink"/>
-          </a:solidFill>
-          <a:ln w="9525">
-            <a:solidFill>
-              <a:schemeClr val="tx1"/>
-            </a:solidFill>
-            <a:miter lim="800000"/>
-            <a:headEnd/>
-            <a:tailEnd/>
-          </a:ln>
-        </p:spPr>
-        <p:txBody>
-          <a:bodyPr wrap="none" anchor="ctr"/>
-          <a:lstStyle>
-            <a:lvl1pPr>
-              <a:defRPr sz="3200">
-                <a:solidFill>
-                  <a:schemeClr val="tx1"/>
-                </a:solidFill>
-                <a:latin typeface="Tahoma" panose="020B0604030504040204" pitchFamily="34" charset="0"/>
-                <a:ea typeface="ＭＳ Ｐゴシック" panose="020B0600070205080204" pitchFamily="34" charset="-128"/>
-              </a:defRPr>
-            </a:lvl1pPr>
-            <a:lvl2pPr marL="742950" indent="-285750">
-              <a:defRPr sz="3200">
-                <a:solidFill>
-                  <a:schemeClr val="tx1"/>
-                </a:solidFill>
-                <a:latin typeface="Tahoma" panose="020B0604030504040204" pitchFamily="34" charset="0"/>
-                <a:ea typeface="ＭＳ Ｐゴシック" panose="020B0600070205080204" pitchFamily="34" charset="-128"/>
-              </a:defRPr>
-            </a:lvl2pPr>
-            <a:lvl3pPr marL="1143000" indent="-228600">
-              <a:defRPr sz="3200">
-                <a:solidFill>
-                  <a:schemeClr val="tx1"/>
-                </a:solidFill>
-                <a:latin typeface="Tahoma" panose="020B0604030504040204" pitchFamily="34" charset="0"/>
-                <a:ea typeface="ＭＳ Ｐゴシック" panose="020B0600070205080204" pitchFamily="34" charset="-128"/>
-              </a:defRPr>
-            </a:lvl3pPr>
-            <a:lvl4pPr marL="1600200" indent="-228600">
-              <a:defRPr sz="3200">
-                <a:solidFill>
-                  <a:schemeClr val="tx1"/>
-                </a:solidFill>
-                <a:latin typeface="Tahoma" panose="020B0604030504040204" pitchFamily="34" charset="0"/>
-                <a:ea typeface="ＭＳ Ｐゴシック" panose="020B0600070205080204" pitchFamily="34" charset="-128"/>
-              </a:defRPr>
-            </a:lvl4pPr>
-            <a:lvl5pPr marL="2057400" indent="-228600">
-              <a:defRPr sz="3200">
-                <a:solidFill>
-                  <a:schemeClr val="tx1"/>
-                </a:solidFill>
-                <a:latin typeface="Tahoma" panose="020B0604030504040204" pitchFamily="34" charset="0"/>
-                <a:ea typeface="ＭＳ Ｐゴシック" panose="020B0600070205080204" pitchFamily="34" charset="-128"/>
-              </a:defRPr>
-            </a:lvl5pPr>
-            <a:lvl6pPr marL="2514600" indent="-228600" eaLnBrk="0" fontAlgn="base" hangingPunct="0">
-              <a:spcBef>
-                <a:spcPct val="0"/>
-              </a:spcBef>
-              <a:spcAft>
-                <a:spcPct val="0"/>
-              </a:spcAft>
-              <a:defRPr sz="3200">
-                <a:solidFill>
-                  <a:schemeClr val="tx1"/>
-                </a:solidFill>
-                <a:latin typeface="Tahoma" panose="020B0604030504040204" pitchFamily="34" charset="0"/>
-                <a:ea typeface="ＭＳ Ｐゴシック" panose="020B0600070205080204" pitchFamily="34" charset="-128"/>
-              </a:defRPr>
-            </a:lvl6pPr>
-            <a:lvl7pPr marL="2971800" indent="-228600" eaLnBrk="0" fontAlgn="base" hangingPunct="0">
-              <a:spcBef>
-                <a:spcPct val="0"/>
-              </a:spcBef>
-              <a:spcAft>
-                <a:spcPct val="0"/>
-              </a:spcAft>
-              <a:defRPr sz="3200">
-                <a:solidFill>
-                  <a:schemeClr val="tx1"/>
-                </a:solidFill>
-                <a:latin typeface="Tahoma" panose="020B0604030504040204" pitchFamily="34" charset="0"/>
-                <a:ea typeface="ＭＳ Ｐゴシック" panose="020B0600070205080204" pitchFamily="34" charset="-128"/>
-              </a:defRPr>
-            </a:lvl7pPr>
-            <a:lvl8pPr marL="3429000" indent="-228600" eaLnBrk="0" fontAlgn="base" hangingPunct="0">
-              <a:spcBef>
-                <a:spcPct val="0"/>
-              </a:spcBef>
-              <a:spcAft>
-                <a:spcPct val="0"/>
-              </a:spcAft>
-              <a:defRPr sz="3200">
-                <a:solidFill>
-                  <a:schemeClr val="tx1"/>
-                </a:solidFill>
-                <a:latin typeface="Tahoma" panose="020B0604030504040204" pitchFamily="34" charset="0"/>
-                <a:ea typeface="ＭＳ Ｐゴシック" panose="020B0600070205080204" pitchFamily="34" charset="-128"/>
-              </a:defRPr>
-            </a:lvl8pPr>
-            <a:lvl9pPr marL="3886200" indent="-228600" eaLnBrk="0" fontAlgn="base" hangingPunct="0">
-              <a:spcBef>
-                <a:spcPct val="0"/>
-              </a:spcBef>
-              <a:spcAft>
-                <a:spcPct val="0"/>
-              </a:spcAft>
-              <a:defRPr sz="3200">
-                <a:solidFill>
-                  <a:schemeClr val="tx1"/>
-                </a:solidFill>
-                <a:latin typeface="Tahoma" panose="020B0604030504040204" pitchFamily="34" charset="0"/>
-                <a:ea typeface="ＭＳ Ｐゴシック" panose="020B0600070205080204" pitchFamily="34" charset="-128"/>
-              </a:defRPr>
-            </a:lvl9pPr>
-          </a:lstStyle>
-          <a:p>
-            <a:pPr algn="ctr"/>
-            <a:r>
-              <a:rPr lang="en-US" altLang="en-US"/>
-              <a:t>Data</a:t>
-            </a:r>
-          </a:p>
-        </p:txBody>
-      </p:sp>
-      <p:sp>
-        <p:nvSpPr>
-          <p:cNvPr id="32772" name="Rectangle 5">
-            <a:extLst>
-              <a:ext uri="{FF2B5EF4-FFF2-40B4-BE49-F238E27FC236}">
-                <a16:creationId xmlns:a16="http://schemas.microsoft.com/office/drawing/2014/main" id="{FA85B713-13BE-515B-0B5B-2E2A4877970B}"/>
-              </a:ext>
-            </a:extLst>
-          </p:cNvPr>
-          <p:cNvSpPr>
-            <a:spLocks noChangeArrowheads="1"/>
-          </p:cNvSpPr>
-          <p:nvPr/>
-        </p:nvSpPr>
-        <p:spPr bwMode="auto">
-          <a:xfrm>
-            <a:off x="2895600" y="2133600"/>
-            <a:ext cx="2286000" cy="609600"/>
-          </a:xfrm>
-          <a:prstGeom prst="rect">
-            <a:avLst/>
-          </a:prstGeom>
-          <a:solidFill>
-            <a:schemeClr val="hlink"/>
-          </a:solidFill>
-          <a:ln w="9525">
-            <a:solidFill>
-              <a:schemeClr val="tx1"/>
-            </a:solidFill>
-            <a:miter lim="800000"/>
-            <a:headEnd/>
-            <a:tailEnd/>
-          </a:ln>
-        </p:spPr>
-        <p:txBody>
-          <a:bodyPr wrap="none" anchor="ctr"/>
-          <a:lstStyle>
-            <a:lvl1pPr>
-              <a:defRPr sz="3200">
-                <a:solidFill>
-                  <a:schemeClr val="tx1"/>
-                </a:solidFill>
-                <a:latin typeface="Tahoma" panose="020B0604030504040204" pitchFamily="34" charset="0"/>
-                <a:ea typeface="ＭＳ Ｐゴシック" panose="020B0600070205080204" pitchFamily="34" charset="-128"/>
-              </a:defRPr>
-            </a:lvl1pPr>
-            <a:lvl2pPr marL="742950" indent="-285750">
-              <a:defRPr sz="3200">
-                <a:solidFill>
-                  <a:schemeClr val="tx1"/>
-                </a:solidFill>
-                <a:latin typeface="Tahoma" panose="020B0604030504040204" pitchFamily="34" charset="0"/>
-                <a:ea typeface="ＭＳ Ｐゴシック" panose="020B0600070205080204" pitchFamily="34" charset="-128"/>
-              </a:defRPr>
-            </a:lvl2pPr>
-            <a:lvl3pPr marL="1143000" indent="-228600">
-              <a:defRPr sz="3200">
-                <a:solidFill>
-                  <a:schemeClr val="tx1"/>
-                </a:solidFill>
-                <a:latin typeface="Tahoma" panose="020B0604030504040204" pitchFamily="34" charset="0"/>
-                <a:ea typeface="ＭＳ Ｐゴシック" panose="020B0600070205080204" pitchFamily="34" charset="-128"/>
-              </a:defRPr>
-            </a:lvl3pPr>
-            <a:lvl4pPr marL="1600200" indent="-228600">
-              <a:defRPr sz="3200">
-                <a:solidFill>
-                  <a:schemeClr val="tx1"/>
-                </a:solidFill>
-                <a:latin typeface="Tahoma" panose="020B0604030504040204" pitchFamily="34" charset="0"/>
-                <a:ea typeface="ＭＳ Ｐゴシック" panose="020B0600070205080204" pitchFamily="34" charset="-128"/>
-              </a:defRPr>
-            </a:lvl4pPr>
-            <a:lvl5pPr marL="2057400" indent="-228600">
-              <a:defRPr sz="3200">
-                <a:solidFill>
-                  <a:schemeClr val="tx1"/>
-                </a:solidFill>
-                <a:latin typeface="Tahoma" panose="020B0604030504040204" pitchFamily="34" charset="0"/>
-                <a:ea typeface="ＭＳ Ｐゴシック" panose="020B0600070205080204" pitchFamily="34" charset="-128"/>
-              </a:defRPr>
-            </a:lvl5pPr>
-            <a:lvl6pPr marL="2514600" indent="-228600" eaLnBrk="0" fontAlgn="base" hangingPunct="0">
-              <a:spcBef>
-                <a:spcPct val="0"/>
-              </a:spcBef>
-              <a:spcAft>
-                <a:spcPct val="0"/>
-              </a:spcAft>
-              <a:defRPr sz="3200">
-                <a:solidFill>
-                  <a:schemeClr val="tx1"/>
-                </a:solidFill>
-                <a:latin typeface="Tahoma" panose="020B0604030504040204" pitchFamily="34" charset="0"/>
-                <a:ea typeface="ＭＳ Ｐゴシック" panose="020B0600070205080204" pitchFamily="34" charset="-128"/>
-              </a:defRPr>
-            </a:lvl6pPr>
-            <a:lvl7pPr marL="2971800" indent="-228600" eaLnBrk="0" fontAlgn="base" hangingPunct="0">
-              <a:spcBef>
-                <a:spcPct val="0"/>
-              </a:spcBef>
-              <a:spcAft>
-                <a:spcPct val="0"/>
-              </a:spcAft>
-              <a:defRPr sz="3200">
-                <a:solidFill>
-                  <a:schemeClr val="tx1"/>
-                </a:solidFill>
-                <a:latin typeface="Tahoma" panose="020B0604030504040204" pitchFamily="34" charset="0"/>
-                <a:ea typeface="ＭＳ Ｐゴシック" panose="020B0600070205080204" pitchFamily="34" charset="-128"/>
-              </a:defRPr>
-            </a:lvl7pPr>
-            <a:lvl8pPr marL="3429000" indent="-228600" eaLnBrk="0" fontAlgn="base" hangingPunct="0">
-              <a:spcBef>
-                <a:spcPct val="0"/>
-              </a:spcBef>
-              <a:spcAft>
-                <a:spcPct val="0"/>
-              </a:spcAft>
-              <a:defRPr sz="3200">
-                <a:solidFill>
-                  <a:schemeClr val="tx1"/>
-                </a:solidFill>
-                <a:latin typeface="Tahoma" panose="020B0604030504040204" pitchFamily="34" charset="0"/>
-                <a:ea typeface="ＭＳ Ｐゴシック" panose="020B0600070205080204" pitchFamily="34" charset="-128"/>
-              </a:defRPr>
-            </a:lvl8pPr>
-            <a:lvl9pPr marL="3886200" indent="-228600" eaLnBrk="0" fontAlgn="base" hangingPunct="0">
-              <a:spcBef>
-                <a:spcPct val="0"/>
-              </a:spcBef>
-              <a:spcAft>
-                <a:spcPct val="0"/>
-              </a:spcAft>
-              <a:defRPr sz="3200">
-                <a:solidFill>
-                  <a:schemeClr val="tx1"/>
-                </a:solidFill>
-                <a:latin typeface="Tahoma" panose="020B0604030504040204" pitchFamily="34" charset="0"/>
-                <a:ea typeface="ＭＳ Ｐゴシック" panose="020B0600070205080204" pitchFamily="34" charset="-128"/>
-              </a:defRPr>
-            </a:lvl9pPr>
-          </a:lstStyle>
-          <a:p>
-            <a:pPr algn="ctr"/>
-            <a:r>
-              <a:rPr lang="en-US" altLang="en-US"/>
-              <a:t>Methods</a:t>
-            </a:r>
-          </a:p>
-        </p:txBody>
-      </p:sp>
-      <p:sp>
-        <p:nvSpPr>
-          <p:cNvPr id="32774" name="Rectangle 7">
-            <a:extLst>
-              <a:ext uri="{FF2B5EF4-FFF2-40B4-BE49-F238E27FC236}">
-                <a16:creationId xmlns:a16="http://schemas.microsoft.com/office/drawing/2014/main" id="{C438E451-25BC-BAE8-CC5E-F26412089193}"/>
-              </a:ext>
-            </a:extLst>
-          </p:cNvPr>
-          <p:cNvSpPr>
-            <a:spLocks noChangeArrowheads="1"/>
-          </p:cNvSpPr>
-          <p:nvPr/>
-        </p:nvSpPr>
-        <p:spPr bwMode="auto">
-          <a:xfrm>
-            <a:off x="1708023" y="2063615"/>
-            <a:ext cx="5410200" cy="1212985"/>
-          </a:xfrm>
-          <a:prstGeom prst="rect">
-            <a:avLst/>
-          </a:prstGeom>
-          <a:solidFill>
-            <a:schemeClr val="accent1"/>
-          </a:solidFill>
-          <a:ln w="9525">
-            <a:solidFill>
-              <a:schemeClr val="tx1"/>
-            </a:solidFill>
-            <a:miter lim="800000"/>
-            <a:headEnd/>
-            <a:tailEnd/>
-          </a:ln>
-        </p:spPr>
-        <p:txBody>
-          <a:bodyPr wrap="none" anchor="ctr"/>
-          <a:lstStyle>
-            <a:lvl1pPr>
-              <a:defRPr sz="3200">
-                <a:solidFill>
-                  <a:schemeClr val="tx1"/>
-                </a:solidFill>
-                <a:latin typeface="Tahoma" panose="020B0604030504040204" pitchFamily="34" charset="0"/>
-                <a:ea typeface="ＭＳ Ｐゴシック" panose="020B0600070205080204" pitchFamily="34" charset="-128"/>
-              </a:defRPr>
-            </a:lvl1pPr>
-            <a:lvl2pPr marL="742950" indent="-285750">
-              <a:defRPr sz="3200">
-                <a:solidFill>
-                  <a:schemeClr val="tx1"/>
-                </a:solidFill>
-                <a:latin typeface="Tahoma" panose="020B0604030504040204" pitchFamily="34" charset="0"/>
-                <a:ea typeface="ＭＳ Ｐゴシック" panose="020B0600070205080204" pitchFamily="34" charset="-128"/>
-              </a:defRPr>
-            </a:lvl2pPr>
-            <a:lvl3pPr marL="1143000" indent="-228600">
-              <a:defRPr sz="3200">
-                <a:solidFill>
-                  <a:schemeClr val="tx1"/>
-                </a:solidFill>
-                <a:latin typeface="Tahoma" panose="020B0604030504040204" pitchFamily="34" charset="0"/>
-                <a:ea typeface="ＭＳ Ｐゴシック" panose="020B0600070205080204" pitchFamily="34" charset="-128"/>
-              </a:defRPr>
-            </a:lvl3pPr>
-            <a:lvl4pPr marL="1600200" indent="-228600">
-              <a:defRPr sz="3200">
-                <a:solidFill>
-                  <a:schemeClr val="tx1"/>
-                </a:solidFill>
-                <a:latin typeface="Tahoma" panose="020B0604030504040204" pitchFamily="34" charset="0"/>
-                <a:ea typeface="ＭＳ Ｐゴシック" panose="020B0600070205080204" pitchFamily="34" charset="-128"/>
-              </a:defRPr>
-            </a:lvl4pPr>
-            <a:lvl5pPr marL="2057400" indent="-228600">
-              <a:defRPr sz="3200">
-                <a:solidFill>
-                  <a:schemeClr val="tx1"/>
-                </a:solidFill>
-                <a:latin typeface="Tahoma" panose="020B0604030504040204" pitchFamily="34" charset="0"/>
-                <a:ea typeface="ＭＳ Ｐゴシック" panose="020B0600070205080204" pitchFamily="34" charset="-128"/>
-              </a:defRPr>
-            </a:lvl5pPr>
-            <a:lvl6pPr marL="2514600" indent="-228600" eaLnBrk="0" fontAlgn="base" hangingPunct="0">
-              <a:spcBef>
-                <a:spcPct val="0"/>
-              </a:spcBef>
-              <a:spcAft>
-                <a:spcPct val="0"/>
-              </a:spcAft>
-              <a:defRPr sz="3200">
-                <a:solidFill>
-                  <a:schemeClr val="tx1"/>
-                </a:solidFill>
-                <a:latin typeface="Tahoma" panose="020B0604030504040204" pitchFamily="34" charset="0"/>
-                <a:ea typeface="ＭＳ Ｐゴシック" panose="020B0600070205080204" pitchFamily="34" charset="-128"/>
-              </a:defRPr>
-            </a:lvl6pPr>
-            <a:lvl7pPr marL="2971800" indent="-228600" eaLnBrk="0" fontAlgn="base" hangingPunct="0">
-              <a:spcBef>
-                <a:spcPct val="0"/>
-              </a:spcBef>
-              <a:spcAft>
-                <a:spcPct val="0"/>
-              </a:spcAft>
-              <a:defRPr sz="3200">
-                <a:solidFill>
-                  <a:schemeClr val="tx1"/>
-                </a:solidFill>
-                <a:latin typeface="Tahoma" panose="020B0604030504040204" pitchFamily="34" charset="0"/>
-                <a:ea typeface="ＭＳ Ｐゴシック" panose="020B0600070205080204" pitchFamily="34" charset="-128"/>
-              </a:defRPr>
-            </a:lvl7pPr>
-            <a:lvl8pPr marL="3429000" indent="-228600" eaLnBrk="0" fontAlgn="base" hangingPunct="0">
-              <a:spcBef>
-                <a:spcPct val="0"/>
-              </a:spcBef>
-              <a:spcAft>
-                <a:spcPct val="0"/>
-              </a:spcAft>
-              <a:defRPr sz="3200">
-                <a:solidFill>
-                  <a:schemeClr val="tx1"/>
-                </a:solidFill>
-                <a:latin typeface="Tahoma" panose="020B0604030504040204" pitchFamily="34" charset="0"/>
-                <a:ea typeface="ＭＳ Ｐゴシック" panose="020B0600070205080204" pitchFamily="34" charset="-128"/>
-              </a:defRPr>
-            </a:lvl8pPr>
-            <a:lvl9pPr marL="3886200" indent="-228600" eaLnBrk="0" fontAlgn="base" hangingPunct="0">
-              <a:spcBef>
-                <a:spcPct val="0"/>
-              </a:spcBef>
-              <a:spcAft>
-                <a:spcPct val="0"/>
-              </a:spcAft>
-              <a:defRPr sz="3200">
-                <a:solidFill>
-                  <a:schemeClr val="tx1"/>
-                </a:solidFill>
-                <a:latin typeface="Tahoma" panose="020B0604030504040204" pitchFamily="34" charset="0"/>
-                <a:ea typeface="ＭＳ Ｐゴシック" panose="020B0600070205080204" pitchFamily="34" charset="-128"/>
-              </a:defRPr>
-            </a:lvl9pPr>
-          </a:lstStyle>
-          <a:p>
-            <a:endParaRPr lang="en-US" altLang="en-US"/>
-          </a:p>
-        </p:txBody>
-      </p:sp>
-      <p:sp>
-        <p:nvSpPr>
-          <p:cNvPr id="32775" name="Rectangle 8">
-            <a:extLst>
-              <a:ext uri="{FF2B5EF4-FFF2-40B4-BE49-F238E27FC236}">
-                <a16:creationId xmlns:a16="http://schemas.microsoft.com/office/drawing/2014/main" id="{066000D3-997F-98F1-8AF0-F99A9B4563EB}"/>
-              </a:ext>
-            </a:extLst>
-          </p:cNvPr>
-          <p:cNvSpPr>
-            <a:spLocks noChangeArrowheads="1"/>
-          </p:cNvSpPr>
-          <p:nvPr/>
-        </p:nvSpPr>
-        <p:spPr bwMode="auto">
-          <a:xfrm>
-            <a:off x="1988172" y="2432185"/>
-            <a:ext cx="2286000" cy="457200"/>
-          </a:xfrm>
-          <a:prstGeom prst="rect">
-            <a:avLst/>
-          </a:prstGeom>
-          <a:solidFill>
-            <a:schemeClr val="hlink"/>
-          </a:solidFill>
-          <a:ln w="9525">
-            <a:solidFill>
-              <a:schemeClr val="tx1"/>
-            </a:solidFill>
-            <a:miter lim="800000"/>
-            <a:headEnd/>
-            <a:tailEnd/>
-          </a:ln>
-        </p:spPr>
-        <p:txBody>
-          <a:bodyPr wrap="none" anchor="ctr"/>
-          <a:lstStyle>
-            <a:lvl1pPr>
-              <a:defRPr sz="3200">
-                <a:solidFill>
-                  <a:schemeClr val="tx1"/>
-                </a:solidFill>
-                <a:latin typeface="Tahoma" panose="020B0604030504040204" pitchFamily="34" charset="0"/>
-                <a:ea typeface="ＭＳ Ｐゴシック" panose="020B0600070205080204" pitchFamily="34" charset="-128"/>
-              </a:defRPr>
-            </a:lvl1pPr>
-            <a:lvl2pPr marL="742950" indent="-285750">
-              <a:defRPr sz="3200">
-                <a:solidFill>
-                  <a:schemeClr val="tx1"/>
-                </a:solidFill>
-                <a:latin typeface="Tahoma" panose="020B0604030504040204" pitchFamily="34" charset="0"/>
-                <a:ea typeface="ＭＳ Ｐゴシック" panose="020B0600070205080204" pitchFamily="34" charset="-128"/>
-              </a:defRPr>
-            </a:lvl2pPr>
-            <a:lvl3pPr marL="1143000" indent="-228600">
-              <a:defRPr sz="3200">
-                <a:solidFill>
-                  <a:schemeClr val="tx1"/>
-                </a:solidFill>
-                <a:latin typeface="Tahoma" panose="020B0604030504040204" pitchFamily="34" charset="0"/>
-                <a:ea typeface="ＭＳ Ｐゴシック" panose="020B0600070205080204" pitchFamily="34" charset="-128"/>
-              </a:defRPr>
-            </a:lvl3pPr>
-            <a:lvl4pPr marL="1600200" indent="-228600">
-              <a:defRPr sz="3200">
-                <a:solidFill>
-                  <a:schemeClr val="tx1"/>
-                </a:solidFill>
-                <a:latin typeface="Tahoma" panose="020B0604030504040204" pitchFamily="34" charset="0"/>
-                <a:ea typeface="ＭＳ Ｐゴシック" panose="020B0600070205080204" pitchFamily="34" charset="-128"/>
-              </a:defRPr>
-            </a:lvl4pPr>
-            <a:lvl5pPr marL="2057400" indent="-228600">
-              <a:defRPr sz="3200">
-                <a:solidFill>
-                  <a:schemeClr val="tx1"/>
-                </a:solidFill>
-                <a:latin typeface="Tahoma" panose="020B0604030504040204" pitchFamily="34" charset="0"/>
-                <a:ea typeface="ＭＳ Ｐゴシック" panose="020B0600070205080204" pitchFamily="34" charset="-128"/>
-              </a:defRPr>
-            </a:lvl5pPr>
-            <a:lvl6pPr marL="2514600" indent="-228600" eaLnBrk="0" fontAlgn="base" hangingPunct="0">
-              <a:spcBef>
-                <a:spcPct val="0"/>
-              </a:spcBef>
-              <a:spcAft>
-                <a:spcPct val="0"/>
-              </a:spcAft>
-              <a:defRPr sz="3200">
-                <a:solidFill>
-                  <a:schemeClr val="tx1"/>
-                </a:solidFill>
-                <a:latin typeface="Tahoma" panose="020B0604030504040204" pitchFamily="34" charset="0"/>
-                <a:ea typeface="ＭＳ Ｐゴシック" panose="020B0600070205080204" pitchFamily="34" charset="-128"/>
-              </a:defRPr>
-            </a:lvl6pPr>
-            <a:lvl7pPr marL="2971800" indent="-228600" eaLnBrk="0" fontAlgn="base" hangingPunct="0">
-              <a:spcBef>
-                <a:spcPct val="0"/>
-              </a:spcBef>
-              <a:spcAft>
-                <a:spcPct val="0"/>
-              </a:spcAft>
-              <a:defRPr sz="3200">
-                <a:solidFill>
-                  <a:schemeClr val="tx1"/>
-                </a:solidFill>
-                <a:latin typeface="Tahoma" panose="020B0604030504040204" pitchFamily="34" charset="0"/>
-                <a:ea typeface="ＭＳ Ｐゴシック" panose="020B0600070205080204" pitchFamily="34" charset="-128"/>
-              </a:defRPr>
-            </a:lvl7pPr>
-            <a:lvl8pPr marL="3429000" indent="-228600" eaLnBrk="0" fontAlgn="base" hangingPunct="0">
-              <a:spcBef>
-                <a:spcPct val="0"/>
-              </a:spcBef>
-              <a:spcAft>
-                <a:spcPct val="0"/>
-              </a:spcAft>
-              <a:defRPr sz="3200">
-                <a:solidFill>
-                  <a:schemeClr val="tx1"/>
-                </a:solidFill>
-                <a:latin typeface="Tahoma" panose="020B0604030504040204" pitchFamily="34" charset="0"/>
-                <a:ea typeface="ＭＳ Ｐゴシック" panose="020B0600070205080204" pitchFamily="34" charset="-128"/>
-              </a:defRPr>
-            </a:lvl8pPr>
-            <a:lvl9pPr marL="3886200" indent="-228600" eaLnBrk="0" fontAlgn="base" hangingPunct="0">
-              <a:spcBef>
-                <a:spcPct val="0"/>
-              </a:spcBef>
-              <a:spcAft>
-                <a:spcPct val="0"/>
-              </a:spcAft>
-              <a:defRPr sz="3200">
-                <a:solidFill>
-                  <a:schemeClr val="tx1"/>
-                </a:solidFill>
-                <a:latin typeface="Tahoma" panose="020B0604030504040204" pitchFamily="34" charset="0"/>
-                <a:ea typeface="ＭＳ Ｐゴシック" panose="020B0600070205080204" pitchFamily="34" charset="-128"/>
-              </a:defRPr>
-            </a:lvl9pPr>
-          </a:lstStyle>
-          <a:p>
-            <a:pPr algn="ctr"/>
-            <a:r>
-              <a:rPr lang="en-US" altLang="en-US"/>
-              <a:t>Data</a:t>
-            </a:r>
-          </a:p>
-        </p:txBody>
-      </p:sp>
-      <p:sp>
-        <p:nvSpPr>
-          <p:cNvPr id="32776" name="Rectangle 9">
-            <a:extLst>
-              <a:ext uri="{FF2B5EF4-FFF2-40B4-BE49-F238E27FC236}">
-                <a16:creationId xmlns:a16="http://schemas.microsoft.com/office/drawing/2014/main" id="{2E2F35C8-403E-5478-E306-BECE12A8DE7D}"/>
-              </a:ext>
-            </a:extLst>
-          </p:cNvPr>
-          <p:cNvSpPr>
-            <a:spLocks noChangeArrowheads="1"/>
-          </p:cNvSpPr>
-          <p:nvPr/>
-        </p:nvSpPr>
-        <p:spPr bwMode="auto">
-          <a:xfrm>
-            <a:off x="4611968" y="2432185"/>
-            <a:ext cx="2286000" cy="457200"/>
-          </a:xfrm>
-          <a:prstGeom prst="rect">
-            <a:avLst/>
-          </a:prstGeom>
-          <a:solidFill>
-            <a:schemeClr val="hlink"/>
-          </a:solidFill>
-          <a:ln w="9525">
-            <a:solidFill>
-              <a:schemeClr val="tx1"/>
-            </a:solidFill>
-            <a:miter lim="800000"/>
-            <a:headEnd/>
-            <a:tailEnd/>
-          </a:ln>
-        </p:spPr>
-        <p:txBody>
-          <a:bodyPr wrap="none" anchor="ctr"/>
-          <a:lstStyle>
-            <a:lvl1pPr>
-              <a:defRPr sz="3200">
-                <a:solidFill>
-                  <a:schemeClr val="tx1"/>
-                </a:solidFill>
-                <a:latin typeface="Tahoma" panose="020B0604030504040204" pitchFamily="34" charset="0"/>
-                <a:ea typeface="ＭＳ Ｐゴシック" panose="020B0600070205080204" pitchFamily="34" charset="-128"/>
-              </a:defRPr>
-            </a:lvl1pPr>
-            <a:lvl2pPr marL="742950" indent="-285750">
-              <a:defRPr sz="3200">
-                <a:solidFill>
-                  <a:schemeClr val="tx1"/>
-                </a:solidFill>
-                <a:latin typeface="Tahoma" panose="020B0604030504040204" pitchFamily="34" charset="0"/>
-                <a:ea typeface="ＭＳ Ｐゴシック" panose="020B0600070205080204" pitchFamily="34" charset="-128"/>
-              </a:defRPr>
-            </a:lvl2pPr>
-            <a:lvl3pPr marL="1143000" indent="-228600">
-              <a:defRPr sz="3200">
-                <a:solidFill>
-                  <a:schemeClr val="tx1"/>
-                </a:solidFill>
-                <a:latin typeface="Tahoma" panose="020B0604030504040204" pitchFamily="34" charset="0"/>
-                <a:ea typeface="ＭＳ Ｐゴシック" panose="020B0600070205080204" pitchFamily="34" charset="-128"/>
-              </a:defRPr>
-            </a:lvl3pPr>
-            <a:lvl4pPr marL="1600200" indent="-228600">
-              <a:defRPr sz="3200">
-                <a:solidFill>
-                  <a:schemeClr val="tx1"/>
-                </a:solidFill>
-                <a:latin typeface="Tahoma" panose="020B0604030504040204" pitchFamily="34" charset="0"/>
-                <a:ea typeface="ＭＳ Ｐゴシック" panose="020B0600070205080204" pitchFamily="34" charset="-128"/>
-              </a:defRPr>
-            </a:lvl4pPr>
-            <a:lvl5pPr marL="2057400" indent="-228600">
-              <a:defRPr sz="3200">
-                <a:solidFill>
-                  <a:schemeClr val="tx1"/>
-                </a:solidFill>
-                <a:latin typeface="Tahoma" panose="020B0604030504040204" pitchFamily="34" charset="0"/>
-                <a:ea typeface="ＭＳ Ｐゴシック" panose="020B0600070205080204" pitchFamily="34" charset="-128"/>
-              </a:defRPr>
-            </a:lvl5pPr>
-            <a:lvl6pPr marL="2514600" indent="-228600" eaLnBrk="0" fontAlgn="base" hangingPunct="0">
-              <a:spcBef>
-                <a:spcPct val="0"/>
-              </a:spcBef>
-              <a:spcAft>
-                <a:spcPct val="0"/>
-              </a:spcAft>
-              <a:defRPr sz="3200">
-                <a:solidFill>
-                  <a:schemeClr val="tx1"/>
-                </a:solidFill>
-                <a:latin typeface="Tahoma" panose="020B0604030504040204" pitchFamily="34" charset="0"/>
-                <a:ea typeface="ＭＳ Ｐゴシック" panose="020B0600070205080204" pitchFamily="34" charset="-128"/>
-              </a:defRPr>
-            </a:lvl6pPr>
-            <a:lvl7pPr marL="2971800" indent="-228600" eaLnBrk="0" fontAlgn="base" hangingPunct="0">
-              <a:spcBef>
-                <a:spcPct val="0"/>
-              </a:spcBef>
-              <a:spcAft>
-                <a:spcPct val="0"/>
-              </a:spcAft>
-              <a:defRPr sz="3200">
-                <a:solidFill>
-                  <a:schemeClr val="tx1"/>
-                </a:solidFill>
-                <a:latin typeface="Tahoma" panose="020B0604030504040204" pitchFamily="34" charset="0"/>
-                <a:ea typeface="ＭＳ Ｐゴシック" panose="020B0600070205080204" pitchFamily="34" charset="-128"/>
-              </a:defRPr>
-            </a:lvl7pPr>
-            <a:lvl8pPr marL="3429000" indent="-228600" eaLnBrk="0" fontAlgn="base" hangingPunct="0">
-              <a:spcBef>
-                <a:spcPct val="0"/>
-              </a:spcBef>
-              <a:spcAft>
-                <a:spcPct val="0"/>
-              </a:spcAft>
-              <a:defRPr sz="3200">
-                <a:solidFill>
-                  <a:schemeClr val="tx1"/>
-                </a:solidFill>
-                <a:latin typeface="Tahoma" panose="020B0604030504040204" pitchFamily="34" charset="0"/>
-                <a:ea typeface="ＭＳ Ｐゴシック" panose="020B0600070205080204" pitchFamily="34" charset="-128"/>
-              </a:defRPr>
-            </a:lvl8pPr>
-            <a:lvl9pPr marL="3886200" indent="-228600" eaLnBrk="0" fontAlgn="base" hangingPunct="0">
-              <a:spcBef>
-                <a:spcPct val="0"/>
-              </a:spcBef>
-              <a:spcAft>
-                <a:spcPct val="0"/>
-              </a:spcAft>
-              <a:defRPr sz="3200">
-                <a:solidFill>
-                  <a:schemeClr val="tx1"/>
-                </a:solidFill>
-                <a:latin typeface="Tahoma" panose="020B0604030504040204" pitchFamily="34" charset="0"/>
-                <a:ea typeface="ＭＳ Ｐゴシック" panose="020B0600070205080204" pitchFamily="34" charset="-128"/>
-              </a:defRPr>
-            </a:lvl9pPr>
-          </a:lstStyle>
-          <a:p>
-            <a:pPr algn="ctr"/>
-            <a:r>
-              <a:rPr lang="en-US" altLang="en-US" dirty="0"/>
-              <a:t>Methods</a:t>
-            </a:r>
-          </a:p>
-        </p:txBody>
-      </p:sp>
-    </p:spTree>
-  </p:cSld>
-  <p:clrMapOvr>
-    <a:masterClrMapping/>
-  </p:clrMapOvr>
-</p:sld>
-</file>
-
-<file path=ppt/slides/slide19.xml><?xml version="1.0" encoding="utf-8"?>
-<p:sld xmlns:a="http://schemas.openxmlformats.org/drawingml/2006/main" xmlns:r="http://schemas.openxmlformats.org/officeDocument/2006/relationships" xmlns:p="http://schemas.openxmlformats.org/presentationml/2006/main">
-  <p:cSld>
-    <p:spTree>
-      <p:nvGrpSpPr>
-        <p:cNvPr id="1" name=""/>
-        <p:cNvGrpSpPr/>
-        <p:nvPr/>
-      </p:nvGrpSpPr>
-      <p:grpSpPr>
-        <a:xfrm>
-          <a:off x="0" y="0"/>
-          <a:ext cx="0" cy="0"/>
-          <a:chOff x="0" y="0"/>
-          <a:chExt cx="0" cy="0"/>
-        </a:xfrm>
-      </p:grpSpPr>
-      <p:sp>
-        <p:nvSpPr>
-          <p:cNvPr id="2" name="Title 1">
-            <a:extLst>
-              <a:ext uri="{FF2B5EF4-FFF2-40B4-BE49-F238E27FC236}">
-                <a16:creationId xmlns:a16="http://schemas.microsoft.com/office/drawing/2014/main" id="{0F466C9E-2956-C7E7-D325-742530842779}"/>
-              </a:ext>
-            </a:extLst>
-          </p:cNvPr>
-          <p:cNvSpPr>
-            <a:spLocks noGrp="1"/>
-          </p:cNvSpPr>
-          <p:nvPr>
-            <p:ph type="title"/>
-          </p:nvPr>
-        </p:nvSpPr>
-        <p:spPr/>
-        <p:txBody>
-          <a:bodyPr vert="horz" lIns="91440" tIns="45720" rIns="91440" bIns="45720" rtlCol="0" anchor="ctr">
-            <a:normAutofit/>
-          </a:bodyPr>
-          <a:lstStyle/>
-          <a:p>
-            <a:r>
-              <a:rPr lang="en-US" altLang="en-US" dirty="0">
-                <a:latin typeface="Calibri" panose="020F0502020204030204" pitchFamily="34" charset="0"/>
-              </a:rPr>
-              <a:t>Example</a:t>
-            </a:r>
-          </a:p>
-        </p:txBody>
-      </p:sp>
-      <p:sp>
-        <p:nvSpPr>
-          <p:cNvPr id="3" name="Content Placeholder 2">
-            <a:extLst>
-              <a:ext uri="{FF2B5EF4-FFF2-40B4-BE49-F238E27FC236}">
-                <a16:creationId xmlns:a16="http://schemas.microsoft.com/office/drawing/2014/main" id="{CB94F72F-0747-7765-3C7A-3F06D897703A}"/>
-              </a:ext>
-            </a:extLst>
-          </p:cNvPr>
-          <p:cNvSpPr>
-            <a:spLocks noGrp="1"/>
-          </p:cNvSpPr>
-          <p:nvPr>
-            <p:ph idx="1"/>
-          </p:nvPr>
-        </p:nvSpPr>
-        <p:spPr/>
-        <p:txBody>
-          <a:bodyPr vert="horz" lIns="45720" tIns="45720" rIns="45720" bIns="45720" rtlCol="0">
-            <a:noAutofit/>
-          </a:bodyPr>
-          <a:lstStyle/>
-          <a:p>
-            <a:pPr marL="0" indent="0">
-              <a:lnSpc>
-                <a:spcPct val="50000"/>
-              </a:lnSpc>
-              <a:buNone/>
-            </a:pPr>
-            <a:r>
-              <a:rPr lang="en-US" altLang="en-US" sz="1200" dirty="0">
-                <a:latin typeface="Calibri" panose="020F0502020204030204" pitchFamily="34" charset="0"/>
-              </a:rPr>
-              <a:t>public class Employee {</a:t>
-            </a:r>
-          </a:p>
-          <a:p>
-            <a:pPr marL="0" indent="0">
-              <a:lnSpc>
-                <a:spcPct val="50000"/>
-              </a:lnSpc>
-              <a:buNone/>
-            </a:pPr>
-            <a:r>
-              <a:rPr lang="en-US" altLang="en-US" sz="1200" dirty="0">
-                <a:latin typeface="Calibri" panose="020F0502020204030204" pitchFamily="34" charset="0"/>
-              </a:rPr>
-              <a:t>	private String name;</a:t>
-            </a:r>
-          </a:p>
-          <a:p>
-            <a:pPr marL="0" indent="0">
-              <a:lnSpc>
-                <a:spcPct val="50000"/>
-              </a:lnSpc>
-              <a:buNone/>
-            </a:pPr>
-            <a:r>
-              <a:rPr lang="en-US" altLang="en-US" sz="1200" dirty="0">
-                <a:latin typeface="Calibri" panose="020F0502020204030204" pitchFamily="34" charset="0"/>
-              </a:rPr>
-              <a:t>	public void </a:t>
-            </a:r>
-            <a:r>
-              <a:rPr lang="en-US" altLang="en-US" sz="1200" dirty="0" err="1">
-                <a:latin typeface="Calibri" panose="020F0502020204030204" pitchFamily="34" charset="0"/>
-              </a:rPr>
-              <a:t>setName</a:t>
-            </a:r>
-            <a:r>
-              <a:rPr lang="en-US" altLang="en-US" sz="1200" dirty="0">
-                <a:latin typeface="Calibri" panose="020F0502020204030204" pitchFamily="34" charset="0"/>
-              </a:rPr>
-              <a:t>(String name){ </a:t>
-            </a:r>
-            <a:r>
-              <a:rPr lang="en-US" altLang="en-US" sz="1200" dirty="0" err="1">
-                <a:latin typeface="Calibri" panose="020F0502020204030204" pitchFamily="34" charset="0"/>
-              </a:rPr>
-              <a:t>this.name</a:t>
-            </a:r>
-            <a:r>
-              <a:rPr lang="en-US" altLang="en-US" sz="1200" dirty="0">
-                <a:latin typeface="Calibri" panose="020F0502020204030204" pitchFamily="34" charset="0"/>
-              </a:rPr>
-              <a:t>=name;}</a:t>
-            </a:r>
-          </a:p>
-          <a:p>
-            <a:pPr marL="0" indent="0">
-              <a:lnSpc>
-                <a:spcPct val="50000"/>
-              </a:lnSpc>
-              <a:buNone/>
-            </a:pPr>
-            <a:r>
-              <a:rPr lang="en-US" altLang="en-US" sz="1200" dirty="0">
-                <a:latin typeface="Calibri" panose="020F0502020204030204" pitchFamily="34" charset="0"/>
-              </a:rPr>
-              <a:t>	public String </a:t>
-            </a:r>
-            <a:r>
-              <a:rPr lang="en-US" altLang="en-US" sz="1200" dirty="0" err="1">
-                <a:latin typeface="Calibri" panose="020F0502020204030204" pitchFamily="34" charset="0"/>
-              </a:rPr>
-              <a:t>getName</a:t>
-            </a:r>
-            <a:r>
-              <a:rPr lang="en-US" altLang="en-US" sz="1200" dirty="0">
-                <a:latin typeface="Calibri" panose="020F0502020204030204" pitchFamily="34" charset="0"/>
-              </a:rPr>
-              <a:t>() {return name;}</a:t>
-            </a:r>
-          </a:p>
-          <a:p>
-            <a:pPr marL="0" indent="0">
-              <a:lnSpc>
-                <a:spcPct val="50000"/>
-              </a:lnSpc>
-              <a:buNone/>
-            </a:pPr>
-            <a:r>
-              <a:rPr lang="en-US" altLang="en-US" sz="1200" dirty="0">
-                <a:latin typeface="Calibri" panose="020F0502020204030204" pitchFamily="34" charset="0"/>
-              </a:rPr>
-              <a:t>}</a:t>
-            </a:r>
-          </a:p>
-          <a:p>
-            <a:pPr marL="0" indent="0">
-              <a:lnSpc>
-                <a:spcPct val="50000"/>
-              </a:lnSpc>
-              <a:buNone/>
-            </a:pPr>
-            <a:r>
-              <a:rPr lang="en-US" altLang="en-US" sz="1200" dirty="0">
-                <a:latin typeface="Calibri" panose="020F0502020204030204" pitchFamily="34" charset="0"/>
-              </a:rPr>
-              <a:t>public class </a:t>
-            </a:r>
-            <a:r>
-              <a:rPr lang="en-US" altLang="en-US" sz="1200" dirty="0" err="1">
-                <a:latin typeface="Calibri" panose="020F0502020204030204" pitchFamily="34" charset="0"/>
-              </a:rPr>
-              <a:t>Mainclass</a:t>
-            </a:r>
-            <a:r>
-              <a:rPr lang="en-US" altLang="en-US" sz="1200" dirty="0">
-                <a:latin typeface="Calibri" panose="020F0502020204030204" pitchFamily="34" charset="0"/>
-              </a:rPr>
-              <a:t> {</a:t>
-            </a:r>
-          </a:p>
-          <a:p>
-            <a:pPr marL="0" indent="0">
-              <a:lnSpc>
-                <a:spcPct val="50000"/>
-              </a:lnSpc>
-              <a:buNone/>
-            </a:pPr>
-            <a:r>
-              <a:rPr lang="en-US" altLang="en-US" sz="1200" dirty="0">
-                <a:latin typeface="Calibri" panose="020F0502020204030204" pitchFamily="34" charset="0"/>
-              </a:rPr>
-              <a:t>	main(String </a:t>
-            </a:r>
-            <a:r>
-              <a:rPr lang="en-US" altLang="en-US" sz="1200" dirty="0" err="1">
-                <a:latin typeface="Calibri" panose="020F0502020204030204" pitchFamily="34" charset="0"/>
-              </a:rPr>
-              <a:t>args</a:t>
-            </a:r>
-            <a:r>
-              <a:rPr lang="en-US" altLang="en-US" sz="1200" dirty="0">
-                <a:latin typeface="Calibri" panose="020F0502020204030204" pitchFamily="34" charset="0"/>
-              </a:rPr>
-              <a:t>[])</a:t>
-            </a:r>
-          </a:p>
-          <a:p>
-            <a:pPr marL="0" indent="0">
-              <a:lnSpc>
-                <a:spcPct val="50000"/>
-              </a:lnSpc>
-              <a:buNone/>
-            </a:pPr>
-            <a:r>
-              <a:rPr lang="en-US" altLang="en-US" sz="1200" dirty="0">
-                <a:latin typeface="Calibri" panose="020F0502020204030204" pitchFamily="34" charset="0"/>
-              </a:rPr>
-              <a:t>	{</a:t>
-            </a:r>
-          </a:p>
-          <a:p>
-            <a:pPr marL="0" indent="0">
-              <a:lnSpc>
-                <a:spcPct val="50000"/>
-              </a:lnSpc>
-              <a:buNone/>
-            </a:pPr>
-            <a:r>
-              <a:rPr lang="en-US" altLang="en-US" sz="1200" dirty="0">
-                <a:latin typeface="Calibri" panose="020F0502020204030204" pitchFamily="34" charset="0"/>
-              </a:rPr>
-              <a:t>		Employee e= new Employee ();</a:t>
-            </a:r>
-          </a:p>
-          <a:p>
-            <a:pPr marL="0" indent="0">
-              <a:lnSpc>
-                <a:spcPct val="50000"/>
-              </a:lnSpc>
-              <a:buNone/>
-            </a:pPr>
-            <a:r>
-              <a:rPr lang="en-US" altLang="en-US" sz="1200" dirty="0">
-                <a:latin typeface="Calibri" panose="020F0502020204030204" pitchFamily="34" charset="0"/>
-              </a:rPr>
-              <a:t>		</a:t>
-            </a:r>
-            <a:r>
-              <a:rPr lang="en-US" altLang="en-US" sz="1200" dirty="0" err="1">
-                <a:latin typeface="Calibri" panose="020F0502020204030204" pitchFamily="34" charset="0"/>
-              </a:rPr>
-              <a:t>e.name</a:t>
-            </a:r>
-            <a:r>
-              <a:rPr lang="en-US" altLang="en-US" sz="1200" dirty="0">
-                <a:latin typeface="Calibri" panose="020F0502020204030204" pitchFamily="34" charset="0"/>
-              </a:rPr>
-              <a:t>;//error</a:t>
-            </a:r>
-          </a:p>
-          <a:p>
-            <a:pPr marL="0" indent="0">
-              <a:lnSpc>
-                <a:spcPct val="50000"/>
-              </a:lnSpc>
-              <a:buNone/>
-            </a:pPr>
-            <a:r>
-              <a:rPr lang="en-US" altLang="en-US" sz="1200" dirty="0">
-                <a:latin typeface="Calibri" panose="020F0502020204030204" pitchFamily="34" charset="0"/>
-              </a:rPr>
-              <a:t>		</a:t>
-            </a:r>
-            <a:r>
-              <a:rPr lang="en-US" altLang="en-US" sz="1200" dirty="0" err="1">
-                <a:latin typeface="Calibri" panose="020F0502020204030204" pitchFamily="34" charset="0"/>
-              </a:rPr>
-              <a:t>e.setName</a:t>
-            </a:r>
-            <a:r>
-              <a:rPr lang="en-US" altLang="en-US" sz="1200" dirty="0">
-                <a:latin typeface="Calibri" panose="020F0502020204030204" pitchFamily="34" charset="0"/>
-              </a:rPr>
-              <a:t>(“Mark”);</a:t>
-            </a:r>
-          </a:p>
-          <a:p>
-            <a:pPr marL="0" indent="0">
-              <a:lnSpc>
-                <a:spcPct val="50000"/>
-              </a:lnSpc>
-              <a:buNone/>
-            </a:pPr>
-            <a:r>
-              <a:rPr lang="en-US" altLang="en-US" sz="1200" dirty="0">
-                <a:latin typeface="Calibri" panose="020F0502020204030204" pitchFamily="34" charset="0"/>
-              </a:rPr>
-              <a:t>		</a:t>
-            </a:r>
-            <a:r>
-              <a:rPr lang="en-US" altLang="en-US" sz="1200" dirty="0" err="1">
-                <a:latin typeface="Calibri" panose="020F0502020204030204" pitchFamily="34" charset="0"/>
-              </a:rPr>
-              <a:t>e.getName</a:t>
-            </a:r>
-            <a:r>
-              <a:rPr lang="en-US" altLang="en-US" sz="1200" dirty="0">
-                <a:latin typeface="Calibri" panose="020F0502020204030204" pitchFamily="34" charset="0"/>
-              </a:rPr>
-              <a:t>();</a:t>
-            </a:r>
-          </a:p>
-          <a:p>
-            <a:pPr marL="0" indent="0">
-              <a:lnSpc>
-                <a:spcPct val="50000"/>
-              </a:lnSpc>
-              <a:buNone/>
-            </a:pPr>
-            <a:r>
-              <a:rPr lang="en-US" altLang="en-US" sz="1200" dirty="0">
-                <a:latin typeface="Calibri" panose="020F0502020204030204" pitchFamily="34" charset="0"/>
-              </a:rPr>
-              <a:t>	}</a:t>
-            </a:r>
-          </a:p>
-          <a:p>
-            <a:pPr marL="0" indent="0">
-              <a:lnSpc>
-                <a:spcPct val="50000"/>
-              </a:lnSpc>
-              <a:buNone/>
-            </a:pPr>
-            <a:r>
-              <a:rPr lang="en-US" altLang="en-US" sz="1200" dirty="0">
-                <a:latin typeface="Calibri" panose="020F0502020204030204" pitchFamily="34" charset="0"/>
-              </a:rPr>
-              <a:t>}</a:t>
-            </a:r>
-          </a:p>
-        </p:txBody>
-      </p:sp>
-    </p:spTree>
-  </p:cSld>
-  <p:clrMapOvr>
-    <a:masterClrMapping/>
-  </p:clrMapOvr>
-</p:sld>
-</file>
-
-<file path=ppt/slides/slide2.xml><?xml version="1.0" encoding="utf-8"?>
-<p:sld xmlns:a="http://schemas.openxmlformats.org/drawingml/2006/main" xmlns:r="http://schemas.openxmlformats.org/officeDocument/2006/relationships" xmlns:p="http://schemas.openxmlformats.org/presentationml/2006/main" showMasterPhAnim="0">
-  <p:cSld>
-    <p:spTree>
-      <p:nvGrpSpPr>
-        <p:cNvPr id="1" name=""/>
-        <p:cNvGrpSpPr/>
-        <p:nvPr/>
-      </p:nvGrpSpPr>
-      <p:grpSpPr>
-        <a:xfrm>
-          <a:off x="0" y="0"/>
-          <a:ext cx="0" cy="0"/>
-          <a:chOff x="0" y="0"/>
-          <a:chExt cx="0" cy="0"/>
-        </a:xfrm>
-      </p:grpSpPr>
-      <p:sp>
-        <p:nvSpPr>
-          <p:cNvPr id="17410" name="Rectangle 2">
-            <a:extLst>
-              <a:ext uri="{FF2B5EF4-FFF2-40B4-BE49-F238E27FC236}">
-                <a16:creationId xmlns:a16="http://schemas.microsoft.com/office/drawing/2014/main" id="{722036BC-DEB7-C7C0-4FBC-026E684A4721}"/>
-              </a:ext>
-            </a:extLst>
-          </p:cNvPr>
-          <p:cNvSpPr>
-            <a:spLocks noGrp="1" noRot="1" noChangeArrowheads="1"/>
-          </p:cNvSpPr>
-          <p:nvPr>
-            <p:ph type="title"/>
-          </p:nvPr>
-        </p:nvSpPr>
-        <p:spPr>
-          <a:xfrm>
-            <a:off x="768096" y="585216"/>
-            <a:ext cx="9061704" cy="1499616"/>
-          </a:xfrm>
-        </p:spPr>
-        <p:txBody>
-          <a:bodyPr vert="horz" lIns="91440" tIns="45720" rIns="91440" bIns="45720" rtlCol="0" anchor="ctr">
-            <a:normAutofit/>
-          </a:bodyPr>
-          <a:lstStyle/>
-          <a:p>
-            <a:r>
-              <a:rPr lang="en-US" altLang="en-US" sz="3600" dirty="0">
-                <a:latin typeface="Calibri" panose="020F0502020204030204" pitchFamily="34" charset="0"/>
-              </a:rPr>
-              <a:t>Why Object-Oriented Programming?</a:t>
-            </a:r>
-          </a:p>
-        </p:txBody>
-      </p:sp>
-      <p:sp>
-        <p:nvSpPr>
-          <p:cNvPr id="17411" name="Rectangle 3">
-            <a:extLst>
-              <a:ext uri="{FF2B5EF4-FFF2-40B4-BE49-F238E27FC236}">
-                <a16:creationId xmlns:a16="http://schemas.microsoft.com/office/drawing/2014/main" id="{2CC01C76-0D67-9171-93D1-1B5CF5B3B031}"/>
-              </a:ext>
-            </a:extLst>
-          </p:cNvPr>
-          <p:cNvSpPr>
-            <a:spLocks noGrp="1" noChangeArrowheads="1"/>
-          </p:cNvSpPr>
-          <p:nvPr>
-            <p:ph idx="1"/>
-          </p:nvPr>
-        </p:nvSpPr>
-        <p:spPr/>
-        <p:txBody>
-          <a:bodyPr vert="horz" lIns="45720" tIns="45720" rIns="45720" bIns="45720" rtlCol="0">
-            <a:normAutofit/>
-          </a:bodyPr>
-          <a:lstStyle/>
-          <a:p>
-            <a:pPr>
-              <a:buFont typeface="Courier New" panose="02070309020205020404" pitchFamily="49" charset="0"/>
-              <a:buChar char="o"/>
-            </a:pPr>
-            <a:r>
-              <a:rPr lang="en-US" dirty="0">
-                <a:latin typeface="Calibri" panose="020F0502020204030204" pitchFamily="34" charset="0"/>
-              </a:rPr>
-              <a:t>The collection of individual units or objects interacts with each other</a:t>
-            </a:r>
-          </a:p>
-          <a:p>
-            <a:pPr>
-              <a:buFont typeface="Courier New" panose="02070309020205020404" pitchFamily="49" charset="0"/>
-              <a:buChar char="o"/>
-            </a:pPr>
-            <a:r>
-              <a:rPr lang="en-US" dirty="0">
-                <a:latin typeface="Calibri" panose="020F0502020204030204" pitchFamily="34" charset="0"/>
-              </a:rPr>
-              <a:t>Each object has its data and sends and receives messages</a:t>
-            </a:r>
-          </a:p>
-          <a:p>
-            <a:pPr>
-              <a:buFont typeface="Courier New" panose="02070309020205020404" pitchFamily="49" charset="0"/>
-              <a:buChar char="o"/>
-            </a:pPr>
-            <a:r>
-              <a:rPr lang="en-US" dirty="0">
-                <a:latin typeface="Calibri" panose="020F0502020204030204" pitchFamily="34" charset="0"/>
-              </a:rPr>
-              <a:t>Easy to understand the code and debug the code</a:t>
-            </a:r>
-          </a:p>
-          <a:p>
-            <a:pPr>
-              <a:buFont typeface="Courier New" panose="02070309020205020404" pitchFamily="49" charset="0"/>
-              <a:buChar char="o"/>
-            </a:pPr>
-            <a:r>
-              <a:rPr lang="en-US" dirty="0">
-                <a:latin typeface="Calibri" panose="020F0502020204030204" pitchFamily="34" charset="0"/>
-              </a:rPr>
-              <a:t>Less maintenance costs</a:t>
-            </a:r>
-          </a:p>
-          <a:p>
-            <a:pPr>
-              <a:buFont typeface="Courier New" panose="02070309020205020404" pitchFamily="49" charset="0"/>
-              <a:buChar char="o"/>
-            </a:pPr>
-            <a:r>
-              <a:rPr lang="en-US" dirty="0">
-                <a:latin typeface="Calibri" panose="020F0502020204030204" pitchFamily="34" charset="0"/>
-              </a:rPr>
-              <a:t>Reusability and extendibility</a:t>
-            </a:r>
-          </a:p>
-          <a:p>
-            <a:pPr>
-              <a:buFont typeface="Courier New" panose="02070309020205020404" pitchFamily="49" charset="0"/>
-              <a:buChar char="o"/>
-            </a:pPr>
-            <a:r>
-              <a:rPr lang="en-US" dirty="0">
-                <a:latin typeface="Calibri" panose="020F0502020204030204" pitchFamily="34" charset="0"/>
-              </a:rPr>
-              <a:t>Modularity</a:t>
-            </a:r>
-          </a:p>
-          <a:p>
-            <a:pPr>
-              <a:buFont typeface="Courier New" panose="02070309020205020404" pitchFamily="49" charset="0"/>
-              <a:buChar char="o"/>
-            </a:pPr>
-            <a:r>
-              <a:rPr lang="en-US" dirty="0" err="1">
-                <a:latin typeface="Calibri" panose="020F0502020204030204" pitchFamily="34" charset="0"/>
-              </a:rPr>
-              <a:t>Eg</a:t>
-            </a:r>
-            <a:r>
-              <a:rPr lang="en-US" dirty="0">
-                <a:latin typeface="Calibri" panose="020F0502020204030204" pitchFamily="34" charset="0"/>
-              </a:rPr>
-              <a:t>: C++, Java</a:t>
-            </a:r>
-          </a:p>
-          <a:p>
-            <a:pPr>
-              <a:buFont typeface="Courier New" panose="02070309020205020404" pitchFamily="49" charset="0"/>
-              <a:buChar char="o"/>
-            </a:pPr>
-            <a:endParaRPr lang="en-US" dirty="0">
-              <a:latin typeface="Calibri" panose="020F0502020204030204" pitchFamily="34" charset="0"/>
-            </a:endParaRPr>
-          </a:p>
-        </p:txBody>
-      </p:sp>
-    </p:spTree>
-  </p:cSld>
-  <p:clrMapOvr>
-    <a:masterClrMapping/>
-  </p:clrMapOvr>
-</p:sld>
-</file>
-
-<file path=ppt/slides/slide20.xml><?xml version="1.0" encoding="utf-8"?>
-<p:sld xmlns:a="http://schemas.openxmlformats.org/drawingml/2006/main" xmlns:r="http://schemas.openxmlformats.org/officeDocument/2006/relationships" xmlns:p="http://schemas.openxmlformats.org/presentationml/2006/main" showMasterPhAnim="0">
-  <p:cSld>
-    <p:spTree>
-      <p:nvGrpSpPr>
-        <p:cNvPr id="1" name=""/>
-        <p:cNvGrpSpPr/>
-        <p:nvPr/>
-      </p:nvGrpSpPr>
-      <p:grpSpPr>
-        <a:xfrm>
-          <a:off x="0" y="0"/>
-          <a:ext cx="0" cy="0"/>
-          <a:chOff x="0" y="0"/>
-          <a:chExt cx="0" cy="0"/>
-        </a:xfrm>
-      </p:grpSpPr>
-      <p:sp>
-        <p:nvSpPr>
-          <p:cNvPr id="26626" name="Rectangle 2">
-            <a:extLst>
-              <a:ext uri="{FF2B5EF4-FFF2-40B4-BE49-F238E27FC236}">
-                <a16:creationId xmlns:a16="http://schemas.microsoft.com/office/drawing/2014/main" id="{659EA98B-734A-E368-C8E2-A7E265C1FA11}"/>
-              </a:ext>
-            </a:extLst>
-          </p:cNvPr>
-          <p:cNvSpPr>
-            <a:spLocks noGrp="1" noRot="1" noChangeArrowheads="1"/>
-          </p:cNvSpPr>
-          <p:nvPr>
-            <p:ph type="title"/>
-          </p:nvPr>
-        </p:nvSpPr>
-        <p:spPr/>
-        <p:txBody>
-          <a:bodyPr vert="horz" lIns="91440" tIns="45720" rIns="91440" bIns="45720" rtlCol="0" anchor="ctr">
-            <a:normAutofit/>
-          </a:bodyPr>
-          <a:lstStyle/>
-          <a:p>
-            <a:r>
-              <a:rPr lang="en-US" altLang="en-US" dirty="0">
-                <a:latin typeface="Calibri" panose="020F0502020204030204" pitchFamily="34" charset="0"/>
-              </a:rPr>
-              <a:t>Inheritance</a:t>
-            </a:r>
-          </a:p>
-        </p:txBody>
-      </p:sp>
-      <p:sp>
-        <p:nvSpPr>
-          <p:cNvPr id="26627" name="Rectangle 3">
-            <a:extLst>
-              <a:ext uri="{FF2B5EF4-FFF2-40B4-BE49-F238E27FC236}">
-                <a16:creationId xmlns:a16="http://schemas.microsoft.com/office/drawing/2014/main" id="{C6D60D50-B9BB-5BD4-0831-19CD0A686839}"/>
-              </a:ext>
-            </a:extLst>
-          </p:cNvPr>
-          <p:cNvSpPr>
-            <a:spLocks noGrp="1" noChangeArrowheads="1"/>
-          </p:cNvSpPr>
-          <p:nvPr>
-            <p:ph idx="1"/>
-          </p:nvPr>
-        </p:nvSpPr>
-        <p:spPr/>
-        <p:txBody>
-          <a:bodyPr vert="horz" lIns="45720" tIns="45720" rIns="45720" bIns="45720" rtlCol="0">
-            <a:normAutofit/>
-          </a:bodyPr>
-          <a:lstStyle/>
-          <a:p>
-            <a:pPr>
-              <a:buFont typeface="Courier New" panose="02070309020205020404" pitchFamily="49" charset="0"/>
-              <a:buChar char="o"/>
-            </a:pPr>
-            <a:r>
-              <a:rPr lang="en-US" altLang="en-US" dirty="0">
-                <a:latin typeface="Calibri" panose="020F0502020204030204" pitchFamily="34" charset="0"/>
-              </a:rPr>
-              <a:t>Inheritance in java is a mechanism in which one object acquires all the properties and behaviors of parent object</a:t>
-            </a:r>
-          </a:p>
-          <a:p>
-            <a:pPr>
-              <a:buFont typeface="Courier New" panose="02070309020205020404" pitchFamily="49" charset="0"/>
-              <a:buChar char="o"/>
-            </a:pPr>
-            <a:r>
-              <a:rPr lang="en-US" altLang="en-US" dirty="0">
-                <a:latin typeface="Calibri" panose="020F0502020204030204" pitchFamily="34" charset="0"/>
-              </a:rPr>
-              <a:t>Way to create a new class from the existing class</a:t>
-            </a:r>
-          </a:p>
-          <a:p>
-            <a:pPr>
-              <a:buFont typeface="Courier New" panose="02070309020205020404" pitchFamily="49" charset="0"/>
-              <a:buChar char="o"/>
-            </a:pPr>
-            <a:r>
-              <a:rPr lang="en-US" altLang="en-US" dirty="0">
-                <a:latin typeface="Calibri" panose="020F0502020204030204" pitchFamily="34" charset="0"/>
-              </a:rPr>
-              <a:t>General class or Parent Class or Super Class or Base Class</a:t>
-            </a:r>
-          </a:p>
-          <a:p>
-            <a:pPr>
-              <a:buFont typeface="Courier New" panose="02070309020205020404" pitchFamily="49" charset="0"/>
-              <a:buChar char="o"/>
-            </a:pPr>
-            <a:r>
-              <a:rPr lang="en-US" altLang="en-US" dirty="0">
-                <a:latin typeface="Calibri" panose="020F0502020204030204" pitchFamily="34" charset="0"/>
-              </a:rPr>
-              <a:t>Specialized Class or Child Class or Sub Class</a:t>
-            </a:r>
-          </a:p>
-          <a:p>
-            <a:pPr>
-              <a:buFont typeface="Courier New" panose="02070309020205020404" pitchFamily="49" charset="0"/>
-              <a:buChar char="o"/>
-            </a:pPr>
-            <a:r>
-              <a:rPr lang="en-US" altLang="en-US" dirty="0">
-                <a:latin typeface="Calibri" panose="020F0502020204030204" pitchFamily="34" charset="0"/>
-              </a:rPr>
-              <a:t>Promotes reusing the code</a:t>
-            </a:r>
-          </a:p>
-          <a:p>
-            <a:pPr>
-              <a:buFont typeface="Courier New" panose="02070309020205020404" pitchFamily="49" charset="0"/>
-              <a:buChar char="o"/>
-            </a:pPr>
-            <a:r>
-              <a:rPr lang="en-US" altLang="en-US" dirty="0">
-                <a:latin typeface="Calibri" panose="020F0502020204030204" pitchFamily="34" charset="0"/>
-              </a:rPr>
-              <a:t>Multiple inheritance</a:t>
-            </a:r>
-          </a:p>
-          <a:p>
-            <a:pPr>
-              <a:buFont typeface="Courier New" panose="02070309020205020404" pitchFamily="49" charset="0"/>
-              <a:buChar char="o"/>
-            </a:pPr>
-            <a:r>
-              <a:rPr lang="en-US" altLang="en-US" dirty="0">
-                <a:latin typeface="Calibri" panose="020F0502020204030204" pitchFamily="34" charset="0"/>
-              </a:rPr>
-              <a:t>the information is made manageable in a hierarchical order(parent-child relationship)</a:t>
-            </a:r>
-          </a:p>
-        </p:txBody>
-      </p:sp>
-    </p:spTree>
-  </p:cSld>
-  <p:clrMapOvr>
-    <a:masterClrMapping/>
-  </p:clrMapOvr>
-</p:sld>
-</file>
-
-<file path=ppt/slides/slide21.xml><?xml version="1.0" encoding="utf-8"?>
-<p:sld xmlns:a="http://schemas.openxmlformats.org/drawingml/2006/main" xmlns:r="http://schemas.openxmlformats.org/officeDocument/2006/relationships" xmlns:p="http://schemas.openxmlformats.org/presentationml/2006/main">
-  <p:cSld>
-    <p:spTree>
-      <p:nvGrpSpPr>
-        <p:cNvPr id="1" name=""/>
-        <p:cNvGrpSpPr/>
-        <p:nvPr/>
-      </p:nvGrpSpPr>
-      <p:grpSpPr>
-        <a:xfrm>
-          <a:off x="0" y="0"/>
-          <a:ext cx="0" cy="0"/>
-          <a:chOff x="0" y="0"/>
-          <a:chExt cx="0" cy="0"/>
-        </a:xfrm>
-      </p:grpSpPr>
-      <p:sp>
-        <p:nvSpPr>
-          <p:cNvPr id="2" name="Title 1">
-            <a:extLst>
-              <a:ext uri="{FF2B5EF4-FFF2-40B4-BE49-F238E27FC236}">
-                <a16:creationId xmlns:a16="http://schemas.microsoft.com/office/drawing/2014/main" id="{233695B2-5B0A-8A6D-D791-6A4D0FDD169F}"/>
-              </a:ext>
-            </a:extLst>
-          </p:cNvPr>
-          <p:cNvSpPr>
-            <a:spLocks noGrp="1"/>
-          </p:cNvSpPr>
-          <p:nvPr>
-            <p:ph type="title"/>
-          </p:nvPr>
-        </p:nvSpPr>
-        <p:spPr/>
-        <p:txBody>
-          <a:bodyPr vert="horz" lIns="91440" tIns="45720" rIns="91440" bIns="45720" rtlCol="0" anchor="ctr">
-            <a:normAutofit/>
-          </a:bodyPr>
-          <a:lstStyle/>
-          <a:p>
-            <a:r>
-              <a:rPr lang="en-US" altLang="en-US" dirty="0">
-                <a:latin typeface="Calibri" panose="020F0502020204030204" pitchFamily="34" charset="0"/>
-              </a:rPr>
-              <a:t>Syntax</a:t>
-            </a:r>
-          </a:p>
-        </p:txBody>
-      </p:sp>
-      <p:sp>
-        <p:nvSpPr>
-          <p:cNvPr id="3" name="Content Placeholder 2">
-            <a:extLst>
-              <a:ext uri="{FF2B5EF4-FFF2-40B4-BE49-F238E27FC236}">
-                <a16:creationId xmlns:a16="http://schemas.microsoft.com/office/drawing/2014/main" id="{BA9D6539-6B8A-6992-6698-788955B4B677}"/>
-              </a:ext>
-            </a:extLst>
-          </p:cNvPr>
-          <p:cNvSpPr>
-            <a:spLocks noGrp="1"/>
-          </p:cNvSpPr>
-          <p:nvPr>
-            <p:ph idx="1"/>
-          </p:nvPr>
-        </p:nvSpPr>
-        <p:spPr/>
-        <p:txBody>
-          <a:bodyPr vert="horz" lIns="45720" tIns="45720" rIns="45720" bIns="45720" rtlCol="0">
-            <a:normAutofit/>
-          </a:bodyPr>
-          <a:lstStyle/>
-          <a:p>
-            <a:pPr marL="0" indent="0">
-              <a:buNone/>
-            </a:pPr>
-            <a:r>
-              <a:rPr lang="en-US" altLang="en-US" dirty="0">
-                <a:latin typeface="Calibri" panose="020F0502020204030204" pitchFamily="34" charset="0"/>
-              </a:rPr>
-              <a:t>class Subclass-name extends Superclass-name  </a:t>
-            </a:r>
-          </a:p>
-          <a:p>
-            <a:pPr marL="0" indent="0">
-              <a:buNone/>
-            </a:pPr>
-            <a:r>
-              <a:rPr lang="en-US" altLang="en-US" dirty="0">
-                <a:latin typeface="Calibri" panose="020F0502020204030204" pitchFamily="34" charset="0"/>
-              </a:rPr>
-              <a:t>{  </a:t>
-            </a:r>
-          </a:p>
-          <a:p>
-            <a:pPr marL="0" indent="0">
-              <a:buNone/>
-            </a:pPr>
-            <a:r>
-              <a:rPr lang="en-US" altLang="en-US" dirty="0">
-                <a:latin typeface="Calibri" panose="020F0502020204030204" pitchFamily="34" charset="0"/>
-              </a:rPr>
-              <a:t>   //methods and fields  </a:t>
-            </a:r>
-          </a:p>
-          <a:p>
-            <a:pPr marL="0" indent="0">
-              <a:buNone/>
-            </a:pPr>
-            <a:r>
-              <a:rPr lang="en-US" altLang="en-US" dirty="0">
-                <a:latin typeface="Calibri" panose="020F0502020204030204" pitchFamily="34" charset="0"/>
-              </a:rPr>
-              <a:t>} </a:t>
-            </a:r>
-          </a:p>
-        </p:txBody>
-      </p:sp>
-    </p:spTree>
-  </p:cSld>
-  <p:clrMapOvr>
-    <a:masterClrMapping/>
-  </p:clrMapOvr>
-</p:sld>
-</file>
-
 <file path=ppt/slides/slide22.xml><?xml version="1.0" encoding="utf-8"?>
 <p:sld xmlns:a="http://schemas.openxmlformats.org/drawingml/2006/main" xmlns:r="http://schemas.openxmlformats.org/officeDocument/2006/relationships" xmlns:p="http://schemas.openxmlformats.org/presentationml/2006/main">
   <p:cSld>
@@ -9292,7 +9101,7 @@
           <p:cNvPr id="2" name="Title 1">
             <a:extLst>
               <a:ext uri="{FF2B5EF4-FFF2-40B4-BE49-F238E27FC236}">
-                <a16:creationId xmlns:a16="http://schemas.microsoft.com/office/drawing/2014/main" id="{3587E230-E6F3-AA2B-E21C-0FF5427374DB}"/>
+                <a16:creationId xmlns:a16="http://schemas.microsoft.com/office/drawing/2014/main" id="{99319D46-3AC2-68A1-59E8-66ED961A1C9C}"/>
               </a:ext>
             </a:extLst>
           </p:cNvPr>
@@ -9314,7 +9123,7 @@
               <a:rPr lang="en-US" altLang="en-US" dirty="0">
                 <a:latin typeface="Calibri" panose="020F0502020204030204" pitchFamily="34" charset="0"/>
               </a:rPr>
-              <a:t>Inheritance Types</a:t>
+              <a:t>Example</a:t>
             </a:r>
           </a:p>
         </p:txBody>
@@ -9324,7 +9133,7 @@
           <p:cNvPr id="3" name="Content Placeholder 2">
             <a:extLst>
               <a:ext uri="{FF2B5EF4-FFF2-40B4-BE49-F238E27FC236}">
-                <a16:creationId xmlns:a16="http://schemas.microsoft.com/office/drawing/2014/main" id="{710B72FE-4C12-E589-386E-7863191F46FE}"/>
+                <a16:creationId xmlns:a16="http://schemas.microsoft.com/office/drawing/2014/main" id="{09DDFC9E-0520-1A10-0C05-BFFDCCA27C83}"/>
               </a:ext>
             </a:extLst>
           </p:cNvPr>
@@ -9335,71 +9144,263 @@
             <p:ph idx="1"/>
           </p:nvPr>
         </p:nvSpPr>
-        <p:spPr/>
+        <p:spPr>
+          <a:xfrm>
+            <a:off x="768095" y="2067019"/>
+            <a:ext cx="7290055" cy="4023360"/>
+          </a:xfrm>
+        </p:spPr>
         <p:txBody>
           <a:bodyPr vert="horz" lIns="45720" tIns="45720" rIns="45720" bIns="45720" rtlCol="0">
-            <a:normAutofit/>
+            <a:noAutofit/>
           </a:bodyPr>
           <a:lstStyle/>
           <a:p>
+            <a:pPr marL="0" indent="0">
+              <a:lnSpc>
+                <a:spcPct val="50000"/>
+              </a:lnSpc>
+              <a:buNone/>
+            </a:pPr>
+            <a:r>
+              <a:rPr lang="en-US" altLang="en-US" sz="1200" dirty="0">
+                <a:latin typeface="Calibri" panose="020F0502020204030204" pitchFamily="34" charset="0"/>
+              </a:rPr>
+              <a:t>public abstract class Enemy {</a:t>
+            </a:r>
+          </a:p>
+          <a:p>
+            <a:pPr marL="0" indent="0">
+              <a:lnSpc>
+                <a:spcPct val="50000"/>
+              </a:lnSpc>
+              <a:buNone/>
+            </a:pPr>
+            <a:r>
+              <a:rPr lang="en-US" altLang="en-US" sz="1200" dirty="0">
+                <a:latin typeface="Calibri" panose="020F0502020204030204" pitchFamily="34" charset="0"/>
+              </a:rPr>
+              <a:t>	public abstract void kill();</a:t>
+            </a:r>
+          </a:p>
+          <a:p>
+            <a:pPr marL="0" indent="0">
+              <a:lnSpc>
+                <a:spcPct val="50000"/>
+              </a:lnSpc>
+              <a:buNone/>
+            </a:pPr>
+            <a:r>
+              <a:rPr lang="en-US" altLang="en-US" sz="1200" dirty="0">
+                <a:latin typeface="Calibri" panose="020F0502020204030204" pitchFamily="34" charset="0"/>
+              </a:rPr>
+              <a:t>}</a:t>
+            </a:r>
+          </a:p>
+          <a:p>
+            <a:pPr marL="0" indent="0">
+              <a:lnSpc>
+                <a:spcPct val="50000"/>
+              </a:lnSpc>
+              <a:buNone/>
+            </a:pPr>
+            <a:r>
+              <a:rPr lang="en-US" altLang="en-US" sz="1200" dirty="0">
+                <a:latin typeface="Calibri" panose="020F0502020204030204" pitchFamily="34" charset="0"/>
+              </a:rPr>
+              <a:t>public class Animal extends Enemy {</a:t>
+            </a:r>
+          </a:p>
+          <a:p>
+            <a:pPr marL="0" indent="0">
+              <a:lnSpc>
+                <a:spcPct val="50000"/>
+              </a:lnSpc>
+              <a:buNone/>
+            </a:pPr>
+            <a:r>
+              <a:rPr lang="en-US" altLang="en-US" sz="1200" dirty="0">
+                <a:latin typeface="Calibri" panose="020F0502020204030204" pitchFamily="34" charset="0"/>
+              </a:rPr>
+              <a:t>	public abstract void kill() {</a:t>
+            </a:r>
+          </a:p>
+          <a:p>
+            <a:pPr marL="0" indent="0">
+              <a:lnSpc>
+                <a:spcPct val="50000"/>
+              </a:lnSpc>
+              <a:buNone/>
+            </a:pPr>
+            <a:r>
+              <a:rPr lang="en-US" altLang="en-US" sz="1200" dirty="0">
+                <a:latin typeface="Calibri" panose="020F0502020204030204" pitchFamily="34" charset="0"/>
+              </a:rPr>
+              <a:t>		….</a:t>
+            </a:r>
+          </a:p>
+          <a:p>
+            <a:pPr marL="0" indent="0">
+              <a:lnSpc>
+                <a:spcPct val="50000"/>
+              </a:lnSpc>
+              <a:buNone/>
+            </a:pPr>
+            <a:r>
+              <a:rPr lang="en-US" altLang="en-US" sz="1200" dirty="0">
+                <a:latin typeface="Calibri" panose="020F0502020204030204" pitchFamily="34" charset="0"/>
+              </a:rPr>
+              <a:t>	}</a:t>
+            </a:r>
+          </a:p>
+          <a:p>
+            <a:pPr marL="0" indent="0">
+              <a:lnSpc>
+                <a:spcPct val="50000"/>
+              </a:lnSpc>
+              <a:buNone/>
+            </a:pPr>
+            <a:r>
+              <a:rPr lang="en-US" altLang="en-US" sz="1200" dirty="0">
+                <a:latin typeface="Calibri" panose="020F0502020204030204" pitchFamily="34" charset="0"/>
+              </a:rPr>
+              <a:t>}</a:t>
+            </a:r>
+          </a:p>
+          <a:p>
+            <a:pPr marL="0" indent="0">
+              <a:lnSpc>
+                <a:spcPct val="50000"/>
+              </a:lnSpc>
+              <a:buNone/>
+            </a:pPr>
+            <a:r>
+              <a:rPr lang="en-US" altLang="en-US" sz="1200" dirty="0">
+                <a:latin typeface="Calibri" panose="020F0502020204030204" pitchFamily="34" charset="0"/>
+              </a:rPr>
+              <a:t>public class </a:t>
+            </a:r>
+            <a:r>
+              <a:rPr lang="en-US" altLang="en-US" sz="1200" dirty="0" err="1">
+                <a:latin typeface="Calibri" panose="020F0502020204030204" pitchFamily="34" charset="0"/>
+              </a:rPr>
+              <a:t>Mainclass</a:t>
+            </a:r>
+            <a:r>
+              <a:rPr lang="en-US" altLang="en-US" sz="1200" dirty="0">
+                <a:latin typeface="Calibri" panose="020F0502020204030204" pitchFamily="34" charset="0"/>
+              </a:rPr>
+              <a:t> {</a:t>
+            </a:r>
+          </a:p>
+          <a:p>
+            <a:pPr marL="0" indent="0">
+              <a:lnSpc>
+                <a:spcPct val="50000"/>
+              </a:lnSpc>
+              <a:buNone/>
+            </a:pPr>
+            <a:r>
+              <a:rPr lang="en-US" altLang="en-US" sz="1200" dirty="0">
+                <a:latin typeface="Calibri" panose="020F0502020204030204" pitchFamily="34" charset="0"/>
+              </a:rPr>
+              <a:t>	main(String </a:t>
+            </a:r>
+            <a:r>
+              <a:rPr lang="en-US" altLang="en-US" sz="1200" dirty="0" err="1">
+                <a:latin typeface="Calibri" panose="020F0502020204030204" pitchFamily="34" charset="0"/>
+              </a:rPr>
+              <a:t>args</a:t>
+            </a:r>
+            <a:r>
+              <a:rPr lang="en-US" altLang="en-US" sz="1200" dirty="0">
+                <a:latin typeface="Calibri" panose="020F0502020204030204" pitchFamily="34" charset="0"/>
+              </a:rPr>
+              <a:t>[]) {</a:t>
+            </a:r>
+          </a:p>
+          <a:p>
+            <a:pPr marL="0" indent="0">
+              <a:lnSpc>
+                <a:spcPct val="50000"/>
+              </a:lnSpc>
+              <a:buNone/>
+            </a:pPr>
+            <a:r>
+              <a:rPr lang="en-US" altLang="en-US" sz="1200" dirty="0">
+                <a:latin typeface="Calibri" panose="020F0502020204030204" pitchFamily="34" charset="0"/>
+              </a:rPr>
+              <a:t>		Animal animal = new Animal();</a:t>
+            </a:r>
+          </a:p>
+          <a:p>
+            <a:pPr marL="0" indent="0">
+              <a:lnSpc>
+                <a:spcPct val="50000"/>
+              </a:lnSpc>
+              <a:buNone/>
+            </a:pPr>
+            <a:r>
+              <a:rPr lang="en-US" altLang="en-US" sz="1200" dirty="0">
+                <a:latin typeface="Calibri" panose="020F0502020204030204" pitchFamily="34" charset="0"/>
+              </a:rPr>
+              <a:t>		Enemy enemy = new Animal();</a:t>
+            </a:r>
+          </a:p>
+          <a:p>
+            <a:pPr marL="0" indent="0">
+              <a:lnSpc>
+                <a:spcPct val="50000"/>
+              </a:lnSpc>
+              <a:buNone/>
+            </a:pPr>
+            <a:r>
+              <a:rPr lang="en-US" altLang="en-US" sz="1200" dirty="0">
+                <a:latin typeface="Calibri" panose="020F0502020204030204" pitchFamily="34" charset="0"/>
+              </a:rPr>
+              <a:t>	}</a:t>
+            </a:r>
+          </a:p>
+          <a:p>
+            <a:pPr marL="0" indent="0">
+              <a:lnSpc>
+                <a:spcPct val="50000"/>
+              </a:lnSpc>
+              <a:buNone/>
+            </a:pPr>
+            <a:r>
+              <a:rPr lang="en-US" altLang="en-US" sz="1200" dirty="0">
+                <a:latin typeface="Calibri" panose="020F0502020204030204" pitchFamily="34" charset="0"/>
+              </a:rPr>
+              <a:t>}</a:t>
+            </a:r>
+          </a:p>
+          <a:p>
             <a:pPr>
+              <a:lnSpc>
+                <a:spcPct val="50000"/>
+              </a:lnSpc>
               <a:buFont typeface="Courier New" panose="02070309020205020404" pitchFamily="49" charset="0"/>
               <a:buChar char="o"/>
             </a:pPr>
             <a:r>
-              <a:rPr lang="en-US" altLang="en-US" dirty="0">
-                <a:latin typeface="Calibri" panose="020F0502020204030204" pitchFamily="34" charset="0"/>
-              </a:rPr>
-              <a:t>Single  A-&gt;B</a:t>
+              <a:rPr lang="en-US" altLang="en-US" sz="1200" dirty="0">
+                <a:latin typeface="Calibri" panose="020F0502020204030204" pitchFamily="34" charset="0"/>
+              </a:rPr>
+              <a:t>Note: If there is any abstract method in a class, that class must be abstract.</a:t>
             </a:r>
           </a:p>
           <a:p>
             <a:pPr>
+              <a:lnSpc>
+                <a:spcPct val="50000"/>
+              </a:lnSpc>
               <a:buFont typeface="Courier New" panose="02070309020205020404" pitchFamily="49" charset="0"/>
               <a:buChar char="o"/>
             </a:pPr>
-            <a:r>
-              <a:rPr lang="en-US" altLang="en-US" dirty="0">
-                <a:latin typeface="Calibri" panose="020F0502020204030204" pitchFamily="34" charset="0"/>
-              </a:rPr>
-              <a:t>Multilevel A -&gt; B -&gt; C</a:t>
-            </a:r>
-          </a:p>
-          <a:p>
-            <a:pPr>
-              <a:buFont typeface="Courier New" panose="02070309020205020404" pitchFamily="49" charset="0"/>
-              <a:buChar char="o"/>
-            </a:pPr>
-            <a:r>
-              <a:rPr lang="en-US" altLang="en-US" dirty="0">
-                <a:latin typeface="Calibri" panose="020F0502020204030204" pitchFamily="34" charset="0"/>
-              </a:rPr>
-              <a:t>Multiple (A,B) -&gt; C</a:t>
-            </a:r>
-          </a:p>
-          <a:p>
-            <a:pPr>
-              <a:buFont typeface="Courier New" panose="02070309020205020404" pitchFamily="49" charset="0"/>
-              <a:buChar char="o"/>
-            </a:pPr>
-            <a:r>
-              <a:rPr lang="en-US" altLang="en-US" dirty="0">
-                <a:latin typeface="Calibri" panose="020F0502020204030204" pitchFamily="34" charset="0"/>
-              </a:rPr>
-              <a:t>Hierarchical A-&gt;(B,C,D)</a:t>
-            </a:r>
-          </a:p>
-          <a:p>
-            <a:pPr>
-              <a:buFont typeface="Courier New" panose="02070309020205020404" pitchFamily="49" charset="0"/>
-              <a:buChar char="o"/>
-            </a:pPr>
-            <a:r>
-              <a:rPr lang="en-US" altLang="en-US" dirty="0">
-                <a:latin typeface="Calibri" panose="020F0502020204030204" pitchFamily="34" charset="0"/>
-              </a:rPr>
-              <a:t>Hybrid A-&gt;(B,C)-&gt;D</a:t>
-            </a:r>
+            <a:endParaRPr lang="en-US" altLang="en-US" sz="1200" dirty="0">
+              <a:latin typeface="Calibri" panose="020F0502020204030204" pitchFamily="34" charset="0"/>
+            </a:endParaRPr>
           </a:p>
         </p:txBody>
       </p:sp>
@@ -9614,8 +9615,13 @@
 </file>
 
 <file path=ppt/slides/slide24.xml><?xml version="1.0" encoding="utf-8"?>
-<p:sld xmlns:a="http://schemas.openxmlformats.org/drawingml/2006/main" xmlns:r="http://schemas.openxmlformats.org/officeDocument/2006/relationships" xmlns:p="http://schemas.openxmlformats.org/presentationml/2006/main" showMasterPhAnim="0">
+<p:sld xmlns:a="http://schemas.openxmlformats.org/drawingml/2006/main" xmlns:r="http://schemas.openxmlformats.org/officeDocument/2006/relationships" xmlns:p="http://schemas.openxmlformats.org/presentationml/2006/main">
   <p:cSld>
+    <p:bg>
+      <p:bgRef idx="1001">
+        <a:schemeClr val="bg1"/>
+      </p:bgRef>
+    </p:bg>
     <p:spTree>
       <p:nvGrpSpPr>
         <p:cNvPr id="1" name=""/>
@@ -9632,15 +9638,15 @@
       </p:grpSpPr>
       <p:sp>
         <p:nvSpPr>
-          <p:cNvPr id="25602" name="Rectangle 2">
+          <p:cNvPr id="2" name="Title 1">
             <a:extLst>
               <a:ext uri="{FF2B5EF4-FFF2-40B4-BE49-F238E27FC236}">
-                <a16:creationId xmlns:a16="http://schemas.microsoft.com/office/drawing/2014/main" id="{D36F7FBD-25B4-4565-D4DE-5C0D77A862ED}"/>
+                <a16:creationId xmlns:a16="http://schemas.microsoft.com/office/drawing/2014/main" id="{E64D30D5-A76B-C097-4738-A6F6B1C58559}"/>
               </a:ext>
             </a:extLst>
           </p:cNvPr>
           <p:cNvSpPr>
-            <a:spLocks noGrp="1" noRot="1" noChangeArrowheads="1"/>
+            <a:spLocks noGrp="1"/>
           </p:cNvSpPr>
           <p:nvPr>
             <p:ph type="title"/>
@@ -9654,150 +9660,654 @@
           <a:lstStyle/>
           <a:p>
             <a:r>
-              <a:rPr lang="en-US" altLang="en-US" dirty="0">
-                <a:latin typeface="Calibri" panose="020F0502020204030204" pitchFamily="34" charset="0"/>
-              </a:rPr>
-              <a:t>Polymorphism</a:t>
-            </a:r>
-          </a:p>
-        </p:txBody>
-      </p:sp>
-      <p:sp>
-        <p:nvSpPr>
-          <p:cNvPr id="25603" name="Rectangle 3">
+              <a:rPr lang="en-US" dirty="0">
+                <a:latin typeface="Calibri" panose="020F0502020204030204" pitchFamily="34" charset="0"/>
+              </a:rPr>
+              <a:t>Abstract vs Interface</a:t>
+            </a:r>
+          </a:p>
+        </p:txBody>
+      </p:sp>
+      <p:graphicFrame>
+        <p:nvGraphicFramePr>
+          <p:cNvPr id="4" name="Content Placeholder 3">
             <a:extLst>
               <a:ext uri="{FF2B5EF4-FFF2-40B4-BE49-F238E27FC236}">
-                <a16:creationId xmlns:a16="http://schemas.microsoft.com/office/drawing/2014/main" id="{D3350066-B7BD-7FC2-FA99-555532A250F2}"/>
+                <a16:creationId xmlns:a16="http://schemas.microsoft.com/office/drawing/2014/main" id="{6F9B7663-628C-D02E-F5B2-6325492A6551}"/>
               </a:ext>
             </a:extLst>
           </p:cNvPr>
-          <p:cNvSpPr>
-            <a:spLocks noGrp="1" noChangeArrowheads="1"/>
-          </p:cNvSpPr>
+          <p:cNvGraphicFramePr>
+            <a:graphicFrameLocks noGrp="1"/>
+          </p:cNvGraphicFramePr>
           <p:nvPr>
             <p:ph idx="1"/>
-          </p:nvPr>
-        </p:nvSpPr>
-        <p:spPr/>
-        <p:txBody>
-          <a:bodyPr vert="horz" lIns="45720" tIns="45720" rIns="45720" bIns="45720" rtlCol="0">
-            <a:normAutofit/>
-          </a:bodyPr>
-          <a:lstStyle/>
-          <a:p>
-            <a:pPr>
-              <a:buFont typeface="Courier New" panose="02070309020205020404" pitchFamily="49" charset="0"/>
-              <a:buChar char="o"/>
-            </a:pPr>
-            <a:r>
-              <a:rPr lang="en-US" dirty="0">
-                <a:latin typeface="Calibri" panose="020F0502020204030204" pitchFamily="34" charset="0"/>
-              </a:rPr>
-              <a:t>Polymorphism means many (poly) shapes (morph)</a:t>
-            </a:r>
-          </a:p>
-          <a:p>
-            <a:pPr>
-              <a:buFont typeface="Courier New" panose="02070309020205020404" pitchFamily="49" charset="0"/>
-              <a:buChar char="o"/>
-            </a:pPr>
-            <a:r>
-              <a:rPr lang="en-US" dirty="0">
-                <a:latin typeface="Calibri" panose="020F0502020204030204" pitchFamily="34" charset="0"/>
-              </a:rPr>
-              <a:t>perform a single action in different ways.</a:t>
-            </a:r>
-          </a:p>
-          <a:p>
-            <a:pPr>
-              <a:buFont typeface="Courier New" panose="02070309020205020404" pitchFamily="49" charset="0"/>
-              <a:buChar char="o"/>
-            </a:pPr>
-            <a:r>
-              <a:rPr lang="en-US" dirty="0">
-                <a:latin typeface="Calibri" panose="020F0502020204030204" pitchFamily="34" charset="0"/>
-              </a:rPr>
-              <a:t>multiple methods with the same name in the same class</a:t>
-            </a:r>
-          </a:p>
-          <a:p>
-            <a:pPr>
-              <a:buFont typeface="Courier New" panose="02070309020205020404" pitchFamily="49" charset="0"/>
-              <a:buChar char="o"/>
-            </a:pPr>
-            <a:r>
-              <a:rPr lang="en-US" dirty="0">
-                <a:latin typeface="Calibri" panose="020F0502020204030204" pitchFamily="34" charset="0"/>
-              </a:rPr>
-              <a:t>Ex: draw() method could behave differently for lines, rectangles, Circles</a:t>
-            </a:r>
-          </a:p>
-          <a:p>
-            <a:pPr>
-              <a:buFont typeface="Courier New" panose="02070309020205020404" pitchFamily="49" charset="0"/>
-              <a:buChar char="o"/>
-            </a:pPr>
-            <a:r>
-              <a:rPr lang="en-US" dirty="0">
-                <a:latin typeface="Calibri" panose="020F0502020204030204" pitchFamily="34" charset="0"/>
-              </a:rPr>
-              <a:t>Method overloading - </a:t>
-            </a:r>
-            <a:r>
-              <a:rPr lang="en-US" altLang="en-US" dirty="0">
-                <a:latin typeface="Calibri" panose="020F0502020204030204" pitchFamily="34" charset="0"/>
-              </a:rPr>
-              <a:t>Two or more methods with different signatures</a:t>
-            </a:r>
-            <a:endParaRPr lang="en-US" dirty="0">
-              <a:latin typeface="Calibri" panose="020F0502020204030204" pitchFamily="34" charset="0"/>
-            </a:endParaRPr>
-          </a:p>
-          <a:p>
-            <a:pPr>
-              <a:buFont typeface="Courier New" panose="02070309020205020404" pitchFamily="49" charset="0"/>
-              <a:buChar char="o"/>
-            </a:pPr>
-            <a:r>
-              <a:rPr lang="en-US" dirty="0">
-                <a:latin typeface="Calibri" panose="020F0502020204030204" pitchFamily="34" charset="0"/>
-              </a:rPr>
-              <a:t>Method overriding - </a:t>
-            </a:r>
-            <a:r>
-              <a:rPr lang="en-US" altLang="en-US" dirty="0">
-                <a:latin typeface="Calibri" panose="020F0502020204030204" pitchFamily="34" charset="0"/>
-              </a:rPr>
-              <a:t>Replacing an inherited method with another having the same signature</a:t>
-            </a:r>
-            <a:endParaRPr lang="en-US" dirty="0">
-              <a:latin typeface="Calibri" panose="020F0502020204030204" pitchFamily="34" charset="0"/>
-            </a:endParaRPr>
-          </a:p>
-          <a:p>
-            <a:pPr>
-              <a:buFont typeface="Courier New" panose="02070309020205020404" pitchFamily="49" charset="0"/>
-              <a:buChar char="o"/>
-            </a:pPr>
-            <a:endParaRPr lang="en-US" dirty="0">
-              <a:latin typeface="Calibri" panose="020F0502020204030204" pitchFamily="34" charset="0"/>
-            </a:endParaRPr>
-          </a:p>
-          <a:p>
-            <a:pPr>
-              <a:buFont typeface="Courier New" panose="02070309020205020404" pitchFamily="49" charset="0"/>
-              <a:buChar char="o"/>
-            </a:pPr>
-            <a:endParaRPr lang="en-US" dirty="0">
-              <a:latin typeface="Calibri" panose="020F0502020204030204" pitchFamily="34" charset="0"/>
-            </a:endParaRPr>
-          </a:p>
-        </p:txBody>
-      </p:sp>
+            <p:extLst>
+              <p:ext uri="{D42A27DB-BD31-4B8C-83A1-F6EECF244321}">
+                <p14:modId xmlns:p14="http://schemas.microsoft.com/office/powerpoint/2010/main" val="3867627669"/>
+              </p:ext>
+            </p:extLst>
+          </p:nvPr>
+        </p:nvGraphicFramePr>
+        <p:xfrm>
+          <a:off x="533400" y="1981200"/>
+          <a:ext cx="8229600" cy="4652793"/>
+        </p:xfrm>
+        <a:graphic>
+          <a:graphicData uri="http://schemas.openxmlformats.org/drawingml/2006/table">
+            <a:tbl>
+              <a:tblPr>
+                <a:tableStyleId>{775DCB02-9BB8-47FD-8907-85C794F793BA}</a:tableStyleId>
+              </a:tblPr>
+              <a:tblGrid>
+                <a:gridCol w="4114800">
+                  <a:extLst>
+                    <a:ext uri="{9D8B030D-6E8A-4147-A177-3AD203B41FA5}">
+                      <a16:colId xmlns:a16="http://schemas.microsoft.com/office/drawing/2014/main" val="2937975218"/>
+                    </a:ext>
+                  </a:extLst>
+                </a:gridCol>
+                <a:gridCol w="4114800">
+                  <a:extLst>
+                    <a:ext uri="{9D8B030D-6E8A-4147-A177-3AD203B41FA5}">
+                      <a16:colId xmlns:a16="http://schemas.microsoft.com/office/drawing/2014/main" val="2190310925"/>
+                    </a:ext>
+                  </a:extLst>
+                </a:gridCol>
+              </a:tblGrid>
+              <a:tr h="240512">
+                <a:tc>
+                  <a:txBody>
+                    <a:bodyPr/>
+                    <a:lstStyle/>
+                    <a:p>
+                      <a:r>
+                        <a:rPr lang="en-US" sz="1200" b="1" dirty="0"/>
+                        <a:t>Abstract class</a:t>
+                      </a:r>
+                      <a:endParaRPr lang="en-US" sz="1200" b="1" dirty="0">
+                        <a:latin typeface="Calibri" panose="020F0502020204030204" pitchFamily="34" charset="0"/>
+                        <a:cs typeface="Calibri" panose="020F0502020204030204" pitchFamily="34" charset="0"/>
+                      </a:endParaRPr>
+                    </a:p>
+                  </a:txBody>
+                  <a:tcPr marL="49058" marR="49058" marT="24529" marB="24529" anchor="ctr"/>
+                </a:tc>
+                <a:tc>
+                  <a:txBody>
+                    <a:bodyPr/>
+                    <a:lstStyle/>
+                    <a:p>
+                      <a:r>
+                        <a:rPr lang="en-US" sz="1200" b="1" dirty="0"/>
+                        <a:t>Interface</a:t>
+                      </a:r>
+                      <a:endParaRPr lang="en-US" sz="1200" b="1" dirty="0">
+                        <a:latin typeface="Calibri" panose="020F0502020204030204" pitchFamily="34" charset="0"/>
+                        <a:cs typeface="Calibri" panose="020F0502020204030204" pitchFamily="34" charset="0"/>
+                      </a:endParaRPr>
+                    </a:p>
+                  </a:txBody>
+                  <a:tcPr marL="49058" marR="49058" marT="24529" marB="24529" anchor="ctr"/>
+                </a:tc>
+                <a:extLst>
+                  <a:ext uri="{0D108BD9-81ED-4DB2-BD59-A6C34878D82A}">
+                    <a16:rowId xmlns:a16="http://schemas.microsoft.com/office/drawing/2014/main" val="491777395"/>
+                  </a:ext>
+                </a:extLst>
+              </a:tr>
+              <a:tr h="508712">
+                <a:tc>
+                  <a:txBody>
+                    <a:bodyPr/>
+                    <a:lstStyle/>
+                    <a:p>
+                      <a:r>
+                        <a:rPr lang="en-US" sz="1200" dirty="0"/>
+                        <a:t>Abstract class can </a:t>
+                      </a:r>
+                      <a:r>
+                        <a:rPr lang="en-US" sz="1200" b="1" dirty="0"/>
+                        <a:t>have abstract and non-abstract</a:t>
+                      </a:r>
+                      <a:r>
+                        <a:rPr lang="en-US" sz="1200" dirty="0"/>
+                        <a:t> methods.</a:t>
+                      </a:r>
+                      <a:endParaRPr lang="en-US" sz="1200" dirty="0">
+                        <a:latin typeface="Calibri" panose="020F0502020204030204" pitchFamily="34" charset="0"/>
+                        <a:cs typeface="Calibri" panose="020F0502020204030204" pitchFamily="34" charset="0"/>
+                      </a:endParaRPr>
+                    </a:p>
+                  </a:txBody>
+                  <a:tcPr marL="49058" marR="49058" marT="24529" marB="24529" anchor="ctr"/>
+                </a:tc>
+                <a:tc>
+                  <a:txBody>
+                    <a:bodyPr/>
+                    <a:lstStyle/>
+                    <a:p>
+                      <a:r>
+                        <a:rPr lang="en-US" sz="1200"/>
+                        <a:t>Interface can have </a:t>
+                      </a:r>
+                      <a:r>
+                        <a:rPr lang="en-US" sz="1200" b="1"/>
+                        <a:t>only abstract</a:t>
+                      </a:r>
+                      <a:r>
+                        <a:rPr lang="en-US" sz="1200"/>
+                        <a:t> methods. Since Java 8, it can have </a:t>
+                      </a:r>
+                      <a:r>
+                        <a:rPr lang="en-US" sz="1200" b="1"/>
+                        <a:t>default and static methods</a:t>
+                      </a:r>
+                      <a:r>
+                        <a:rPr lang="en-US" sz="1200"/>
+                        <a:t> also.</a:t>
+                      </a:r>
+                      <a:endParaRPr lang="en-US" sz="1200">
+                        <a:latin typeface="Calibri" panose="020F0502020204030204" pitchFamily="34" charset="0"/>
+                        <a:cs typeface="Calibri" panose="020F0502020204030204" pitchFamily="34" charset="0"/>
+                      </a:endParaRPr>
+                    </a:p>
+                  </a:txBody>
+                  <a:tcPr marL="49058" marR="49058" marT="24529" marB="24529" anchor="ctr"/>
+                </a:tc>
+                <a:extLst>
+                  <a:ext uri="{0D108BD9-81ED-4DB2-BD59-A6C34878D82A}">
+                    <a16:rowId xmlns:a16="http://schemas.microsoft.com/office/drawing/2014/main" val="112425697"/>
+                  </a:ext>
+                </a:extLst>
+              </a:tr>
+              <a:tr h="356098">
+                <a:tc>
+                  <a:txBody>
+                    <a:bodyPr/>
+                    <a:lstStyle/>
+                    <a:p>
+                      <a:r>
+                        <a:rPr lang="en-US" sz="1200" dirty="0"/>
+                        <a:t>Abstract class </a:t>
+                      </a:r>
+                      <a:r>
+                        <a:rPr lang="en-US" sz="1200" b="1" dirty="0"/>
+                        <a:t>doesn't support multiple inheritance</a:t>
+                      </a:r>
+                      <a:r>
+                        <a:rPr lang="en-US" sz="1200" dirty="0"/>
+                        <a:t>.</a:t>
+                      </a:r>
+                      <a:endParaRPr lang="en-US" sz="1200" dirty="0">
+                        <a:latin typeface="Calibri" panose="020F0502020204030204" pitchFamily="34" charset="0"/>
+                        <a:cs typeface="Calibri" panose="020F0502020204030204" pitchFamily="34" charset="0"/>
+                      </a:endParaRPr>
+                    </a:p>
+                  </a:txBody>
+                  <a:tcPr marL="49058" marR="49058" marT="24529" marB="24529" anchor="ctr"/>
+                </a:tc>
+                <a:tc>
+                  <a:txBody>
+                    <a:bodyPr/>
+                    <a:lstStyle/>
+                    <a:p>
+                      <a:r>
+                        <a:rPr lang="en-US" sz="1200"/>
+                        <a:t>Interface </a:t>
+                      </a:r>
+                      <a:r>
+                        <a:rPr lang="en-US" sz="1200" b="1"/>
+                        <a:t>supports multiple inheritance</a:t>
+                      </a:r>
+                      <a:r>
+                        <a:rPr lang="en-US" sz="1200"/>
+                        <a:t>.</a:t>
+                      </a:r>
+                      <a:endParaRPr lang="en-US" sz="1200">
+                        <a:latin typeface="Calibri" panose="020F0502020204030204" pitchFamily="34" charset="0"/>
+                        <a:cs typeface="Calibri" panose="020F0502020204030204" pitchFamily="34" charset="0"/>
+                      </a:endParaRPr>
+                    </a:p>
+                  </a:txBody>
+                  <a:tcPr marL="49058" marR="49058" marT="24529" marB="24529" anchor="ctr"/>
+                </a:tc>
+                <a:extLst>
+                  <a:ext uri="{0D108BD9-81ED-4DB2-BD59-A6C34878D82A}">
+                    <a16:rowId xmlns:a16="http://schemas.microsoft.com/office/drawing/2014/main" val="3765811895"/>
+                  </a:ext>
+                </a:extLst>
+              </a:tr>
+              <a:tr h="430153">
+                <a:tc>
+                  <a:txBody>
+                    <a:bodyPr/>
+                    <a:lstStyle/>
+                    <a:p>
+                      <a:r>
+                        <a:rPr lang="en-US" sz="1200" dirty="0"/>
+                        <a:t>Abstract class </a:t>
+                      </a:r>
+                      <a:r>
+                        <a:rPr lang="en-US" sz="1200" b="1" dirty="0"/>
+                        <a:t>can have final, non-final, static and non-static variables</a:t>
+                      </a:r>
+                      <a:r>
+                        <a:rPr lang="en-US" sz="1200" dirty="0"/>
+                        <a:t>.</a:t>
+                      </a:r>
+                      <a:endParaRPr lang="en-US" sz="1200" dirty="0">
+                        <a:latin typeface="Calibri" panose="020F0502020204030204" pitchFamily="34" charset="0"/>
+                        <a:cs typeface="Calibri" panose="020F0502020204030204" pitchFamily="34" charset="0"/>
+                      </a:endParaRPr>
+                    </a:p>
+                  </a:txBody>
+                  <a:tcPr marL="49058" marR="49058" marT="24529" marB="24529" anchor="ctr"/>
+                </a:tc>
+                <a:tc>
+                  <a:txBody>
+                    <a:bodyPr/>
+                    <a:lstStyle/>
+                    <a:p>
+                      <a:r>
+                        <a:rPr lang="en-US" sz="1200"/>
+                        <a:t>Interface has </a:t>
+                      </a:r>
+                      <a:r>
+                        <a:rPr lang="en-US" sz="1200" b="1"/>
+                        <a:t>only static and final variables</a:t>
+                      </a:r>
+                      <a:r>
+                        <a:rPr lang="en-US" sz="1200"/>
+                        <a:t>.</a:t>
+                      </a:r>
+                      <a:endParaRPr lang="en-US" sz="1200">
+                        <a:latin typeface="Calibri" panose="020F0502020204030204" pitchFamily="34" charset="0"/>
+                        <a:cs typeface="Calibri" panose="020F0502020204030204" pitchFamily="34" charset="0"/>
+                      </a:endParaRPr>
+                    </a:p>
+                  </a:txBody>
+                  <a:tcPr marL="49058" marR="49058" marT="24529" marB="24529" anchor="ctr"/>
+                </a:tc>
+                <a:extLst>
+                  <a:ext uri="{0D108BD9-81ED-4DB2-BD59-A6C34878D82A}">
+                    <a16:rowId xmlns:a16="http://schemas.microsoft.com/office/drawing/2014/main" val="1693407948"/>
+                  </a:ext>
+                </a:extLst>
+              </a:tr>
+              <a:tr h="430153">
+                <a:tc>
+                  <a:txBody>
+                    <a:bodyPr/>
+                    <a:lstStyle/>
+                    <a:p>
+                      <a:r>
+                        <a:rPr lang="en-US" sz="1200" dirty="0"/>
+                        <a:t>Abstract class </a:t>
+                      </a:r>
+                      <a:r>
+                        <a:rPr lang="en-US" sz="1200" b="1" dirty="0"/>
+                        <a:t>can provide the implementation of interface</a:t>
+                      </a:r>
+                      <a:r>
+                        <a:rPr lang="en-US" sz="1200" dirty="0"/>
+                        <a:t>.</a:t>
+                      </a:r>
+                      <a:endParaRPr lang="en-US" sz="1200" dirty="0">
+                        <a:latin typeface="Calibri" panose="020F0502020204030204" pitchFamily="34" charset="0"/>
+                        <a:cs typeface="Calibri" panose="020F0502020204030204" pitchFamily="34" charset="0"/>
+                      </a:endParaRPr>
+                    </a:p>
+                  </a:txBody>
+                  <a:tcPr marL="49058" marR="49058" marT="24529" marB="24529" anchor="ctr"/>
+                </a:tc>
+                <a:tc>
+                  <a:txBody>
+                    <a:bodyPr/>
+                    <a:lstStyle/>
+                    <a:p>
+                      <a:r>
+                        <a:rPr lang="en-US" sz="1200"/>
+                        <a:t>Interface </a:t>
+                      </a:r>
+                      <a:r>
+                        <a:rPr lang="en-US" sz="1200" b="1"/>
+                        <a:t>can't provide the implementation of abstract class</a:t>
+                      </a:r>
+                      <a:r>
+                        <a:rPr lang="en-US" sz="1200"/>
+                        <a:t>.</a:t>
+                      </a:r>
+                      <a:endParaRPr lang="en-US" sz="1200">
+                        <a:latin typeface="Calibri" panose="020F0502020204030204" pitchFamily="34" charset="0"/>
+                        <a:cs typeface="Calibri" panose="020F0502020204030204" pitchFamily="34" charset="0"/>
+                      </a:endParaRPr>
+                    </a:p>
+                  </a:txBody>
+                  <a:tcPr marL="49058" marR="49058" marT="24529" marB="24529" anchor="ctr"/>
+                </a:tc>
+                <a:extLst>
+                  <a:ext uri="{0D108BD9-81ED-4DB2-BD59-A6C34878D82A}">
+                    <a16:rowId xmlns:a16="http://schemas.microsoft.com/office/drawing/2014/main" val="65621586"/>
+                  </a:ext>
+                </a:extLst>
+              </a:tr>
+              <a:tr h="430153">
+                <a:tc>
+                  <a:txBody>
+                    <a:bodyPr/>
+                    <a:lstStyle/>
+                    <a:p>
+                      <a:r>
+                        <a:rPr lang="en-US" sz="1200" dirty="0"/>
+                        <a:t>The </a:t>
+                      </a:r>
+                      <a:r>
+                        <a:rPr lang="en-US" sz="1200" b="1" dirty="0"/>
+                        <a:t>abstract keyword</a:t>
+                      </a:r>
+                      <a:r>
+                        <a:rPr lang="en-US" sz="1200" dirty="0"/>
+                        <a:t> is used to declare abstract class.</a:t>
+                      </a:r>
+                      <a:endParaRPr lang="en-US" sz="1200" dirty="0">
+                        <a:latin typeface="Calibri" panose="020F0502020204030204" pitchFamily="34" charset="0"/>
+                        <a:cs typeface="Calibri" panose="020F0502020204030204" pitchFamily="34" charset="0"/>
+                      </a:endParaRPr>
+                    </a:p>
+                  </a:txBody>
+                  <a:tcPr marL="49058" marR="49058" marT="24529" marB="24529" anchor="ctr"/>
+                </a:tc>
+                <a:tc>
+                  <a:txBody>
+                    <a:bodyPr/>
+                    <a:lstStyle/>
+                    <a:p>
+                      <a:r>
+                        <a:rPr lang="en-US" sz="1200"/>
+                        <a:t>The </a:t>
+                      </a:r>
+                      <a:r>
+                        <a:rPr lang="en-US" sz="1200" b="1"/>
+                        <a:t>interface keyword</a:t>
+                      </a:r>
+                      <a:r>
+                        <a:rPr lang="en-US" sz="1200"/>
+                        <a:t> is used to declare interface.</a:t>
+                      </a:r>
+                      <a:endParaRPr lang="en-US" sz="1200">
+                        <a:latin typeface="Calibri" panose="020F0502020204030204" pitchFamily="34" charset="0"/>
+                        <a:cs typeface="Calibri" panose="020F0502020204030204" pitchFamily="34" charset="0"/>
+                      </a:endParaRPr>
+                    </a:p>
+                  </a:txBody>
+                  <a:tcPr marL="49058" marR="49058" marT="24529" marB="24529" anchor="ctr"/>
+                </a:tc>
+                <a:extLst>
+                  <a:ext uri="{0D108BD9-81ED-4DB2-BD59-A6C34878D82A}">
+                    <a16:rowId xmlns:a16="http://schemas.microsoft.com/office/drawing/2014/main" val="1726065217"/>
+                  </a:ext>
+                </a:extLst>
+              </a:tr>
+              <a:tr h="508712">
+                <a:tc>
+                  <a:txBody>
+                    <a:bodyPr/>
+                    <a:lstStyle/>
+                    <a:p>
+                      <a:r>
+                        <a:rPr lang="en-US" sz="1200" dirty="0"/>
+                        <a:t>An </a:t>
+                      </a:r>
+                      <a:r>
+                        <a:rPr lang="en-US" sz="1200" b="1" dirty="0"/>
+                        <a:t>abstract class</a:t>
+                      </a:r>
+                      <a:r>
+                        <a:rPr lang="en-US" sz="1200" dirty="0"/>
+                        <a:t> can extend another Java class and implement multiple Java interfaces.</a:t>
+                      </a:r>
+                      <a:endParaRPr lang="en-US" sz="1200" dirty="0">
+                        <a:latin typeface="Calibri" panose="020F0502020204030204" pitchFamily="34" charset="0"/>
+                        <a:cs typeface="Calibri" panose="020F0502020204030204" pitchFamily="34" charset="0"/>
+                      </a:endParaRPr>
+                    </a:p>
+                  </a:txBody>
+                  <a:tcPr marL="49058" marR="49058" marT="24529" marB="24529" anchor="ctr"/>
+                </a:tc>
+                <a:tc>
+                  <a:txBody>
+                    <a:bodyPr/>
+                    <a:lstStyle/>
+                    <a:p>
+                      <a:r>
+                        <a:rPr lang="en-US" sz="1200"/>
+                        <a:t>An </a:t>
+                      </a:r>
+                      <a:r>
+                        <a:rPr lang="en-US" sz="1200" b="1"/>
+                        <a:t>interface</a:t>
+                      </a:r>
+                      <a:r>
+                        <a:rPr lang="en-US" sz="1200"/>
+                        <a:t> can extend another Java interface only.</a:t>
+                      </a:r>
+                      <a:endParaRPr lang="en-US" sz="1200">
+                        <a:latin typeface="Calibri" panose="020F0502020204030204" pitchFamily="34" charset="0"/>
+                        <a:cs typeface="Calibri" panose="020F0502020204030204" pitchFamily="34" charset="0"/>
+                      </a:endParaRPr>
+                    </a:p>
+                  </a:txBody>
+                  <a:tcPr marL="49058" marR="49058" marT="24529" marB="24529" anchor="ctr"/>
+                </a:tc>
+                <a:extLst>
+                  <a:ext uri="{0D108BD9-81ED-4DB2-BD59-A6C34878D82A}">
+                    <a16:rowId xmlns:a16="http://schemas.microsoft.com/office/drawing/2014/main" val="3234070317"/>
+                  </a:ext>
+                </a:extLst>
+              </a:tr>
+              <a:tr h="430153">
+                <a:tc>
+                  <a:txBody>
+                    <a:bodyPr/>
+                    <a:lstStyle/>
+                    <a:p>
+                      <a:r>
+                        <a:rPr lang="en-US" sz="1200" dirty="0"/>
+                        <a:t>An </a:t>
+                      </a:r>
+                      <a:r>
+                        <a:rPr lang="en-US" sz="1200" b="1" dirty="0"/>
+                        <a:t>abstract class</a:t>
+                      </a:r>
+                      <a:r>
+                        <a:rPr lang="en-US" sz="1200" dirty="0"/>
+                        <a:t> can be extended using keyword "extends".</a:t>
+                      </a:r>
+                      <a:endParaRPr lang="en-US" sz="1200" dirty="0">
+                        <a:latin typeface="Calibri" panose="020F0502020204030204" pitchFamily="34" charset="0"/>
+                        <a:cs typeface="Calibri" panose="020F0502020204030204" pitchFamily="34" charset="0"/>
+                      </a:endParaRPr>
+                    </a:p>
+                  </a:txBody>
+                  <a:tcPr marL="49058" marR="49058" marT="24529" marB="24529" anchor="ctr"/>
+                </a:tc>
+                <a:tc>
+                  <a:txBody>
+                    <a:bodyPr/>
+                    <a:lstStyle/>
+                    <a:p>
+                      <a:r>
+                        <a:rPr lang="en-US" sz="1200"/>
+                        <a:t>An </a:t>
+                      </a:r>
+                      <a:r>
+                        <a:rPr lang="en-US" sz="1200" b="1"/>
+                        <a:t>interface</a:t>
+                      </a:r>
+                      <a:r>
+                        <a:rPr lang="en-US" sz="1200"/>
+                        <a:t> can be implemented using keyword "implements".</a:t>
+                      </a:r>
+                      <a:endParaRPr lang="en-US" sz="1200">
+                        <a:latin typeface="Calibri" panose="020F0502020204030204" pitchFamily="34" charset="0"/>
+                        <a:cs typeface="Calibri" panose="020F0502020204030204" pitchFamily="34" charset="0"/>
+                      </a:endParaRPr>
+                    </a:p>
+                  </a:txBody>
+                  <a:tcPr marL="49058" marR="49058" marT="24529" marB="24529" anchor="ctr"/>
+                </a:tc>
+                <a:extLst>
+                  <a:ext uri="{0D108BD9-81ED-4DB2-BD59-A6C34878D82A}">
+                    <a16:rowId xmlns:a16="http://schemas.microsoft.com/office/drawing/2014/main" val="1103225038"/>
+                  </a:ext>
+                </a:extLst>
+              </a:tr>
+              <a:tr h="508712">
+                <a:tc>
+                  <a:txBody>
+                    <a:bodyPr/>
+                    <a:lstStyle/>
+                    <a:p>
+                      <a:r>
+                        <a:rPr lang="en-US" sz="1200" dirty="0"/>
+                        <a:t>A Java </a:t>
+                      </a:r>
+                      <a:r>
+                        <a:rPr lang="en-US" sz="1200" b="1" dirty="0"/>
+                        <a:t>abstract class</a:t>
+                      </a:r>
+                      <a:r>
+                        <a:rPr lang="en-US" sz="1200" dirty="0"/>
+                        <a:t> can have class members like private, protected, etc.</a:t>
+                      </a:r>
+                      <a:endParaRPr lang="en-US" sz="1200" dirty="0">
+                        <a:latin typeface="Calibri" panose="020F0502020204030204" pitchFamily="34" charset="0"/>
+                        <a:cs typeface="Calibri" panose="020F0502020204030204" pitchFamily="34" charset="0"/>
+                      </a:endParaRPr>
+                    </a:p>
+                  </a:txBody>
+                  <a:tcPr marL="49058" marR="49058" marT="24529" marB="24529" anchor="ctr"/>
+                </a:tc>
+                <a:tc>
+                  <a:txBody>
+                    <a:bodyPr/>
+                    <a:lstStyle/>
+                    <a:p>
+                      <a:r>
+                        <a:rPr lang="en-US" sz="1200"/>
+                        <a:t>Members of a Java interface are public by default. </a:t>
+                      </a:r>
+                      <a:endParaRPr lang="en-US" sz="1200">
+                        <a:latin typeface="Calibri" panose="020F0502020204030204" pitchFamily="34" charset="0"/>
+                        <a:cs typeface="Calibri" panose="020F0502020204030204" pitchFamily="34" charset="0"/>
+                      </a:endParaRPr>
+                    </a:p>
+                  </a:txBody>
+                  <a:tcPr marL="49058" marR="49058" marT="24529" marB="24529" anchor="ctr"/>
+                </a:tc>
+                <a:extLst>
+                  <a:ext uri="{0D108BD9-81ED-4DB2-BD59-A6C34878D82A}">
+                    <a16:rowId xmlns:a16="http://schemas.microsoft.com/office/drawing/2014/main" val="390570783"/>
+                  </a:ext>
+                </a:extLst>
+              </a:tr>
+              <a:tr h="809435">
+                <a:tc>
+                  <a:txBody>
+                    <a:bodyPr/>
+                    <a:lstStyle/>
+                    <a:p>
+                      <a:r>
+                        <a:rPr lang="en-US" sz="1200" b="1" dirty="0"/>
+                        <a:t>Example:</a:t>
+                      </a:r>
+                      <a:br>
+                        <a:rPr lang="en-US" sz="1200" dirty="0"/>
+                      </a:br>
+                      <a:r>
+                        <a:rPr lang="en-US" sz="1200" dirty="0"/>
+                        <a:t>public abstract class Shape{</a:t>
+                      </a:r>
+                      <a:br>
+                        <a:rPr lang="en-US" sz="1200" dirty="0"/>
+                      </a:br>
+                      <a:r>
+                        <a:rPr lang="en-US" sz="1200" dirty="0"/>
+                        <a:t>public abstract void draw();</a:t>
+                      </a:r>
+                      <a:br>
+                        <a:rPr lang="en-US" sz="1200" dirty="0"/>
+                      </a:br>
+                      <a:r>
+                        <a:rPr lang="en-US" sz="1200" dirty="0"/>
+                        <a:t>}</a:t>
+                      </a:r>
+                      <a:endParaRPr lang="en-US" sz="1200" dirty="0">
+                        <a:latin typeface="Calibri" panose="020F0502020204030204" pitchFamily="34" charset="0"/>
+                        <a:cs typeface="Calibri" panose="020F0502020204030204" pitchFamily="34" charset="0"/>
+                      </a:endParaRPr>
+                    </a:p>
+                  </a:txBody>
+                  <a:tcPr marL="49058" marR="49058" marT="24529" marB="24529" anchor="ctr"/>
+                </a:tc>
+                <a:tc>
+                  <a:txBody>
+                    <a:bodyPr/>
+                    <a:lstStyle/>
+                    <a:p>
+                      <a:r>
+                        <a:rPr lang="en-US" sz="1200" b="1" dirty="0"/>
+                        <a:t>Example:</a:t>
+                      </a:r>
+                      <a:br>
+                        <a:rPr lang="en-US" sz="1200" dirty="0"/>
+                      </a:br>
+                      <a:r>
+                        <a:rPr lang="en-US" sz="1200" dirty="0"/>
+                        <a:t>public interface Drawable{</a:t>
+                      </a:r>
+                      <a:br>
+                        <a:rPr lang="en-US" sz="1200" dirty="0"/>
+                      </a:br>
+                      <a:r>
+                        <a:rPr lang="en-US" sz="1200" dirty="0"/>
+                        <a:t>void draw();</a:t>
+                      </a:r>
+                      <a:br>
+                        <a:rPr lang="en-US" sz="1200" dirty="0"/>
+                      </a:br>
+                      <a:r>
+                        <a:rPr lang="en-US" sz="1200" dirty="0"/>
+                        <a:t>}</a:t>
+                      </a:r>
+                      <a:endParaRPr lang="en-US" sz="1200" dirty="0">
+                        <a:latin typeface="Calibri" panose="020F0502020204030204" pitchFamily="34" charset="0"/>
+                        <a:cs typeface="Calibri" panose="020F0502020204030204" pitchFamily="34" charset="0"/>
+                      </a:endParaRPr>
+                    </a:p>
+                  </a:txBody>
+                  <a:tcPr marL="49058" marR="49058" marT="24529" marB="24529" anchor="ctr"/>
+                </a:tc>
+                <a:extLst>
+                  <a:ext uri="{0D108BD9-81ED-4DB2-BD59-A6C34878D82A}">
+                    <a16:rowId xmlns:a16="http://schemas.microsoft.com/office/drawing/2014/main" val="2940545917"/>
+                  </a:ext>
+                </a:extLst>
+              </a:tr>
+            </a:tbl>
+          </a:graphicData>
+        </a:graphic>
+      </p:graphicFrame>
     </p:spTree>
+    <p:extLst>
+      <p:ext uri="{BB962C8B-B14F-4D97-AF65-F5344CB8AC3E}">
+        <p14:creationId xmlns:p14="http://schemas.microsoft.com/office/powerpoint/2010/main" val="2686038816"/>
+      </p:ext>
+    </p:extLst>
   </p:cSld>
   <p:clrMapOvr>
-    <a:masterClrMapping/>
+    <a:overrideClrMapping bg1="lt1" tx1="dk1" bg2="lt2" tx2="dk2" accent1="accent1" accent2="accent2" accent3="accent3" accent4="accent4" accent5="accent5" accent6="accent6" hlink="hlink" folHlink="folHlink"/>
   </p:clrMapOvr>
 </p:sld>
 </file>
@@ -9821,10 +10331,10 @@
       </p:grpSpPr>
       <p:sp>
         <p:nvSpPr>
-          <p:cNvPr id="84994" name="Rectangle 2">
+          <p:cNvPr id="25602" name="Rectangle 2">
             <a:extLst>
               <a:ext uri="{FF2B5EF4-FFF2-40B4-BE49-F238E27FC236}">
-                <a16:creationId xmlns:a16="http://schemas.microsoft.com/office/drawing/2014/main" id="{FEC78D48-35A0-5448-59E0-8128FB9D5965}"/>
+                <a16:creationId xmlns:a16="http://schemas.microsoft.com/office/drawing/2014/main" id="{D36F7FBD-25B4-4565-D4DE-5C0D77A862ED}"/>
               </a:ext>
             </a:extLst>
           </p:cNvPr>
@@ -9835,12 +10345,7 @@
             <p:ph type="title"/>
           </p:nvPr>
         </p:nvSpPr>
-        <p:spPr>
-          <a:xfrm>
-            <a:off x="768096" y="585216"/>
-            <a:ext cx="8147304" cy="1499616"/>
-          </a:xfrm>
-        </p:spPr>
+        <p:spPr/>
         <p:txBody>
           <a:bodyPr vert="horz" lIns="91440" tIns="45720" rIns="91440" bIns="45720" rtlCol="0" anchor="ctr">
             <a:normAutofit/>
@@ -9851,17 +10356,17 @@
               <a:rPr lang="en-US" altLang="en-US" dirty="0">
                 <a:latin typeface="Calibri" panose="020F0502020204030204" pitchFamily="34" charset="0"/>
               </a:rPr>
-              <a:t>Concepts of OOP Summary</a:t>
-            </a:r>
-          </a:p>
-        </p:txBody>
-      </p:sp>
-      <p:sp>
-        <p:nvSpPr>
-          <p:cNvPr id="84995" name="Rectangle 3">
+              <a:t>Polymorphism</a:t>
+            </a:r>
+          </a:p>
+        </p:txBody>
+      </p:sp>
+      <p:sp>
+        <p:nvSpPr>
+          <p:cNvPr id="25603" name="Rectangle 3">
             <a:extLst>
               <a:ext uri="{FF2B5EF4-FFF2-40B4-BE49-F238E27FC236}">
-                <a16:creationId xmlns:a16="http://schemas.microsoft.com/office/drawing/2014/main" id="{4E888ED5-1574-3C81-3099-649F648EB76B}"/>
+                <a16:creationId xmlns:a16="http://schemas.microsoft.com/office/drawing/2014/main" id="{D3350066-B7BD-7FC2-FA99-555532A250F2}"/>
               </a:ext>
             </a:extLst>
           </p:cNvPr>
@@ -9884,10 +10389,10 @@
               <a:buChar char="o"/>
             </a:pPr>
             <a:r>
-              <a:rPr lang="en-US" altLang="en-US" dirty="0">
-                <a:latin typeface="Calibri" panose="020F0502020204030204" pitchFamily="34" charset="0"/>
-              </a:rPr>
-              <a:t>Class - Template</a:t>
+              <a:rPr lang="en-US" dirty="0">
+                <a:latin typeface="Calibri" panose="020F0502020204030204" pitchFamily="34" charset="0"/>
+              </a:rPr>
+              <a:t>Polymorphism means many (poly) shapes (morph)</a:t>
             </a:r>
           </a:p>
           <a:p>
@@ -9896,10 +10401,10 @@
               <a:buChar char="o"/>
             </a:pPr>
             <a:r>
-              <a:rPr lang="en-US" altLang="en-US" dirty="0">
-                <a:latin typeface="Calibri" panose="020F0502020204030204" pitchFamily="34" charset="0"/>
-              </a:rPr>
-              <a:t>Object – Instance of the template/class</a:t>
+              <a:rPr lang="en-US" dirty="0">
+                <a:latin typeface="Calibri" panose="020F0502020204030204" pitchFamily="34" charset="0"/>
+              </a:rPr>
+              <a:t>perform a single action in different ways.</a:t>
             </a:r>
           </a:p>
           <a:p>
@@ -9908,20 +10413,11 @@
               <a:buChar char="o"/>
             </a:pPr>
             <a:r>
-              <a:rPr lang="en-US" altLang="en-US" dirty="0">
-                <a:latin typeface="Calibri" panose="020F0502020204030204" pitchFamily="34" charset="0"/>
-              </a:rPr>
-              <a:t>Abstraction - H</a:t>
-            </a:r>
-            <a:r>
               <a:rPr lang="en-US" dirty="0">
                 <a:latin typeface="Calibri" panose="020F0502020204030204" pitchFamily="34" charset="0"/>
               </a:rPr>
-              <a:t>iding the unnecessary details</a:t>
-            </a:r>
-            <a:endParaRPr lang="en-US" altLang="en-US" dirty="0">
-              <a:latin typeface="Calibri" panose="020F0502020204030204" pitchFamily="34" charset="0"/>
-            </a:endParaRPr>
+              <a:t>multiple methods with the same name in the same class</a:t>
+            </a:r>
           </a:p>
           <a:p>
             <a:pPr>
@@ -9929,20 +10425,11 @@
               <a:buChar char="o"/>
             </a:pPr>
             <a:r>
-              <a:rPr lang="en-US" altLang="en-US" dirty="0">
-                <a:latin typeface="Calibri" panose="020F0502020204030204" pitchFamily="34" charset="0"/>
-              </a:rPr>
-              <a:t>Encapsulation - B</a:t>
-            </a:r>
-            <a:r>
               <a:rPr lang="en-US" dirty="0">
                 <a:latin typeface="Calibri" panose="020F0502020204030204" pitchFamily="34" charset="0"/>
               </a:rPr>
-              <a:t>undling of data with the methods </a:t>
-            </a:r>
-            <a:endParaRPr lang="en-US" altLang="en-US" dirty="0">
-              <a:latin typeface="Calibri" panose="020F0502020204030204" pitchFamily="34" charset="0"/>
-            </a:endParaRPr>
+              <a:t>Ex: draw() method could behave differently for lines, rectangles, Circles</a:t>
+            </a:r>
           </a:p>
           <a:p>
             <a:pPr>
@@ -9950,18 +10437,18 @@
               <a:buChar char="o"/>
             </a:pPr>
             <a:r>
+              <a:rPr lang="en-US" dirty="0">
+                <a:latin typeface="Calibri" panose="020F0502020204030204" pitchFamily="34" charset="0"/>
+              </a:rPr>
+              <a:t>Method overloading - </a:t>
+            </a:r>
+            <a:r>
               <a:rPr lang="en-US" altLang="en-US" dirty="0">
                 <a:latin typeface="Calibri" panose="020F0502020204030204" pitchFamily="34" charset="0"/>
               </a:rPr>
-              <a:t>Inheritance - C</a:t>
-            </a:r>
-            <a:r>
-              <a:rPr lang="en-US" dirty="0">
-                <a:latin typeface="Calibri" panose="020F0502020204030204" pitchFamily="34" charset="0"/>
-              </a:rPr>
-              <a:t>lass derives from another class</a:t>
-            </a:r>
-            <a:endParaRPr lang="en-US" altLang="en-US" dirty="0">
+              <a:t>Two or more methods with different signatures</a:t>
+            </a:r>
+            <a:endParaRPr lang="en-US" dirty="0">
               <a:latin typeface="Calibri" panose="020F0502020204030204" pitchFamily="34" charset="0"/>
             </a:endParaRPr>
           </a:p>
@@ -9971,18 +10458,36 @@
               <a:buChar char="o"/>
             </a:pPr>
             <a:r>
+              <a:rPr lang="en-US" dirty="0">
+                <a:latin typeface="Calibri" panose="020F0502020204030204" pitchFamily="34" charset="0"/>
+              </a:rPr>
+              <a:t>Method overriding - </a:t>
+            </a:r>
+            <a:r>
               <a:rPr lang="en-US" altLang="en-US" dirty="0">
                 <a:latin typeface="Calibri" panose="020F0502020204030204" pitchFamily="34" charset="0"/>
               </a:rPr>
-              <a:t>Polymorphism - A</a:t>
-            </a:r>
-            <a:r>
-              <a:rPr lang="en-US" dirty="0">
-                <a:latin typeface="Calibri" panose="020F0502020204030204" pitchFamily="34" charset="0"/>
-              </a:rPr>
-              <a:t>bility of an object to take on many forms</a:t>
-            </a:r>
-            <a:endParaRPr lang="en-US" altLang="en-US" dirty="0">
+              <a:t>Replacing an inherited method with another having the same signature</a:t>
+            </a:r>
+            <a:endParaRPr lang="en-US" dirty="0">
+              <a:latin typeface="Calibri" panose="020F0502020204030204" pitchFamily="34" charset="0"/>
+            </a:endParaRPr>
+          </a:p>
+          <a:p>
+            <a:pPr>
+              <a:buFont typeface="Courier New" panose="02070309020205020404" pitchFamily="49" charset="0"/>
+              <a:buChar char="o"/>
+            </a:pPr>
+            <a:endParaRPr lang="en-US" dirty="0">
+              <a:latin typeface="Calibri" panose="020F0502020204030204" pitchFamily="34" charset="0"/>
+            </a:endParaRPr>
+          </a:p>
+          <a:p>
+            <a:pPr>
+              <a:buFont typeface="Courier New" panose="02070309020205020404" pitchFamily="49" charset="0"/>
+              <a:buChar char="o"/>
+            </a:pPr>
+            <a:endParaRPr lang="en-US" dirty="0">
               <a:latin typeface="Calibri" panose="020F0502020204030204" pitchFamily="34" charset="0"/>
             </a:endParaRPr>
           </a:p>
@@ -9997,6 +10502,200 @@
 </file>
 
 <file path=ppt/slides/slide26.xml><?xml version="1.0" encoding="utf-8"?>
+<p:sld xmlns:a="http://schemas.openxmlformats.org/drawingml/2006/main" xmlns:r="http://schemas.openxmlformats.org/officeDocument/2006/relationships" xmlns:p="http://schemas.openxmlformats.org/presentationml/2006/main" showMasterPhAnim="0">
+  <p:cSld>
+    <p:spTree>
+      <p:nvGrpSpPr>
+        <p:cNvPr id="1" name=""/>
+        <p:cNvGrpSpPr/>
+        <p:nvPr/>
+      </p:nvGrpSpPr>
+      <p:grpSpPr>
+        <a:xfrm>
+          <a:off x="0" y="0"/>
+          <a:ext cx="0" cy="0"/>
+          <a:chOff x="0" y="0"/>
+          <a:chExt cx="0" cy="0"/>
+        </a:xfrm>
+      </p:grpSpPr>
+      <p:sp>
+        <p:nvSpPr>
+          <p:cNvPr id="84994" name="Rectangle 2">
+            <a:extLst>
+              <a:ext uri="{FF2B5EF4-FFF2-40B4-BE49-F238E27FC236}">
+                <a16:creationId xmlns:a16="http://schemas.microsoft.com/office/drawing/2014/main" id="{FEC78D48-35A0-5448-59E0-8128FB9D5965}"/>
+              </a:ext>
+            </a:extLst>
+          </p:cNvPr>
+          <p:cNvSpPr>
+            <a:spLocks noGrp="1" noRot="1" noChangeArrowheads="1"/>
+          </p:cNvSpPr>
+          <p:nvPr>
+            <p:ph type="title"/>
+          </p:nvPr>
+        </p:nvSpPr>
+        <p:spPr>
+          <a:xfrm>
+            <a:off x="768096" y="585216"/>
+            <a:ext cx="8147304" cy="1499616"/>
+          </a:xfrm>
+        </p:spPr>
+        <p:txBody>
+          <a:bodyPr vert="horz" lIns="91440" tIns="45720" rIns="91440" bIns="45720" rtlCol="0" anchor="ctr">
+            <a:normAutofit/>
+          </a:bodyPr>
+          <a:lstStyle/>
+          <a:p>
+            <a:r>
+              <a:rPr lang="en-US" altLang="en-US" dirty="0">
+                <a:latin typeface="Calibri" panose="020F0502020204030204" pitchFamily="34" charset="0"/>
+              </a:rPr>
+              <a:t>Concepts of OOP Summary</a:t>
+            </a:r>
+          </a:p>
+        </p:txBody>
+      </p:sp>
+      <p:sp>
+        <p:nvSpPr>
+          <p:cNvPr id="84995" name="Rectangle 3">
+            <a:extLst>
+              <a:ext uri="{FF2B5EF4-FFF2-40B4-BE49-F238E27FC236}">
+                <a16:creationId xmlns:a16="http://schemas.microsoft.com/office/drawing/2014/main" id="{4E888ED5-1574-3C81-3099-649F648EB76B}"/>
+              </a:ext>
+            </a:extLst>
+          </p:cNvPr>
+          <p:cNvSpPr>
+            <a:spLocks noGrp="1" noChangeArrowheads="1"/>
+          </p:cNvSpPr>
+          <p:nvPr>
+            <p:ph idx="1"/>
+          </p:nvPr>
+        </p:nvSpPr>
+        <p:spPr/>
+        <p:txBody>
+          <a:bodyPr vert="horz" lIns="45720" tIns="45720" rIns="45720" bIns="45720" rtlCol="0">
+            <a:normAutofit/>
+          </a:bodyPr>
+          <a:lstStyle/>
+          <a:p>
+            <a:pPr>
+              <a:buFont typeface="Courier New" panose="02070309020205020404" pitchFamily="49" charset="0"/>
+              <a:buChar char="o"/>
+            </a:pPr>
+            <a:r>
+              <a:rPr lang="en-US" altLang="en-US" dirty="0">
+                <a:latin typeface="Calibri" panose="020F0502020204030204" pitchFamily="34" charset="0"/>
+              </a:rPr>
+              <a:t>Class - Template</a:t>
+            </a:r>
+          </a:p>
+          <a:p>
+            <a:pPr>
+              <a:buFont typeface="Courier New" panose="02070309020205020404" pitchFamily="49" charset="0"/>
+              <a:buChar char="o"/>
+            </a:pPr>
+            <a:r>
+              <a:rPr lang="en-US" altLang="en-US" dirty="0">
+                <a:latin typeface="Calibri" panose="020F0502020204030204" pitchFamily="34" charset="0"/>
+              </a:rPr>
+              <a:t>Object – Instance of the template/class</a:t>
+            </a:r>
+          </a:p>
+          <a:p>
+            <a:pPr>
+              <a:buFont typeface="Courier New" panose="02070309020205020404" pitchFamily="49" charset="0"/>
+              <a:buChar char="o"/>
+            </a:pPr>
+            <a:r>
+              <a:rPr lang="en-US" altLang="en-US" dirty="0">
+                <a:latin typeface="Calibri" panose="020F0502020204030204" pitchFamily="34" charset="0"/>
+              </a:rPr>
+              <a:t>Abstraction - H</a:t>
+            </a:r>
+            <a:r>
+              <a:rPr lang="en-US" dirty="0">
+                <a:latin typeface="Calibri" panose="020F0502020204030204" pitchFamily="34" charset="0"/>
+              </a:rPr>
+              <a:t>iding the unnecessary details</a:t>
+            </a:r>
+            <a:endParaRPr lang="en-US" altLang="en-US" dirty="0">
+              <a:latin typeface="Calibri" panose="020F0502020204030204" pitchFamily="34" charset="0"/>
+            </a:endParaRPr>
+          </a:p>
+          <a:p>
+            <a:pPr>
+              <a:buFont typeface="Courier New" panose="02070309020205020404" pitchFamily="49" charset="0"/>
+              <a:buChar char="o"/>
+            </a:pPr>
+            <a:r>
+              <a:rPr lang="en-US" altLang="en-US" dirty="0">
+                <a:latin typeface="Calibri" panose="020F0502020204030204" pitchFamily="34" charset="0"/>
+              </a:rPr>
+              <a:t>Encapsulation - B</a:t>
+            </a:r>
+            <a:r>
+              <a:rPr lang="en-US" dirty="0">
+                <a:latin typeface="Calibri" panose="020F0502020204030204" pitchFamily="34" charset="0"/>
+              </a:rPr>
+              <a:t>undling of data with the methods </a:t>
+            </a:r>
+            <a:endParaRPr lang="en-US" altLang="en-US" dirty="0">
+              <a:latin typeface="Calibri" panose="020F0502020204030204" pitchFamily="34" charset="0"/>
+            </a:endParaRPr>
+          </a:p>
+          <a:p>
+            <a:pPr>
+              <a:buFont typeface="Courier New" panose="02070309020205020404" pitchFamily="49" charset="0"/>
+              <a:buChar char="o"/>
+            </a:pPr>
+            <a:r>
+              <a:rPr lang="en-US" altLang="en-US" dirty="0">
+                <a:latin typeface="Calibri" panose="020F0502020204030204" pitchFamily="34" charset="0"/>
+              </a:rPr>
+              <a:t>Inheritance - C</a:t>
+            </a:r>
+            <a:r>
+              <a:rPr lang="en-US" dirty="0">
+                <a:latin typeface="Calibri" panose="020F0502020204030204" pitchFamily="34" charset="0"/>
+              </a:rPr>
+              <a:t>lass derives from another class</a:t>
+            </a:r>
+            <a:endParaRPr lang="en-US" altLang="en-US" dirty="0">
+              <a:latin typeface="Calibri" panose="020F0502020204030204" pitchFamily="34" charset="0"/>
+            </a:endParaRPr>
+          </a:p>
+          <a:p>
+            <a:pPr>
+              <a:buFont typeface="Courier New" panose="02070309020205020404" pitchFamily="49" charset="0"/>
+              <a:buChar char="o"/>
+            </a:pPr>
+            <a:r>
+              <a:rPr lang="en-US" altLang="en-US" dirty="0">
+                <a:latin typeface="Calibri" panose="020F0502020204030204" pitchFamily="34" charset="0"/>
+              </a:rPr>
+              <a:t>Polymorphism - A</a:t>
+            </a:r>
+            <a:r>
+              <a:rPr lang="en-US" dirty="0">
+                <a:latin typeface="Calibri" panose="020F0502020204030204" pitchFamily="34" charset="0"/>
+              </a:rPr>
+              <a:t>bility of an object to take on many forms</a:t>
+            </a:r>
+            <a:endParaRPr lang="en-US" altLang="en-US" dirty="0">
+              <a:latin typeface="Calibri" panose="020F0502020204030204" pitchFamily="34" charset="0"/>
+            </a:endParaRPr>
+          </a:p>
+        </p:txBody>
+      </p:sp>
+    </p:spTree>
+  </p:cSld>
+  <p:clrMapOvr>
+    <a:masterClrMapping/>
+  </p:clrMapOvr>
+</p:sld>
+</file>
+
+<file path=ppt/slides/slide27.xml><?xml version="1.0" encoding="utf-8"?>
 <p:sld xmlns:a="http://schemas.openxmlformats.org/drawingml/2006/main" xmlns:r="http://schemas.openxmlformats.org/officeDocument/2006/relationships" xmlns:p="http://schemas.openxmlformats.org/presentationml/2006/main" showMasterPhAnim="0">
   <p:cSld>
     <p:spTree>
@@ -12184,4 +12883,47 @@
   </a:objectDefaults>
   <a:extraClrSchemeLst/>
 </a:theme>
+</file>
+
+<file path=ppt/theme/themeOverride1.xml><?xml version="1.0" encoding="utf-8"?>
+<a:themeOverride xmlns:a="http://schemas.openxmlformats.org/drawingml/2006/main">
+  <a:clrScheme name="Integral">
+    <a:dk1>
+      <a:sysClr val="windowText" lastClr="000000"/>
+    </a:dk1>
+    <a:lt1>
+      <a:sysClr val="window" lastClr="FFFFFF"/>
+    </a:lt1>
+    <a:dk2>
+      <a:srgbClr val="373545"/>
+    </a:dk2>
+    <a:lt2>
+      <a:srgbClr val="CEDBE6"/>
+    </a:lt2>
+    <a:accent1>
+      <a:srgbClr val="3494BA"/>
+    </a:accent1>
+    <a:accent2>
+      <a:srgbClr val="58B6C0"/>
+    </a:accent2>
+    <a:accent3>
+      <a:srgbClr val="75BDA7"/>
+    </a:accent3>
+    <a:accent4>
+      <a:srgbClr val="7A8C8E"/>
+    </a:accent4>
+    <a:accent5>
+      <a:srgbClr val="84ACB6"/>
+    </a:accent5>
+    <a:accent6>
+      <a:srgbClr val="2683C6"/>
+    </a:accent6>
+    <a:hlink>
+      <a:srgbClr val="6B9F25"/>
+    </a:hlink>
+    <a:folHlink>
+      <a:srgbClr val="B26B02"/>
+    </a:folHlink>
+  </a:clrScheme>
+</a:themeOverride>
 </file>
--- a/Object oriented Programming/Presentation/Object oriented Programming.pptx
+++ b/Object oriented Programming/Presentation/Object oriented Programming.pptx
@@ -266,7 +266,7 @@
               <a:pPr>
                 <a:defRPr/>
               </a:pPr>
-              <a:t>9/22/22</a:t>
+              <a:t>1/24/23</a:t>
             </a:fld>
             <a:endParaRPr lang="en-US" altLang="en-US"/>
           </a:p>
@@ -7953,7 +7953,19 @@
               <a:rPr lang="en-US" altLang="en-US" sz="1200" dirty="0">
                 <a:latin typeface="Calibri" panose="020F0502020204030204" pitchFamily="34" charset="0"/>
               </a:rPr>
-              <a:t>	private String name;</a:t>
+              <a:t>	</a:t>
+            </a:r>
+            <a:r>
+              <a:rPr lang="en-US" altLang="en-US" sz="1200" b="1" dirty="0">
+                <a:latin typeface="Calibri" panose="020F0502020204030204" pitchFamily="34" charset="0"/>
+              </a:rPr>
+              <a:t>private</a:t>
+            </a:r>
+            <a:r>
+              <a:rPr lang="en-US" altLang="en-US" sz="1200" dirty="0">
+                <a:latin typeface="Calibri" panose="020F0502020204030204" pitchFamily="34" charset="0"/>
+              </a:rPr>
+              <a:t> String name;</a:t>
             </a:r>
           </a:p>
           <a:p>
@@ -7967,7 +7979,19 @@
               <a:rPr lang="en-US" altLang="en-US" sz="1200" dirty="0">
                 <a:latin typeface="Calibri" panose="020F0502020204030204" pitchFamily="34" charset="0"/>
               </a:rPr>
-              <a:t>	public void </a:t>
+              <a:t>	</a:t>
+            </a:r>
+            <a:r>
+              <a:rPr lang="en-US" altLang="en-US" sz="1200" b="1" dirty="0">
+                <a:latin typeface="Calibri" panose="020F0502020204030204" pitchFamily="34" charset="0"/>
+              </a:rPr>
+              <a:t>public</a:t>
+            </a:r>
+            <a:r>
+              <a:rPr lang="en-US" altLang="en-US" sz="1200" dirty="0">
+                <a:latin typeface="Calibri" panose="020F0502020204030204" pitchFamily="34" charset="0"/>
+              </a:rPr>
+              <a:t> void </a:t>
             </a:r>
             <a:r>
               <a:rPr lang="en-US" altLang="en-US" sz="1200" dirty="0" err="1">
@@ -8005,7 +8029,19 @@
               <a:rPr lang="en-US" altLang="en-US" sz="1200" dirty="0">
                 <a:latin typeface="Calibri" panose="020F0502020204030204" pitchFamily="34" charset="0"/>
               </a:rPr>
-              <a:t>	public String </a:t>
+              <a:t>	</a:t>
+            </a:r>
+            <a:r>
+              <a:rPr lang="en-US" altLang="en-US" sz="1200" b="1" dirty="0">
+                <a:latin typeface="Calibri" panose="020F0502020204030204" pitchFamily="34" charset="0"/>
+              </a:rPr>
+              <a:t>public</a:t>
+            </a:r>
+            <a:r>
+              <a:rPr lang="en-US" altLang="en-US" sz="1200" dirty="0">
+                <a:latin typeface="Calibri" panose="020F0502020204030204" pitchFamily="34" charset="0"/>
+              </a:rPr>
+              <a:t> String </a:t>
             </a:r>
             <a:r>
               <a:rPr lang="en-US" altLang="en-US" sz="1200" dirty="0" err="1">
@@ -8624,7 +8660,7 @@
               <a:rPr lang="en-US" altLang="en-US" dirty="0">
                 <a:latin typeface="Calibri" panose="020F0502020204030204" pitchFamily="34" charset="0"/>
               </a:rPr>
-              <a:t>Multiple (A,B) -&gt; C</a:t>
+              <a:t>Multiple* (A,B) -&gt; C</a:t>
             </a:r>
           </a:p>
           <a:p>
@@ -8645,10 +8681,16 @@
               <a:buChar char="o"/>
             </a:pPr>
             <a:r>
+              <a:rPr lang="en-US" altLang="en-US">
+                <a:latin typeface="Calibri" panose="020F0502020204030204" pitchFamily="34" charset="0"/>
+              </a:rPr>
+              <a:t>Hybrid* </a:t>
+            </a:r>
+            <a:r>
               <a:rPr lang="en-US" altLang="en-US" dirty="0">
                 <a:latin typeface="Calibri" panose="020F0502020204030204" pitchFamily="34" charset="0"/>
               </a:rPr>
-              <a:t>Hybrid A-&gt;(B,C)-&gt;D</a:t>
+              <a:t>A-&gt;(B,C)-&gt;D</a:t>
             </a:r>
           </a:p>
         </p:txBody>
@@ -10865,7 +10907,7 @@
               <a:buChar char="o"/>
             </a:pPr>
             <a:r>
-              <a:rPr lang="en-US" altLang="en-US">
+              <a:rPr lang="en-US" altLang="en-US" dirty="0">
                 <a:latin typeface="Calibri" panose="020F0502020204030204" pitchFamily="34" charset="0"/>
               </a:rPr>
               <a:t>Class</a:t>
@@ -10877,7 +10919,7 @@
               <a:buChar char="o"/>
             </a:pPr>
             <a:r>
-              <a:rPr lang="en-US" altLang="en-US">
+              <a:rPr lang="en-US" altLang="en-US" dirty="0">
                 <a:latin typeface="Calibri" panose="020F0502020204030204" pitchFamily="34" charset="0"/>
               </a:rPr>
               <a:t>Object</a:t>
@@ -10889,7 +10931,7 @@
               <a:buChar char="o"/>
             </a:pPr>
             <a:r>
-              <a:rPr lang="en-US" altLang="en-US">
+              <a:rPr lang="en-US" altLang="en-US" dirty="0">
                 <a:latin typeface="Calibri" panose="020F0502020204030204" pitchFamily="34" charset="0"/>
               </a:rPr>
               <a:t>Abstraction</a:t>
@@ -10901,7 +10943,7 @@
               <a:buChar char="o"/>
             </a:pPr>
             <a:r>
-              <a:rPr lang="en-US" altLang="en-US">
+              <a:rPr lang="en-US" altLang="en-US" dirty="0">
                 <a:latin typeface="Calibri" panose="020F0502020204030204" pitchFamily="34" charset="0"/>
               </a:rPr>
               <a:t>Encapsulation</a:t>
@@ -10913,7 +10955,7 @@
               <a:buChar char="o"/>
             </a:pPr>
             <a:r>
-              <a:rPr lang="en-US" altLang="en-US">
+              <a:rPr lang="en-US" altLang="en-US" dirty="0">
                 <a:latin typeface="Calibri" panose="020F0502020204030204" pitchFamily="34" charset="0"/>
               </a:rPr>
               <a:t>Inheritance</a:t>
@@ -10925,7 +10967,7 @@
               <a:buChar char="o"/>
             </a:pPr>
             <a:r>
-              <a:rPr lang="en-US" altLang="en-US">
+              <a:rPr lang="en-US" altLang="en-US" dirty="0">
                 <a:latin typeface="Calibri" panose="020F0502020204030204" pitchFamily="34" charset="0"/>
               </a:rPr>
               <a:t>Polymorphism</a:t>
